--- a/システム詳細.pptx
+++ b/システム詳細.pptx
@@ -6,13 +6,20 @@
   </p:sldMasterIdLst>
   <p:sldIdLst>
     <p:sldId id="256" r:id="rId2"/>
-    <p:sldId id="257" r:id="rId3"/>
-    <p:sldId id="258" r:id="rId4"/>
-    <p:sldId id="260" r:id="rId5"/>
-    <p:sldId id="259" r:id="rId6"/>
-    <p:sldId id="261" r:id="rId7"/>
-    <p:sldId id="262" r:id="rId8"/>
-    <p:sldId id="263" r:id="rId9"/>
+    <p:sldId id="265" r:id="rId3"/>
+    <p:sldId id="257" r:id="rId4"/>
+    <p:sldId id="258" r:id="rId5"/>
+    <p:sldId id="260" r:id="rId6"/>
+    <p:sldId id="259" r:id="rId7"/>
+    <p:sldId id="264" r:id="rId8"/>
+    <p:sldId id="261" r:id="rId9"/>
+    <p:sldId id="262" r:id="rId10"/>
+    <p:sldId id="263" r:id="rId11"/>
+    <p:sldId id="266" r:id="rId12"/>
+    <p:sldId id="269" r:id="rId13"/>
+    <p:sldId id="270" r:id="rId14"/>
+    <p:sldId id="267" r:id="rId15"/>
+    <p:sldId id="268" r:id="rId16"/>
   </p:sldIdLst>
   <p:sldSz cx="12192000" cy="6858000"/>
   <p:notesSz cx="6858000" cy="9144000"/>
@@ -3333,6 +3340,19 @@
               <a:rPr lang="ja-JP" altLang="en-US" sz="2400" dirty="0" smtClean="0"/>
               <a:t>フロー</a:t>
             </a:r>
+            <a:endParaRPr lang="en-US" altLang="ja-JP" sz="2400" dirty="0" smtClean="0"/>
+          </a:p>
+          <a:p>
+            <a:pPr marL="457200" indent="-457200">
+              <a:lnSpc>
+                <a:spcPct val="100000"/>
+              </a:lnSpc>
+              <a:buAutoNum type="arabicPeriod"/>
+            </a:pPr>
+            <a:r>
+              <a:rPr lang="ja-JP" altLang="en-US" sz="2400" dirty="0" smtClean="0"/>
+              <a:t>世界設定（エネミー）</a:t>
+            </a:r>
             <a:endParaRPr lang="en-US" altLang="ja-JP" sz="2400" dirty="0"/>
           </a:p>
           <a:p>
@@ -3410,11 +3430,16 @@
               <a:lnSpc>
                 <a:spcPct val="100000"/>
               </a:lnSpc>
+              <a:buFontTx/>
               <a:buAutoNum type="arabicPeriod"/>
             </a:pPr>
             <a:r>
               <a:rPr lang="ja-JP" altLang="en-US" sz="2400" dirty="0" smtClean="0"/>
-              <a:t>ステージフロー</a:t>
+              <a:t>ステージフロー・</a:t>
+            </a:r>
+            <a:r>
+              <a:rPr lang="ja-JP" altLang="en-US" sz="2400" dirty="0" smtClean="0"/>
+              <a:t>ステージクリア条件</a:t>
             </a:r>
             <a:endParaRPr lang="en-US" altLang="ja-JP" sz="2400" dirty="0" smtClean="0"/>
           </a:p>
@@ -3427,24 +3452,7 @@
             </a:pPr>
             <a:r>
               <a:rPr lang="ja-JP" altLang="en-US" sz="2400" dirty="0" smtClean="0"/>
-              <a:t>ステージクリア条件</a:t>
-            </a:r>
-            <a:endParaRPr lang="en-US" altLang="ja-JP" sz="2400" dirty="0" smtClean="0"/>
-          </a:p>
-          <a:p>
-            <a:pPr marL="457200" indent="-457200">
-              <a:lnSpc>
-                <a:spcPct val="100000"/>
-              </a:lnSpc>
-              <a:buAutoNum type="arabicPeriod"/>
-            </a:pPr>
-            <a:r>
-              <a:rPr lang="ja-JP" altLang="en-US" sz="2400" dirty="0"/>
-              <a:t>エネミ</a:t>
-            </a:r>
-            <a:r>
-              <a:rPr lang="ja-JP" altLang="en-US" sz="2400" dirty="0" smtClean="0"/>
-              <a:t>ーの発生</a:t>
+              <a:t>エネミーの発生</a:t>
             </a:r>
             <a:endParaRPr lang="en-US" altLang="ja-JP" sz="2400" dirty="0" smtClean="0"/>
           </a:p>
@@ -3482,11 +3490,54 @@
             </a:pPr>
             <a:r>
               <a:rPr lang="ja-JP" altLang="en-US" sz="2400" dirty="0" smtClean="0"/>
+              <a:t>ゲーム画面</a:t>
+            </a:r>
+            <a:endParaRPr lang="en-US" altLang="ja-JP" sz="2400" dirty="0" smtClean="0"/>
+          </a:p>
+          <a:p>
+            <a:pPr marL="457200" indent="-457200">
+              <a:lnSpc>
+                <a:spcPct val="100000"/>
+              </a:lnSpc>
+              <a:buAutoNum type="arabicPeriod"/>
+            </a:pPr>
+            <a:r>
+              <a:rPr lang="ja-JP" altLang="en-US" sz="2400" dirty="0" smtClean="0"/>
+              <a:t>アイテムの種類</a:t>
+            </a:r>
+            <a:endParaRPr lang="en-US" altLang="ja-JP" sz="2400" dirty="0" smtClean="0"/>
+          </a:p>
+          <a:p>
+            <a:pPr marL="457200" indent="-457200">
+              <a:lnSpc>
+                <a:spcPct val="100000"/>
+              </a:lnSpc>
+              <a:buAutoNum type="arabicPeriod"/>
+            </a:pPr>
+            <a:r>
+              <a:rPr lang="ja-JP" altLang="en-US" sz="2400" dirty="0"/>
               <a:t>ゲーム</a:t>
             </a:r>
             <a:r>
+              <a:rPr lang="ja-JP" altLang="en-US" sz="2400" dirty="0" smtClean="0"/>
+              <a:t>オーバー</a:t>
+            </a:r>
+            <a:r>
               <a:rPr lang="ja-JP" altLang="en-US" sz="2400" dirty="0"/>
-              <a:t>画面</a:t>
+              <a:t>条件</a:t>
+            </a:r>
+            <a:endParaRPr lang="en-US" altLang="ja-JP" sz="2400" dirty="0" smtClean="0"/>
+          </a:p>
+          <a:p>
+            <a:pPr marL="457200" indent="-457200">
+              <a:lnSpc>
+                <a:spcPct val="100000"/>
+              </a:lnSpc>
+              <a:buAutoNum type="arabicPeriod"/>
+            </a:pPr>
+            <a:r>
+              <a:rPr lang="ja-JP" altLang="en-US" sz="2400" dirty="0" smtClean="0"/>
+              <a:t>スキル（導入するかは未定）</a:t>
             </a:r>
             <a:endParaRPr lang="en-US" altLang="ja-JP" sz="2400" dirty="0"/>
           </a:p>
@@ -3504,6 +3555,2011 @@
     <p:extLst>
       <p:ext uri="{BB962C8B-B14F-4D97-AF65-F5344CB8AC3E}">
         <p14:creationId xmlns:p14="http://schemas.microsoft.com/office/powerpoint/2010/main" val="85471428"/>
+      </p:ext>
+    </p:extLst>
+  </p:cSld>
+  <p:clrMapOvr>
+    <a:masterClrMapping/>
+  </p:clrMapOvr>
+</p:sld>
+</file>
+
+<file path=ppt/slides/slide10.xml><?xml version="1.0" encoding="utf-8"?>
+<p:sld xmlns:a="http://schemas.openxmlformats.org/drawingml/2006/main" xmlns:r="http://schemas.openxmlformats.org/officeDocument/2006/relationships" xmlns:p="http://schemas.openxmlformats.org/presentationml/2006/main">
+  <p:cSld>
+    <p:spTree>
+      <p:nvGrpSpPr>
+        <p:cNvPr id="1" name=""/>
+        <p:cNvGrpSpPr/>
+        <p:nvPr/>
+      </p:nvGrpSpPr>
+      <p:grpSpPr>
+        <a:xfrm>
+          <a:off x="0" y="0"/>
+          <a:ext cx="0" cy="0"/>
+          <a:chOff x="0" y="0"/>
+          <a:chExt cx="0" cy="0"/>
+        </a:xfrm>
+      </p:grpSpPr>
+      <p:sp>
+        <p:nvSpPr>
+          <p:cNvPr id="2" name="タイトル 1"/>
+          <p:cNvSpPr>
+            <a:spLocks noGrp="1"/>
+          </p:cNvSpPr>
+          <p:nvPr>
+            <p:ph type="title"/>
+          </p:nvPr>
+        </p:nvSpPr>
+        <p:spPr/>
+        <p:txBody>
+          <a:bodyPr/>
+          <a:lstStyle/>
+          <a:p>
+            <a:r>
+              <a:rPr lang="ja-JP" altLang="en-US" dirty="0" smtClean="0"/>
+              <a:t>エネミー</a:t>
+            </a:r>
+            <a:r>
+              <a:rPr lang="ja-JP" altLang="en-US" dirty="0"/>
+              <a:t>発生</a:t>
+            </a:r>
+            <a:endParaRPr kumimoji="1" lang="ja-JP" altLang="en-US" dirty="0"/>
+          </a:p>
+        </p:txBody>
+      </p:sp>
+      <p:sp>
+        <p:nvSpPr>
+          <p:cNvPr id="3" name="タイトル 1"/>
+          <p:cNvSpPr txBox="1">
+            <a:spLocks/>
+          </p:cNvSpPr>
+          <p:nvPr/>
+        </p:nvSpPr>
+        <p:spPr>
+          <a:xfrm>
+            <a:off x="838200" y="1690688"/>
+            <a:ext cx="10515600" cy="4950744"/>
+          </a:xfrm>
+          <a:prstGeom prst="rect">
+            <a:avLst/>
+          </a:prstGeom>
+        </p:spPr>
+        <p:txBody>
+          <a:bodyPr vert="horz" lIns="91440" tIns="45720" rIns="91440" bIns="45720" rtlCol="0" anchor="ctr">
+            <a:normAutofit/>
+          </a:bodyPr>
+          <a:lstStyle>
+            <a:lvl1pPr algn="l" defTabSz="914400" rtl="0" eaLnBrk="1" latinLnBrk="0" hangingPunct="1">
+              <a:lnSpc>
+                <a:spcPct val="90000"/>
+              </a:lnSpc>
+              <a:spcBef>
+                <a:spcPct val="0"/>
+              </a:spcBef>
+              <a:buNone/>
+              <a:defRPr kumimoji="1" sz="4400" kern="1200">
+                <a:solidFill>
+                  <a:schemeClr val="tx1"/>
+                </a:solidFill>
+                <a:latin typeface="+mj-lt"/>
+                <a:ea typeface="+mj-ea"/>
+                <a:cs typeface="+mj-cs"/>
+              </a:defRPr>
+            </a:lvl1pPr>
+          </a:lstStyle>
+          <a:p>
+            <a:pPr>
+              <a:lnSpc>
+                <a:spcPct val="100000"/>
+              </a:lnSpc>
+            </a:pPr>
+            <a:r>
+              <a:rPr lang="ja-JP" altLang="en-US" sz="2400" dirty="0" smtClean="0"/>
+              <a:t>ミーハー</a:t>
+            </a:r>
+            <a:endParaRPr lang="en-US" altLang="ja-JP" sz="2400" dirty="0" smtClean="0"/>
+          </a:p>
+          <a:p>
+            <a:pPr>
+              <a:lnSpc>
+                <a:spcPct val="100000"/>
+              </a:lnSpc>
+            </a:pPr>
+            <a:r>
+              <a:rPr lang="en-US" altLang="ja-JP" sz="2400" dirty="0" smtClean="0"/>
+              <a:t>1</a:t>
+            </a:r>
+            <a:r>
+              <a:rPr lang="ja-JP" altLang="en-US" sz="2400" dirty="0" smtClean="0"/>
+              <a:t>体目：　最初からいる</a:t>
+            </a:r>
+            <a:endParaRPr lang="en-US" altLang="ja-JP" sz="2400" dirty="0" smtClean="0"/>
+          </a:p>
+          <a:p>
+            <a:pPr>
+              <a:lnSpc>
+                <a:spcPct val="100000"/>
+              </a:lnSpc>
+            </a:pPr>
+            <a:r>
+              <a:rPr lang="en-US" altLang="ja-JP" sz="2400" dirty="0" smtClean="0"/>
+              <a:t>2</a:t>
+            </a:r>
+            <a:r>
+              <a:rPr lang="ja-JP" altLang="en-US" sz="2400" dirty="0" smtClean="0"/>
+              <a:t>体目以降：　</a:t>
+            </a:r>
+            <a:r>
+              <a:rPr lang="en-US" altLang="ja-JP" sz="2400" dirty="0" smtClean="0"/>
+              <a:t>5</a:t>
+            </a:r>
+            <a:r>
+              <a:rPr lang="ja-JP" altLang="en-US" sz="2400" dirty="0" smtClean="0"/>
+              <a:t>秒ごとに</a:t>
+            </a:r>
+            <a:r>
+              <a:rPr lang="en-US" altLang="ja-JP" sz="2400" dirty="0" smtClean="0"/>
+              <a:t>1</a:t>
+            </a:r>
+            <a:r>
+              <a:rPr lang="ja-JP" altLang="en-US" sz="2400" dirty="0" smtClean="0"/>
+              <a:t>体・更生させる毎に</a:t>
+            </a:r>
+            <a:r>
+              <a:rPr lang="en-US" altLang="ja-JP" sz="2400" dirty="0" smtClean="0"/>
+              <a:t>1</a:t>
+            </a:r>
+            <a:r>
+              <a:rPr lang="ja-JP" altLang="en-US" sz="2400" dirty="0" smtClean="0"/>
+              <a:t>体</a:t>
+            </a:r>
+            <a:endParaRPr lang="en-US" altLang="ja-JP" sz="2400" dirty="0" smtClean="0"/>
+          </a:p>
+          <a:p>
+            <a:pPr>
+              <a:lnSpc>
+                <a:spcPct val="100000"/>
+              </a:lnSpc>
+            </a:pPr>
+            <a:r>
+              <a:rPr lang="ja-JP" altLang="en-US" sz="2400" dirty="0" smtClean="0"/>
+              <a:t>発生の際は光るエフェクトいれる</a:t>
+            </a:r>
+            <a:endParaRPr lang="en-US" altLang="ja-JP" sz="2400" dirty="0" smtClean="0"/>
+          </a:p>
+          <a:p>
+            <a:pPr>
+              <a:lnSpc>
+                <a:spcPct val="100000"/>
+              </a:lnSpc>
+            </a:pPr>
+            <a:r>
+              <a:rPr lang="ja-JP" altLang="en-US" sz="2400" dirty="0"/>
+              <a:t>更生</a:t>
+            </a:r>
+            <a:r>
+              <a:rPr lang="ja-JP" altLang="en-US" sz="2400" dirty="0" smtClean="0"/>
+              <a:t>したらキラキラしながらステージ外に走り去る</a:t>
+            </a:r>
+            <a:endParaRPr lang="en-US" altLang="ja-JP" sz="2400" dirty="0" smtClean="0"/>
+          </a:p>
+          <a:p>
+            <a:pPr>
+              <a:lnSpc>
+                <a:spcPct val="100000"/>
+              </a:lnSpc>
+            </a:pPr>
+            <a:endParaRPr lang="en-US" altLang="ja-JP" sz="2400" dirty="0"/>
+          </a:p>
+          <a:p>
+            <a:pPr>
+              <a:lnSpc>
+                <a:spcPct val="100000"/>
+              </a:lnSpc>
+            </a:pPr>
+            <a:r>
+              <a:rPr lang="ja-JP" altLang="en-US" sz="2400" dirty="0" smtClean="0"/>
+              <a:t>リーダー</a:t>
+            </a:r>
+            <a:endParaRPr lang="en-US" altLang="ja-JP" sz="2400" dirty="0" smtClean="0"/>
+          </a:p>
+          <a:p>
+            <a:pPr>
+              <a:lnSpc>
+                <a:spcPct val="100000"/>
+              </a:lnSpc>
+            </a:pPr>
+            <a:r>
+              <a:rPr lang="ja-JP" altLang="en-US" sz="2400" dirty="0" smtClean="0"/>
+              <a:t>全ミーハー更生で発生</a:t>
+            </a:r>
+            <a:endParaRPr lang="en-US" altLang="ja-JP" sz="2400" dirty="0" smtClean="0"/>
+          </a:p>
+          <a:p>
+            <a:pPr>
+              <a:lnSpc>
+                <a:spcPct val="100000"/>
+              </a:lnSpc>
+            </a:pPr>
+            <a:r>
+              <a:rPr lang="ja-JP" altLang="en-US" sz="2400" dirty="0" smtClean="0"/>
+              <a:t>発生演出入れるかは未定</a:t>
+            </a:r>
+            <a:endParaRPr lang="en-US" altLang="ja-JP" sz="2400" dirty="0" smtClean="0"/>
+          </a:p>
+          <a:p>
+            <a:pPr>
+              <a:lnSpc>
+                <a:spcPct val="100000"/>
+              </a:lnSpc>
+            </a:pPr>
+            <a:r>
+              <a:rPr lang="ja-JP" altLang="en-US" sz="2400" dirty="0" smtClean="0"/>
+              <a:t>更生したらキラキラしながらステージ外に走り去る</a:t>
+            </a:r>
+            <a:endParaRPr lang="en-US" altLang="ja-JP" sz="2400" dirty="0" smtClean="0"/>
+          </a:p>
+          <a:p>
+            <a:pPr>
+              <a:lnSpc>
+                <a:spcPct val="100000"/>
+              </a:lnSpc>
+            </a:pPr>
+            <a:endParaRPr lang="en-US" altLang="ja-JP" sz="2400" dirty="0" smtClean="0"/>
+          </a:p>
+          <a:p>
+            <a:pPr>
+              <a:lnSpc>
+                <a:spcPct val="100000"/>
+              </a:lnSpc>
+            </a:pPr>
+            <a:endParaRPr lang="en-US" altLang="ja-JP" sz="2400" dirty="0"/>
+          </a:p>
+          <a:p>
+            <a:pPr>
+              <a:lnSpc>
+                <a:spcPct val="100000"/>
+              </a:lnSpc>
+            </a:pPr>
+            <a:r>
+              <a:rPr lang="ja-JP" altLang="en-US" sz="2400" dirty="0" smtClean="0"/>
+              <a:t>エクストラステージ：　委員長の更生</a:t>
+            </a:r>
+            <a:endParaRPr lang="en-US" altLang="ja-JP" sz="2400" dirty="0" smtClean="0"/>
+          </a:p>
+        </p:txBody>
+      </p:sp>
+    </p:spTree>
+    <p:extLst>
+      <p:ext uri="{BB962C8B-B14F-4D97-AF65-F5344CB8AC3E}">
+        <p14:creationId xmlns:p14="http://schemas.microsoft.com/office/powerpoint/2010/main" val="2730246539"/>
+      </p:ext>
+    </p:extLst>
+  </p:cSld>
+  <p:clrMapOvr>
+    <a:masterClrMapping/>
+  </p:clrMapOvr>
+</p:sld>
+</file>
+
+<file path=ppt/slides/slide11.xml><?xml version="1.0" encoding="utf-8"?>
+<p:sld xmlns:a="http://schemas.openxmlformats.org/drawingml/2006/main" xmlns:r="http://schemas.openxmlformats.org/officeDocument/2006/relationships" xmlns:p="http://schemas.openxmlformats.org/presentationml/2006/main">
+  <p:cSld>
+    <p:spTree>
+      <p:nvGrpSpPr>
+        <p:cNvPr id="1" name=""/>
+        <p:cNvGrpSpPr/>
+        <p:nvPr/>
+      </p:nvGrpSpPr>
+      <p:grpSpPr>
+        <a:xfrm>
+          <a:off x="0" y="0"/>
+          <a:ext cx="0" cy="0"/>
+          <a:chOff x="0" y="0"/>
+          <a:chExt cx="0" cy="0"/>
+        </a:xfrm>
+      </p:grpSpPr>
+      <p:sp>
+        <p:nvSpPr>
+          <p:cNvPr id="2" name="タイトル 1"/>
+          <p:cNvSpPr>
+            <a:spLocks noGrp="1"/>
+          </p:cNvSpPr>
+          <p:nvPr>
+            <p:ph type="title"/>
+          </p:nvPr>
+        </p:nvSpPr>
+        <p:spPr/>
+        <p:txBody>
+          <a:bodyPr/>
+          <a:lstStyle/>
+          <a:p>
+            <a:r>
+              <a:rPr lang="en-US" altLang="ja-JP" dirty="0" smtClean="0"/>
+              <a:t>T</a:t>
+            </a:r>
+            <a:r>
+              <a:rPr lang="ja-JP" altLang="en-US" dirty="0" smtClean="0"/>
+              <a:t>・</a:t>
+            </a:r>
+            <a:r>
+              <a:rPr lang="en-US" altLang="ja-JP" dirty="0" err="1" smtClean="0"/>
+              <a:t>FiP</a:t>
+            </a:r>
+            <a:r>
+              <a:rPr lang="ja-JP" altLang="en-US" dirty="0" smtClean="0"/>
+              <a:t>システム</a:t>
+            </a:r>
+            <a:endParaRPr kumimoji="1" lang="ja-JP" altLang="en-US" dirty="0"/>
+          </a:p>
+        </p:txBody>
+      </p:sp>
+      <p:sp>
+        <p:nvSpPr>
+          <p:cNvPr id="3" name="タイトル 1"/>
+          <p:cNvSpPr txBox="1">
+            <a:spLocks/>
+          </p:cNvSpPr>
+          <p:nvPr/>
+        </p:nvSpPr>
+        <p:spPr>
+          <a:xfrm>
+            <a:off x="838200" y="1690688"/>
+            <a:ext cx="10515600" cy="4950744"/>
+          </a:xfrm>
+          <a:prstGeom prst="rect">
+            <a:avLst/>
+          </a:prstGeom>
+        </p:spPr>
+        <p:txBody>
+          <a:bodyPr vert="horz" lIns="91440" tIns="45720" rIns="91440" bIns="45720" rtlCol="0" anchor="ctr">
+            <a:normAutofit/>
+          </a:bodyPr>
+          <a:lstStyle>
+            <a:lvl1pPr algn="l" defTabSz="914400" rtl="0" eaLnBrk="1" latinLnBrk="0" hangingPunct="1">
+              <a:lnSpc>
+                <a:spcPct val="90000"/>
+              </a:lnSpc>
+              <a:spcBef>
+                <a:spcPct val="0"/>
+              </a:spcBef>
+              <a:buNone/>
+              <a:defRPr kumimoji="1" sz="4400" kern="1200">
+                <a:solidFill>
+                  <a:schemeClr val="tx1"/>
+                </a:solidFill>
+                <a:latin typeface="+mj-lt"/>
+                <a:ea typeface="+mj-ea"/>
+                <a:cs typeface="+mj-cs"/>
+              </a:defRPr>
+            </a:lvl1pPr>
+          </a:lstStyle>
+          <a:p>
+            <a:pPr>
+              <a:lnSpc>
+                <a:spcPct val="100000"/>
+              </a:lnSpc>
+            </a:pPr>
+            <a:r>
+              <a:rPr lang="en-US" altLang="ja-JP" sz="2400" dirty="0" smtClean="0"/>
+              <a:t>T </a:t>
+            </a:r>
+            <a:r>
+              <a:rPr lang="ja-JP" altLang="en-US" sz="2400" dirty="0" smtClean="0"/>
+              <a:t>ゲージ：　</a:t>
+            </a:r>
+            <a:r>
+              <a:rPr lang="en-US" altLang="ja-JP" sz="2400" dirty="0" smtClean="0"/>
+              <a:t>BMI </a:t>
+            </a:r>
+            <a:r>
+              <a:rPr lang="ja-JP" altLang="en-US" sz="2400" dirty="0" smtClean="0"/>
+              <a:t>（脂肪）を力に更生力（攻撃力）に変換（初期値</a:t>
+            </a:r>
+            <a:r>
+              <a:rPr lang="en-US" altLang="ja-JP" sz="2400" dirty="0" smtClean="0"/>
+              <a:t>0</a:t>
+            </a:r>
+            <a:r>
+              <a:rPr lang="ja-JP" altLang="en-US" sz="2400" dirty="0" smtClean="0"/>
+              <a:t>）</a:t>
+            </a:r>
+            <a:endParaRPr lang="en-US" altLang="ja-JP" sz="2400" dirty="0" smtClean="0"/>
+          </a:p>
+          <a:p>
+            <a:pPr>
+              <a:lnSpc>
+                <a:spcPct val="100000"/>
+              </a:lnSpc>
+            </a:pPr>
+            <a:r>
+              <a:rPr lang="en-US" altLang="ja-JP" sz="2400" dirty="0" smtClean="0"/>
+              <a:t>T </a:t>
+            </a:r>
+            <a:r>
+              <a:rPr lang="ja-JP" altLang="en-US" sz="2400" dirty="0" smtClean="0"/>
+              <a:t>レベル：　更生力を</a:t>
+            </a:r>
+            <a:r>
+              <a:rPr lang="en-US" altLang="ja-JP" sz="2400" dirty="0" smtClean="0"/>
+              <a:t>1</a:t>
+            </a:r>
+            <a:r>
+              <a:rPr lang="ja-JP" altLang="en-US" sz="2400" dirty="0" smtClean="0"/>
+              <a:t>～</a:t>
+            </a:r>
+            <a:r>
+              <a:rPr lang="en-US" altLang="ja-JP" sz="2400" dirty="0" smtClean="0"/>
+              <a:t>3</a:t>
+            </a:r>
+            <a:r>
+              <a:rPr lang="ja-JP" altLang="en-US" sz="2400" dirty="0" smtClean="0"/>
+              <a:t>のレベルで表現（</a:t>
+            </a:r>
+            <a:r>
+              <a:rPr lang="en-US" altLang="ja-JP" sz="2400" dirty="0" smtClean="0"/>
+              <a:t>BMI 10</a:t>
+            </a:r>
+            <a:r>
+              <a:rPr lang="ja-JP" altLang="en-US" sz="2400" dirty="0" smtClean="0"/>
+              <a:t>→レベル</a:t>
+            </a:r>
+            <a:r>
+              <a:rPr lang="en-US" altLang="ja-JP" sz="2400" dirty="0" smtClean="0"/>
+              <a:t>1</a:t>
+            </a:r>
+            <a:r>
+              <a:rPr lang="ja-JP" altLang="en-US" sz="2400" dirty="0" smtClean="0"/>
+              <a:t>→</a:t>
+            </a:r>
+            <a:r>
+              <a:rPr lang="en-US" altLang="ja-JP" sz="2400" dirty="0" smtClean="0"/>
+              <a:t>BMI50</a:t>
+            </a:r>
+            <a:r>
+              <a:rPr lang="ja-JP" altLang="en-US" sz="2400" dirty="0" smtClean="0"/>
+              <a:t>消費）</a:t>
+            </a:r>
+            <a:endParaRPr lang="en-US" altLang="ja-JP" sz="2400" dirty="0" smtClean="0"/>
+          </a:p>
+          <a:p>
+            <a:pPr>
+              <a:lnSpc>
+                <a:spcPct val="100000"/>
+              </a:lnSpc>
+            </a:pPr>
+            <a:r>
+              <a:rPr lang="ja-JP" altLang="en-US" sz="2400" dirty="0" smtClean="0"/>
+              <a:t>変換値  ：　</a:t>
+            </a:r>
+            <a:r>
+              <a:rPr lang="en-US" altLang="ja-JP" sz="2400" dirty="0" smtClean="0"/>
+              <a:t>BMI </a:t>
+            </a:r>
+            <a:r>
+              <a:rPr lang="ja-JP" altLang="en-US" sz="2400" dirty="0" smtClean="0"/>
+              <a:t>を</a:t>
+            </a:r>
+            <a:r>
+              <a:rPr lang="en-US" altLang="ja-JP" sz="2400" dirty="0" smtClean="0"/>
+              <a:t>5</a:t>
+            </a:r>
+            <a:r>
+              <a:rPr lang="ja-JP" altLang="en-US" sz="2400" dirty="0" smtClean="0"/>
+              <a:t>消費して更生力を</a:t>
+            </a:r>
+            <a:r>
+              <a:rPr lang="en-US" altLang="ja-JP" sz="2400" dirty="0" smtClean="0"/>
+              <a:t>1</a:t>
+            </a:r>
+            <a:r>
+              <a:rPr lang="ja-JP" altLang="en-US" sz="2400" dirty="0" smtClean="0"/>
+              <a:t>あげる（</a:t>
+            </a:r>
+            <a:r>
+              <a:rPr lang="en-US" altLang="ja-JP" sz="2400" dirty="0" smtClean="0"/>
+              <a:t>1</a:t>
+            </a:r>
+            <a:r>
+              <a:rPr lang="ja-JP" altLang="en-US" sz="2400" dirty="0" smtClean="0"/>
+              <a:t>秒で</a:t>
+            </a:r>
+            <a:r>
+              <a:rPr lang="en-US" altLang="ja-JP" sz="2400" dirty="0" smtClean="0"/>
+              <a:t>50</a:t>
+            </a:r>
+            <a:r>
+              <a:rPr lang="ja-JP" altLang="en-US" sz="2400" dirty="0" smtClean="0"/>
+              <a:t>変換）</a:t>
+            </a:r>
+            <a:endParaRPr lang="en-US" altLang="ja-JP" sz="2400" dirty="0" smtClean="0"/>
+          </a:p>
+          <a:p>
+            <a:pPr>
+              <a:lnSpc>
+                <a:spcPct val="100000"/>
+              </a:lnSpc>
+            </a:pPr>
+            <a:r>
+              <a:rPr lang="ja-JP" altLang="en-US" sz="2400" dirty="0" smtClean="0"/>
+              <a:t>変換中  ：　力を溜めるモーションで無防備</a:t>
+            </a:r>
+            <a:endParaRPr lang="en-US" altLang="ja-JP" sz="2400" dirty="0" smtClean="0"/>
+          </a:p>
+          <a:p>
+            <a:pPr>
+              <a:lnSpc>
+                <a:spcPct val="100000"/>
+              </a:lnSpc>
+            </a:pPr>
+            <a:r>
+              <a:rPr lang="ja-JP" altLang="en-US" sz="2400" dirty="0" smtClean="0"/>
+              <a:t>エフェクト：　変換モーション中プレイヤー周囲に波動エフェクト・レベルが上がると激しくなる・レベル</a:t>
+            </a:r>
+            <a:r>
+              <a:rPr lang="en-US" altLang="ja-JP" sz="2400" dirty="0" smtClean="0"/>
+              <a:t>Max</a:t>
+            </a:r>
+            <a:r>
+              <a:rPr lang="ja-JP" altLang="en-US" sz="2400" dirty="0" smtClean="0"/>
+              <a:t>で解放モーション＋解放エフェクト</a:t>
+            </a:r>
+            <a:endParaRPr lang="en-US" altLang="ja-JP" sz="2400" dirty="0" smtClean="0"/>
+          </a:p>
+          <a:p>
+            <a:pPr>
+              <a:lnSpc>
+                <a:spcPct val="100000"/>
+              </a:lnSpc>
+            </a:pPr>
+            <a:r>
+              <a:rPr lang="en-US" altLang="ja-JP" sz="2400" dirty="0" smtClean="0"/>
+              <a:t>GUI        </a:t>
+            </a:r>
+            <a:r>
+              <a:rPr lang="ja-JP" altLang="en-US" sz="2400" dirty="0" smtClean="0"/>
+              <a:t>：　コントローラーとは別に設ける</a:t>
+            </a:r>
+            <a:endParaRPr lang="en-US" altLang="ja-JP" sz="2400" dirty="0" smtClean="0"/>
+          </a:p>
+        </p:txBody>
+      </p:sp>
+    </p:spTree>
+    <p:extLst>
+      <p:ext uri="{BB962C8B-B14F-4D97-AF65-F5344CB8AC3E}">
+        <p14:creationId xmlns:p14="http://schemas.microsoft.com/office/powerpoint/2010/main" val="3141349564"/>
+      </p:ext>
+    </p:extLst>
+  </p:cSld>
+  <p:clrMapOvr>
+    <a:masterClrMapping/>
+  </p:clrMapOvr>
+</p:sld>
+</file>
+
+<file path=ppt/slides/slide12.xml><?xml version="1.0" encoding="utf-8"?>
+<p:sld xmlns:a="http://schemas.openxmlformats.org/drawingml/2006/main" xmlns:r="http://schemas.openxmlformats.org/officeDocument/2006/relationships" xmlns:p="http://schemas.openxmlformats.org/presentationml/2006/main">
+  <p:cSld>
+    <p:spTree>
+      <p:nvGrpSpPr>
+        <p:cNvPr id="1" name=""/>
+        <p:cNvGrpSpPr/>
+        <p:nvPr/>
+      </p:nvGrpSpPr>
+      <p:grpSpPr>
+        <a:xfrm>
+          <a:off x="0" y="0"/>
+          <a:ext cx="0" cy="0"/>
+          <a:chOff x="0" y="0"/>
+          <a:chExt cx="0" cy="0"/>
+        </a:xfrm>
+      </p:grpSpPr>
+      <p:sp>
+        <p:nvSpPr>
+          <p:cNvPr id="2" name="タイトル 1"/>
+          <p:cNvSpPr>
+            <a:spLocks noGrp="1"/>
+          </p:cNvSpPr>
+          <p:nvPr>
+            <p:ph type="title"/>
+          </p:nvPr>
+        </p:nvSpPr>
+        <p:spPr/>
+        <p:txBody>
+          <a:bodyPr/>
+          <a:lstStyle/>
+          <a:p>
+            <a:r>
+              <a:rPr lang="ja-JP" altLang="en-US" dirty="0" smtClean="0"/>
+              <a:t>アイテム</a:t>
+            </a:r>
+            <a:endParaRPr kumimoji="1" lang="ja-JP" altLang="en-US" dirty="0"/>
+          </a:p>
+        </p:txBody>
+      </p:sp>
+      <p:sp>
+        <p:nvSpPr>
+          <p:cNvPr id="3" name="タイトル 1"/>
+          <p:cNvSpPr txBox="1">
+            <a:spLocks/>
+          </p:cNvSpPr>
+          <p:nvPr/>
+        </p:nvSpPr>
+        <p:spPr>
+          <a:xfrm>
+            <a:off x="838200" y="1690688"/>
+            <a:ext cx="10515600" cy="4950744"/>
+          </a:xfrm>
+          <a:prstGeom prst="rect">
+            <a:avLst/>
+          </a:prstGeom>
+        </p:spPr>
+        <p:txBody>
+          <a:bodyPr vert="horz" lIns="91440" tIns="45720" rIns="91440" bIns="45720" rtlCol="0" anchor="ctr">
+            <a:normAutofit/>
+          </a:bodyPr>
+          <a:lstStyle>
+            <a:lvl1pPr algn="l" defTabSz="914400" rtl="0" eaLnBrk="1" latinLnBrk="0" hangingPunct="1">
+              <a:lnSpc>
+                <a:spcPct val="90000"/>
+              </a:lnSpc>
+              <a:spcBef>
+                <a:spcPct val="0"/>
+              </a:spcBef>
+              <a:buNone/>
+              <a:defRPr kumimoji="1" sz="4400" kern="1200">
+                <a:solidFill>
+                  <a:schemeClr val="tx1"/>
+                </a:solidFill>
+                <a:latin typeface="+mj-lt"/>
+                <a:ea typeface="+mj-ea"/>
+                <a:cs typeface="+mj-cs"/>
+              </a:defRPr>
+            </a:lvl1pPr>
+          </a:lstStyle>
+          <a:p>
+            <a:pPr>
+              <a:lnSpc>
+                <a:spcPct val="100000"/>
+              </a:lnSpc>
+            </a:pPr>
+            <a:r>
+              <a:rPr lang="ja-JP" altLang="en-US" sz="2400" dirty="0" smtClean="0"/>
+              <a:t>おむすび：　</a:t>
+            </a:r>
+            <a:r>
+              <a:rPr lang="en-US" altLang="ja-JP" sz="2400" dirty="0" smtClean="0"/>
+              <a:t>BMI</a:t>
+            </a:r>
+            <a:r>
+              <a:rPr lang="ja-JP" altLang="en-US" sz="2400" dirty="0" smtClean="0"/>
+              <a:t>が</a:t>
+            </a:r>
+            <a:r>
+              <a:rPr lang="en-US" altLang="ja-JP" sz="2400" dirty="0" smtClean="0"/>
+              <a:t>5</a:t>
+            </a:r>
+            <a:r>
+              <a:rPr lang="ja-JP" altLang="en-US" sz="2400" dirty="0" smtClean="0"/>
+              <a:t>回復する</a:t>
+            </a:r>
+            <a:endParaRPr lang="en-US" altLang="ja-JP" sz="2400" dirty="0" smtClean="0"/>
+          </a:p>
+          <a:p>
+            <a:pPr>
+              <a:lnSpc>
+                <a:spcPct val="100000"/>
+              </a:lnSpc>
+            </a:pPr>
+            <a:r>
+              <a:rPr lang="ja-JP" altLang="en-US" sz="2400" dirty="0" smtClean="0"/>
+              <a:t>コーラ：　</a:t>
+            </a:r>
+            <a:r>
+              <a:rPr lang="en-US" altLang="ja-JP" sz="2400" dirty="0" smtClean="0"/>
+              <a:t>BMI</a:t>
+            </a:r>
+            <a:r>
+              <a:rPr lang="ja-JP" altLang="en-US" sz="2400" dirty="0" smtClean="0"/>
+              <a:t>が</a:t>
+            </a:r>
+            <a:r>
+              <a:rPr lang="en-US" altLang="ja-JP" sz="2400" dirty="0" smtClean="0"/>
+              <a:t>10</a:t>
+            </a:r>
+            <a:r>
+              <a:rPr lang="ja-JP" altLang="en-US" sz="2400" dirty="0" smtClean="0"/>
+              <a:t>回復する</a:t>
+            </a:r>
+            <a:endParaRPr lang="en-US" altLang="ja-JP" sz="2400" dirty="0" smtClean="0"/>
+          </a:p>
+          <a:p>
+            <a:pPr>
+              <a:lnSpc>
+                <a:spcPct val="100000"/>
+              </a:lnSpc>
+            </a:pPr>
+            <a:r>
+              <a:rPr lang="ja-JP" altLang="en-US" sz="2400" dirty="0" smtClean="0"/>
+              <a:t>ポテトチップス：　</a:t>
+            </a:r>
+            <a:r>
+              <a:rPr lang="en-US" altLang="ja-JP" sz="2400" dirty="0" smtClean="0"/>
+              <a:t>BMI</a:t>
+            </a:r>
+            <a:r>
+              <a:rPr lang="ja-JP" altLang="en-US" sz="2400" dirty="0" smtClean="0"/>
+              <a:t>が</a:t>
+            </a:r>
+            <a:r>
+              <a:rPr lang="en-US" altLang="ja-JP" sz="2400" dirty="0" smtClean="0"/>
+              <a:t>20</a:t>
+            </a:r>
+            <a:r>
+              <a:rPr lang="ja-JP" altLang="en-US" sz="2400" dirty="0" smtClean="0"/>
+              <a:t>回復する</a:t>
+            </a:r>
+            <a:endParaRPr lang="en-US" altLang="ja-JP" sz="2400" dirty="0" smtClean="0"/>
+          </a:p>
+          <a:p>
+            <a:pPr>
+              <a:lnSpc>
+                <a:spcPct val="100000"/>
+              </a:lnSpc>
+            </a:pPr>
+            <a:r>
+              <a:rPr lang="ja-JP" altLang="en-US" sz="2400" dirty="0"/>
+              <a:t>肉</a:t>
+            </a:r>
+            <a:r>
+              <a:rPr lang="ja-JP" altLang="en-US" sz="2400" dirty="0" err="1" smtClean="0"/>
+              <a:t>まん</a:t>
+            </a:r>
+            <a:r>
+              <a:rPr lang="ja-JP" altLang="en-US" sz="2400" dirty="0" smtClean="0"/>
+              <a:t>：　</a:t>
+            </a:r>
+            <a:r>
+              <a:rPr lang="en-US" altLang="ja-JP" sz="2400" dirty="0" smtClean="0"/>
+              <a:t>BMI</a:t>
+            </a:r>
+            <a:r>
+              <a:rPr lang="ja-JP" altLang="en-US" sz="2400" dirty="0" smtClean="0"/>
+              <a:t>が</a:t>
+            </a:r>
+            <a:r>
+              <a:rPr lang="en-US" altLang="ja-JP" sz="2400" dirty="0" smtClean="0"/>
+              <a:t>30</a:t>
+            </a:r>
+            <a:r>
+              <a:rPr lang="ja-JP" altLang="en-US" sz="2400" dirty="0" smtClean="0"/>
+              <a:t>回復する</a:t>
+            </a:r>
+            <a:endParaRPr lang="en-US" altLang="ja-JP" sz="2400" dirty="0" smtClean="0"/>
+          </a:p>
+          <a:p>
+            <a:pPr>
+              <a:lnSpc>
+                <a:spcPct val="100000"/>
+              </a:lnSpc>
+            </a:pPr>
+            <a:r>
+              <a:rPr lang="ja-JP" altLang="en-US" sz="2400" dirty="0" smtClean="0"/>
+              <a:t>ピザ：　</a:t>
+            </a:r>
+            <a:r>
+              <a:rPr lang="en-US" altLang="ja-JP" sz="2400" dirty="0" smtClean="0"/>
+              <a:t>BMI</a:t>
+            </a:r>
+            <a:r>
+              <a:rPr lang="ja-JP" altLang="en-US" sz="2400" dirty="0" smtClean="0"/>
+              <a:t>が</a:t>
+            </a:r>
+            <a:r>
+              <a:rPr lang="en-US" altLang="ja-JP" sz="2400" dirty="0" smtClean="0"/>
+              <a:t>50</a:t>
+            </a:r>
+            <a:r>
+              <a:rPr lang="ja-JP" altLang="en-US" sz="2400" dirty="0" smtClean="0"/>
+              <a:t>回復す</a:t>
+            </a:r>
+            <a:r>
+              <a:rPr lang="ja-JP" altLang="en-US" sz="2400" dirty="0"/>
+              <a:t>る</a:t>
+            </a:r>
+            <a:endParaRPr lang="en-US" altLang="ja-JP" sz="2400" dirty="0" smtClean="0"/>
+          </a:p>
+        </p:txBody>
+      </p:sp>
+    </p:spTree>
+    <p:extLst>
+      <p:ext uri="{BB962C8B-B14F-4D97-AF65-F5344CB8AC3E}">
+        <p14:creationId xmlns:p14="http://schemas.microsoft.com/office/powerpoint/2010/main" val="1367083413"/>
+      </p:ext>
+    </p:extLst>
+  </p:cSld>
+  <p:clrMapOvr>
+    <a:masterClrMapping/>
+  </p:clrMapOvr>
+</p:sld>
+</file>
+
+<file path=ppt/slides/slide13.xml><?xml version="1.0" encoding="utf-8"?>
+<p:sld xmlns:a="http://schemas.openxmlformats.org/drawingml/2006/main" xmlns:r="http://schemas.openxmlformats.org/officeDocument/2006/relationships" xmlns:p="http://schemas.openxmlformats.org/presentationml/2006/main">
+  <p:cSld>
+    <p:spTree>
+      <p:nvGrpSpPr>
+        <p:cNvPr id="1" name=""/>
+        <p:cNvGrpSpPr/>
+        <p:nvPr/>
+      </p:nvGrpSpPr>
+      <p:grpSpPr>
+        <a:xfrm>
+          <a:off x="0" y="0"/>
+          <a:ext cx="0" cy="0"/>
+          <a:chOff x="0" y="0"/>
+          <a:chExt cx="0" cy="0"/>
+        </a:xfrm>
+      </p:grpSpPr>
+      <p:sp>
+        <p:nvSpPr>
+          <p:cNvPr id="2" name="タイトル 1"/>
+          <p:cNvSpPr>
+            <a:spLocks noGrp="1"/>
+          </p:cNvSpPr>
+          <p:nvPr>
+            <p:ph type="title"/>
+          </p:nvPr>
+        </p:nvSpPr>
+        <p:spPr/>
+        <p:txBody>
+          <a:bodyPr/>
+          <a:lstStyle/>
+          <a:p>
+            <a:r>
+              <a:rPr lang="ja-JP" altLang="en-US" dirty="0" smtClean="0"/>
+              <a:t>ゲームオーバー条件</a:t>
+            </a:r>
+            <a:endParaRPr kumimoji="1" lang="ja-JP" altLang="en-US" dirty="0"/>
+          </a:p>
+        </p:txBody>
+      </p:sp>
+      <p:sp>
+        <p:nvSpPr>
+          <p:cNvPr id="3" name="タイトル 1"/>
+          <p:cNvSpPr txBox="1">
+            <a:spLocks/>
+          </p:cNvSpPr>
+          <p:nvPr/>
+        </p:nvSpPr>
+        <p:spPr>
+          <a:xfrm>
+            <a:off x="838200" y="1690688"/>
+            <a:ext cx="10515600" cy="4950744"/>
+          </a:xfrm>
+          <a:prstGeom prst="rect">
+            <a:avLst/>
+          </a:prstGeom>
+        </p:spPr>
+        <p:txBody>
+          <a:bodyPr vert="horz" lIns="91440" tIns="45720" rIns="91440" bIns="45720" rtlCol="0" anchor="ctr">
+            <a:normAutofit/>
+          </a:bodyPr>
+          <a:lstStyle>
+            <a:lvl1pPr algn="l" defTabSz="914400" rtl="0" eaLnBrk="1" latinLnBrk="0" hangingPunct="1">
+              <a:lnSpc>
+                <a:spcPct val="90000"/>
+              </a:lnSpc>
+              <a:spcBef>
+                <a:spcPct val="0"/>
+              </a:spcBef>
+              <a:buNone/>
+              <a:defRPr kumimoji="1" sz="4400" kern="1200">
+                <a:solidFill>
+                  <a:schemeClr val="tx1"/>
+                </a:solidFill>
+                <a:latin typeface="+mj-lt"/>
+                <a:ea typeface="+mj-ea"/>
+                <a:cs typeface="+mj-cs"/>
+              </a:defRPr>
+            </a:lvl1pPr>
+          </a:lstStyle>
+          <a:p>
+            <a:pPr>
+              <a:lnSpc>
+                <a:spcPct val="100000"/>
+              </a:lnSpc>
+            </a:pPr>
+            <a:r>
+              <a:rPr lang="en-US" altLang="ja-JP" sz="2400" dirty="0" smtClean="0"/>
+              <a:t>1.BMI</a:t>
+            </a:r>
+            <a:r>
+              <a:rPr lang="ja-JP" altLang="en-US" sz="2400" dirty="0" smtClean="0"/>
+              <a:t>が</a:t>
+            </a:r>
+            <a:r>
+              <a:rPr lang="en-US" altLang="ja-JP" sz="2400" dirty="0" smtClean="0"/>
+              <a:t>0</a:t>
+            </a:r>
+            <a:r>
+              <a:rPr lang="ja-JP" altLang="en-US" sz="2400" dirty="0" smtClean="0"/>
+              <a:t>になる</a:t>
+            </a:r>
+            <a:endParaRPr lang="en-US" altLang="ja-JP" sz="2400" dirty="0" smtClean="0"/>
+          </a:p>
+          <a:p>
+            <a:pPr>
+              <a:lnSpc>
+                <a:spcPct val="100000"/>
+              </a:lnSpc>
+            </a:pPr>
+            <a:r>
+              <a:rPr lang="ja-JP" altLang="en-US" sz="2400" dirty="0" smtClean="0"/>
+              <a:t>→変身が解けて前のめりに倒れる</a:t>
+            </a:r>
+            <a:endParaRPr lang="en-US" altLang="ja-JP" sz="2400" dirty="0" smtClean="0"/>
+          </a:p>
+          <a:p>
+            <a:pPr>
+              <a:lnSpc>
+                <a:spcPct val="100000"/>
+              </a:lnSpc>
+            </a:pPr>
+            <a:r>
+              <a:rPr lang="en-US" altLang="ja-JP" sz="2400" dirty="0" smtClean="0"/>
+              <a:t>2.</a:t>
+            </a:r>
+            <a:r>
+              <a:rPr lang="ja-JP" altLang="en-US" sz="2400" dirty="0" smtClean="0"/>
+              <a:t>制限時間が</a:t>
+            </a:r>
+            <a:r>
+              <a:rPr lang="en-US" altLang="ja-JP" sz="2400" dirty="0" smtClean="0"/>
+              <a:t>0</a:t>
+            </a:r>
+            <a:r>
+              <a:rPr lang="ja-JP" altLang="en-US" sz="2400" dirty="0" smtClean="0"/>
+              <a:t>になる</a:t>
+            </a:r>
+            <a:endParaRPr lang="en-US" altLang="ja-JP" sz="2400" dirty="0" smtClean="0"/>
+          </a:p>
+          <a:p>
+            <a:pPr>
+              <a:lnSpc>
+                <a:spcPct val="100000"/>
+              </a:lnSpc>
+            </a:pPr>
+            <a:r>
+              <a:rPr lang="ja-JP" altLang="en-US" sz="2400" dirty="0" smtClean="0"/>
+              <a:t>→</a:t>
+            </a:r>
+            <a:r>
+              <a:rPr lang="en-US" altLang="ja-JP" sz="2400" dirty="0" smtClean="0"/>
+              <a:t>BMI</a:t>
+            </a:r>
+            <a:r>
+              <a:rPr lang="ja-JP" altLang="en-US" sz="2400" dirty="0" smtClean="0"/>
+              <a:t>が</a:t>
+            </a:r>
+            <a:r>
+              <a:rPr lang="en-US" altLang="ja-JP" sz="2400" dirty="0" smtClean="0"/>
+              <a:t>0</a:t>
+            </a:r>
+            <a:r>
+              <a:rPr lang="ja-JP" altLang="en-US" sz="2400" dirty="0" smtClean="0"/>
+              <a:t>になる</a:t>
+            </a:r>
+            <a:endParaRPr lang="en-US" altLang="ja-JP" sz="2400" dirty="0" smtClean="0"/>
+          </a:p>
+        </p:txBody>
+      </p:sp>
+    </p:spTree>
+    <p:extLst>
+      <p:ext uri="{BB962C8B-B14F-4D97-AF65-F5344CB8AC3E}">
+        <p14:creationId xmlns:p14="http://schemas.microsoft.com/office/powerpoint/2010/main" val="95893001"/>
+      </p:ext>
+    </p:extLst>
+  </p:cSld>
+  <p:clrMapOvr>
+    <a:masterClrMapping/>
+  </p:clrMapOvr>
+</p:sld>
+</file>
+
+<file path=ppt/slides/slide14.xml><?xml version="1.0" encoding="utf-8"?>
+<p:sld xmlns:a="http://schemas.openxmlformats.org/drawingml/2006/main" xmlns:r="http://schemas.openxmlformats.org/officeDocument/2006/relationships" xmlns:p="http://schemas.openxmlformats.org/presentationml/2006/main">
+  <p:cSld>
+    <p:spTree>
+      <p:nvGrpSpPr>
+        <p:cNvPr id="1" name=""/>
+        <p:cNvGrpSpPr/>
+        <p:nvPr/>
+      </p:nvGrpSpPr>
+      <p:grpSpPr>
+        <a:xfrm>
+          <a:off x="0" y="0"/>
+          <a:ext cx="0" cy="0"/>
+          <a:chOff x="0" y="0"/>
+          <a:chExt cx="0" cy="0"/>
+        </a:xfrm>
+      </p:grpSpPr>
+      <p:sp>
+        <p:nvSpPr>
+          <p:cNvPr id="2" name="タイトル 1"/>
+          <p:cNvSpPr>
+            <a:spLocks noGrp="1"/>
+          </p:cNvSpPr>
+          <p:nvPr>
+            <p:ph type="title"/>
+          </p:nvPr>
+        </p:nvSpPr>
+        <p:spPr/>
+        <p:txBody>
+          <a:bodyPr/>
+          <a:lstStyle/>
+          <a:p>
+            <a:r>
+              <a:rPr lang="ja-JP" altLang="en-US" dirty="0" smtClean="0"/>
+              <a:t>ゲーム画面</a:t>
+            </a:r>
+            <a:endParaRPr kumimoji="1" lang="ja-JP" altLang="en-US" dirty="0"/>
+          </a:p>
+        </p:txBody>
+      </p:sp>
+      <p:sp>
+        <p:nvSpPr>
+          <p:cNvPr id="3" name="タイトル 1"/>
+          <p:cNvSpPr txBox="1">
+            <a:spLocks/>
+          </p:cNvSpPr>
+          <p:nvPr/>
+        </p:nvSpPr>
+        <p:spPr>
+          <a:xfrm>
+            <a:off x="838200" y="1690688"/>
+            <a:ext cx="10515600" cy="4950744"/>
+          </a:xfrm>
+          <a:prstGeom prst="rect">
+            <a:avLst/>
+          </a:prstGeom>
+        </p:spPr>
+        <p:txBody>
+          <a:bodyPr vert="horz" lIns="91440" tIns="45720" rIns="91440" bIns="45720" rtlCol="0" anchor="ctr">
+            <a:normAutofit/>
+          </a:bodyPr>
+          <a:lstStyle>
+            <a:lvl1pPr algn="l" defTabSz="914400" rtl="0" eaLnBrk="1" latinLnBrk="0" hangingPunct="1">
+              <a:lnSpc>
+                <a:spcPct val="90000"/>
+              </a:lnSpc>
+              <a:spcBef>
+                <a:spcPct val="0"/>
+              </a:spcBef>
+              <a:buNone/>
+              <a:defRPr kumimoji="1" sz="4400" kern="1200">
+                <a:solidFill>
+                  <a:schemeClr val="tx1"/>
+                </a:solidFill>
+                <a:latin typeface="+mj-lt"/>
+                <a:ea typeface="+mj-ea"/>
+                <a:cs typeface="+mj-cs"/>
+              </a:defRPr>
+            </a:lvl1pPr>
+          </a:lstStyle>
+          <a:p>
+            <a:pPr>
+              <a:lnSpc>
+                <a:spcPct val="100000"/>
+              </a:lnSpc>
+            </a:pPr>
+            <a:endParaRPr lang="en-US" altLang="ja-JP" sz="2400" dirty="0" smtClean="0"/>
+          </a:p>
+        </p:txBody>
+      </p:sp>
+      <p:sp>
+        <p:nvSpPr>
+          <p:cNvPr id="4" name="フローチャート: 処理 3"/>
+          <p:cNvSpPr/>
+          <p:nvPr/>
+        </p:nvSpPr>
+        <p:spPr>
+          <a:xfrm>
+            <a:off x="4750468" y="878997"/>
+            <a:ext cx="3914273" cy="5807243"/>
+          </a:xfrm>
+          <a:prstGeom prst="flowChartProcess">
+            <a:avLst/>
+          </a:prstGeom>
+        </p:spPr>
+        <p:style>
+          <a:lnRef idx="2">
+            <a:schemeClr val="accent6"/>
+          </a:lnRef>
+          <a:fillRef idx="1">
+            <a:schemeClr val="lt1"/>
+          </a:fillRef>
+          <a:effectRef idx="0">
+            <a:schemeClr val="accent6"/>
+          </a:effectRef>
+          <a:fontRef idx="minor">
+            <a:schemeClr val="dk1"/>
+          </a:fontRef>
+        </p:style>
+        <p:txBody>
+          <a:bodyPr rtlCol="0" anchor="ctr"/>
+          <a:lstStyle/>
+          <a:p>
+            <a:pPr algn="ctr"/>
+            <a:endParaRPr kumimoji="1" lang="ja-JP" altLang="en-US"/>
+          </a:p>
+        </p:txBody>
+      </p:sp>
+      <p:sp>
+        <p:nvSpPr>
+          <p:cNvPr id="5" name="正方形/長方形 4"/>
+          <p:cNvSpPr/>
+          <p:nvPr/>
+        </p:nvSpPr>
+        <p:spPr>
+          <a:xfrm>
+            <a:off x="5097378" y="-479319"/>
+            <a:ext cx="3320715" cy="277897"/>
+          </a:xfrm>
+          <a:prstGeom prst="rect">
+            <a:avLst/>
+          </a:prstGeom>
+        </p:spPr>
+        <p:style>
+          <a:lnRef idx="2">
+            <a:schemeClr val="accent6"/>
+          </a:lnRef>
+          <a:fillRef idx="1">
+            <a:schemeClr val="lt1"/>
+          </a:fillRef>
+          <a:effectRef idx="0">
+            <a:schemeClr val="accent6"/>
+          </a:effectRef>
+          <a:fontRef idx="minor">
+            <a:schemeClr val="dk1"/>
+          </a:fontRef>
+        </p:style>
+        <p:txBody>
+          <a:bodyPr rtlCol="0" anchor="ctr"/>
+          <a:lstStyle/>
+          <a:p>
+            <a:pPr algn="ctr"/>
+            <a:r>
+              <a:rPr kumimoji="1" lang="ja-JP" altLang="en-US" dirty="0" smtClean="0"/>
+              <a:t>ステージ名</a:t>
+            </a:r>
+            <a:endParaRPr kumimoji="1" lang="ja-JP" altLang="en-US" dirty="0"/>
+          </a:p>
+        </p:txBody>
+      </p:sp>
+      <p:sp>
+        <p:nvSpPr>
+          <p:cNvPr id="6" name="正方形/長方形 5"/>
+          <p:cNvSpPr/>
+          <p:nvPr/>
+        </p:nvSpPr>
+        <p:spPr>
+          <a:xfrm>
+            <a:off x="7231978" y="1738815"/>
+            <a:ext cx="1652337" cy="270292"/>
+          </a:xfrm>
+          <a:prstGeom prst="rect">
+            <a:avLst/>
+          </a:prstGeom>
+        </p:spPr>
+        <p:style>
+          <a:lnRef idx="2">
+            <a:schemeClr val="accent6"/>
+          </a:lnRef>
+          <a:fillRef idx="1">
+            <a:schemeClr val="lt1"/>
+          </a:fillRef>
+          <a:effectRef idx="0">
+            <a:schemeClr val="accent6"/>
+          </a:effectRef>
+          <a:fontRef idx="minor">
+            <a:schemeClr val="dk1"/>
+          </a:fontRef>
+        </p:style>
+        <p:txBody>
+          <a:bodyPr rtlCol="0" anchor="ctr"/>
+          <a:lstStyle/>
+          <a:p>
+            <a:pPr algn="ctr"/>
+            <a:r>
+              <a:rPr kumimoji="1" lang="ja-JP" altLang="en-US" dirty="0" smtClean="0"/>
+              <a:t>残タイム　</a:t>
+            </a:r>
+            <a:r>
+              <a:rPr kumimoji="1" lang="en-US" altLang="ja-JP" dirty="0" smtClean="0"/>
+              <a:t>3</a:t>
+            </a:r>
+            <a:r>
+              <a:rPr kumimoji="1" lang="ja-JP" altLang="en-US" dirty="0" smtClean="0"/>
+              <a:t>：</a:t>
+            </a:r>
+            <a:r>
+              <a:rPr kumimoji="1" lang="en-US" altLang="ja-JP" dirty="0" smtClean="0"/>
+              <a:t>00</a:t>
+            </a:r>
+            <a:endParaRPr kumimoji="1" lang="ja-JP" altLang="en-US" dirty="0"/>
+          </a:p>
+        </p:txBody>
+      </p:sp>
+      <p:sp>
+        <p:nvSpPr>
+          <p:cNvPr id="7" name="正方形/長方形 6"/>
+          <p:cNvSpPr/>
+          <p:nvPr/>
+        </p:nvSpPr>
+        <p:spPr>
+          <a:xfrm>
+            <a:off x="8253159" y="1072954"/>
+            <a:ext cx="352926" cy="270292"/>
+          </a:xfrm>
+          <a:prstGeom prst="rect">
+            <a:avLst/>
+          </a:prstGeom>
+        </p:spPr>
+        <p:style>
+          <a:lnRef idx="2">
+            <a:schemeClr val="accent6"/>
+          </a:lnRef>
+          <a:fillRef idx="1">
+            <a:schemeClr val="lt1"/>
+          </a:fillRef>
+          <a:effectRef idx="0">
+            <a:schemeClr val="accent6"/>
+          </a:effectRef>
+          <a:fontRef idx="minor">
+            <a:schemeClr val="dk1"/>
+          </a:fontRef>
+        </p:style>
+        <p:txBody>
+          <a:bodyPr rtlCol="0" anchor="ctr"/>
+          <a:lstStyle/>
+          <a:p>
+            <a:pPr algn="ctr"/>
+            <a:endParaRPr kumimoji="1" lang="ja-JP" altLang="en-US"/>
+          </a:p>
+        </p:txBody>
+      </p:sp>
+      <p:sp>
+        <p:nvSpPr>
+          <p:cNvPr id="9" name="フローチャート: 処理 8"/>
+          <p:cNvSpPr/>
+          <p:nvPr/>
+        </p:nvSpPr>
+        <p:spPr>
+          <a:xfrm>
+            <a:off x="4820652" y="5450806"/>
+            <a:ext cx="3914273" cy="1174584"/>
+          </a:xfrm>
+          <a:prstGeom prst="flowChartProcess">
+            <a:avLst/>
+          </a:prstGeom>
+        </p:spPr>
+        <p:style>
+          <a:lnRef idx="2">
+            <a:schemeClr val="accent6"/>
+          </a:lnRef>
+          <a:fillRef idx="1">
+            <a:schemeClr val="lt1"/>
+          </a:fillRef>
+          <a:effectRef idx="0">
+            <a:schemeClr val="accent6"/>
+          </a:effectRef>
+          <a:fontRef idx="minor">
+            <a:schemeClr val="dk1"/>
+          </a:fontRef>
+        </p:style>
+        <p:txBody>
+          <a:bodyPr rtlCol="0" anchor="ctr"/>
+          <a:lstStyle/>
+          <a:p>
+            <a:pPr algn="ctr"/>
+            <a:endParaRPr kumimoji="1" lang="ja-JP" altLang="en-US"/>
+          </a:p>
+        </p:txBody>
+      </p:sp>
+      <p:sp>
+        <p:nvSpPr>
+          <p:cNvPr id="10" name="フローチャート: 処理 9"/>
+          <p:cNvSpPr/>
+          <p:nvPr/>
+        </p:nvSpPr>
+        <p:spPr>
+          <a:xfrm>
+            <a:off x="4930943" y="5450806"/>
+            <a:ext cx="1219200" cy="1106906"/>
+          </a:xfrm>
+          <a:prstGeom prst="flowChartProcess">
+            <a:avLst/>
+          </a:prstGeom>
+        </p:spPr>
+        <p:style>
+          <a:lnRef idx="2">
+            <a:schemeClr val="accent6"/>
+          </a:lnRef>
+          <a:fillRef idx="1">
+            <a:schemeClr val="lt1"/>
+          </a:fillRef>
+          <a:effectRef idx="0">
+            <a:schemeClr val="accent6"/>
+          </a:effectRef>
+          <a:fontRef idx="minor">
+            <a:schemeClr val="dk1"/>
+          </a:fontRef>
+        </p:style>
+        <p:txBody>
+          <a:bodyPr rtlCol="0" anchor="ctr"/>
+          <a:lstStyle/>
+          <a:p>
+            <a:pPr algn="ctr"/>
+            <a:endParaRPr kumimoji="1" lang="ja-JP" altLang="en-US"/>
+          </a:p>
+        </p:txBody>
+      </p:sp>
+      <p:sp>
+        <p:nvSpPr>
+          <p:cNvPr id="11" name="フローチャート: 処理 10"/>
+          <p:cNvSpPr/>
+          <p:nvPr/>
+        </p:nvSpPr>
+        <p:spPr>
+          <a:xfrm>
+            <a:off x="4977063" y="1650062"/>
+            <a:ext cx="368969" cy="385010"/>
+          </a:xfrm>
+          <a:prstGeom prst="flowChartProcess">
+            <a:avLst/>
+          </a:prstGeom>
+        </p:spPr>
+        <p:style>
+          <a:lnRef idx="2">
+            <a:schemeClr val="accent6"/>
+          </a:lnRef>
+          <a:fillRef idx="1">
+            <a:schemeClr val="lt1"/>
+          </a:fillRef>
+          <a:effectRef idx="0">
+            <a:schemeClr val="accent6"/>
+          </a:effectRef>
+          <a:fontRef idx="minor">
+            <a:schemeClr val="dk1"/>
+          </a:fontRef>
+        </p:style>
+        <p:txBody>
+          <a:bodyPr rtlCol="0" anchor="ctr"/>
+          <a:lstStyle/>
+          <a:p>
+            <a:pPr algn="ctr"/>
+            <a:r>
+              <a:rPr kumimoji="1" lang="en-US" altLang="ja-JP" dirty="0" smtClean="0"/>
+              <a:t>T</a:t>
+            </a:r>
+            <a:endParaRPr kumimoji="1" lang="ja-JP" altLang="en-US" dirty="0"/>
+          </a:p>
+        </p:txBody>
+      </p:sp>
+      <p:sp>
+        <p:nvSpPr>
+          <p:cNvPr id="16" name="フローチャート: 処理 15"/>
+          <p:cNvSpPr/>
+          <p:nvPr/>
+        </p:nvSpPr>
+        <p:spPr>
+          <a:xfrm>
+            <a:off x="4957010" y="1249530"/>
+            <a:ext cx="609601" cy="401053"/>
+          </a:xfrm>
+          <a:prstGeom prst="flowChartProcess">
+            <a:avLst/>
+          </a:prstGeom>
+        </p:spPr>
+        <p:style>
+          <a:lnRef idx="2">
+            <a:schemeClr val="accent6"/>
+          </a:lnRef>
+          <a:fillRef idx="1">
+            <a:schemeClr val="lt1"/>
+          </a:fillRef>
+          <a:effectRef idx="0">
+            <a:schemeClr val="accent6"/>
+          </a:effectRef>
+          <a:fontRef idx="minor">
+            <a:schemeClr val="dk1"/>
+          </a:fontRef>
+        </p:style>
+        <p:txBody>
+          <a:bodyPr rtlCol="0" anchor="ctr"/>
+          <a:lstStyle/>
+          <a:p>
+            <a:pPr algn="ctr"/>
+            <a:r>
+              <a:rPr kumimoji="1" lang="en-US" altLang="ja-JP" dirty="0" smtClean="0"/>
+              <a:t>BMI</a:t>
+            </a:r>
+            <a:endParaRPr kumimoji="1" lang="ja-JP" altLang="en-US" dirty="0"/>
+          </a:p>
+        </p:txBody>
+      </p:sp>
+      <p:sp>
+        <p:nvSpPr>
+          <p:cNvPr id="17" name="フローチャート: 処理 16"/>
+          <p:cNvSpPr/>
+          <p:nvPr/>
+        </p:nvSpPr>
+        <p:spPr>
+          <a:xfrm>
+            <a:off x="6378742" y="5683082"/>
+            <a:ext cx="2137610" cy="890672"/>
+          </a:xfrm>
+          <a:prstGeom prst="flowChartProcess">
+            <a:avLst/>
+          </a:prstGeom>
+        </p:spPr>
+        <p:style>
+          <a:lnRef idx="2">
+            <a:schemeClr val="accent6"/>
+          </a:lnRef>
+          <a:fillRef idx="1">
+            <a:schemeClr val="lt1"/>
+          </a:fillRef>
+          <a:effectRef idx="0">
+            <a:schemeClr val="accent6"/>
+          </a:effectRef>
+          <a:fontRef idx="minor">
+            <a:schemeClr val="dk1"/>
+          </a:fontRef>
+        </p:style>
+        <p:txBody>
+          <a:bodyPr rtlCol="0" anchor="ctr"/>
+          <a:lstStyle/>
+          <a:p>
+            <a:pPr algn="ctr"/>
+            <a:r>
+              <a:rPr kumimoji="1" lang="en-US" altLang="ja-JP" dirty="0" smtClean="0"/>
+              <a:t>T</a:t>
+            </a:r>
+            <a:r>
+              <a:rPr kumimoji="1" lang="ja-JP" altLang="en-US" dirty="0" smtClean="0"/>
+              <a:t>・</a:t>
+            </a:r>
+            <a:r>
+              <a:rPr lang="ja-JP" altLang="en-US" dirty="0" smtClean="0"/>
+              <a:t>スキル発動！！</a:t>
+            </a:r>
+            <a:endParaRPr kumimoji="1" lang="ja-JP" altLang="en-US" dirty="0"/>
+          </a:p>
+        </p:txBody>
+      </p:sp>
+      <p:sp>
+        <p:nvSpPr>
+          <p:cNvPr id="18" name="フローチャート: 処理 17"/>
+          <p:cNvSpPr/>
+          <p:nvPr/>
+        </p:nvSpPr>
+        <p:spPr>
+          <a:xfrm>
+            <a:off x="5514474" y="1634020"/>
+            <a:ext cx="685800" cy="385010"/>
+          </a:xfrm>
+          <a:prstGeom prst="flowChartProcess">
+            <a:avLst/>
+          </a:prstGeom>
+          <a:solidFill>
+            <a:schemeClr val="accent4">
+              <a:lumMod val="60000"/>
+              <a:lumOff val="40000"/>
+            </a:schemeClr>
+          </a:solidFill>
+        </p:spPr>
+        <p:style>
+          <a:lnRef idx="2">
+            <a:schemeClr val="accent1">
+              <a:shade val="50000"/>
+            </a:schemeClr>
+          </a:lnRef>
+          <a:fillRef idx="1">
+            <a:schemeClr val="accent1"/>
+          </a:fillRef>
+          <a:effectRef idx="0">
+            <a:schemeClr val="accent1"/>
+          </a:effectRef>
+          <a:fontRef idx="minor">
+            <a:schemeClr val="lt1"/>
+          </a:fontRef>
+        </p:style>
+        <p:txBody>
+          <a:bodyPr rtlCol="0" anchor="ctr"/>
+          <a:lstStyle/>
+          <a:p>
+            <a:pPr algn="ctr"/>
+            <a:r>
+              <a:rPr kumimoji="1" lang="en-US" altLang="ja-JP" dirty="0" smtClean="0"/>
+              <a:t>1</a:t>
+            </a:r>
+            <a:endParaRPr kumimoji="1" lang="ja-JP" altLang="en-US" dirty="0"/>
+          </a:p>
+        </p:txBody>
+      </p:sp>
+      <p:sp>
+        <p:nvSpPr>
+          <p:cNvPr id="19" name="フローチャート: 処理 18"/>
+          <p:cNvSpPr/>
+          <p:nvPr/>
+        </p:nvSpPr>
+        <p:spPr>
+          <a:xfrm>
+            <a:off x="6019800" y="1634020"/>
+            <a:ext cx="673768" cy="385010"/>
+          </a:xfrm>
+          <a:prstGeom prst="flowChartProcess">
+            <a:avLst/>
+          </a:prstGeom>
+        </p:spPr>
+        <p:style>
+          <a:lnRef idx="2">
+            <a:schemeClr val="accent6"/>
+          </a:lnRef>
+          <a:fillRef idx="1">
+            <a:schemeClr val="lt1"/>
+          </a:fillRef>
+          <a:effectRef idx="0">
+            <a:schemeClr val="accent6"/>
+          </a:effectRef>
+          <a:fontRef idx="minor">
+            <a:schemeClr val="dk1"/>
+          </a:fontRef>
+        </p:style>
+        <p:txBody>
+          <a:bodyPr rtlCol="0" anchor="ctr"/>
+          <a:lstStyle/>
+          <a:p>
+            <a:pPr algn="ctr"/>
+            <a:r>
+              <a:rPr kumimoji="1" lang="en-US" altLang="ja-JP" dirty="0" smtClean="0"/>
+              <a:t>2</a:t>
+            </a:r>
+            <a:endParaRPr kumimoji="1" lang="ja-JP" altLang="en-US" dirty="0"/>
+          </a:p>
+        </p:txBody>
+      </p:sp>
+      <p:sp>
+        <p:nvSpPr>
+          <p:cNvPr id="20" name="フローチャート: 処理 19"/>
+          <p:cNvSpPr/>
+          <p:nvPr/>
+        </p:nvSpPr>
+        <p:spPr>
+          <a:xfrm>
+            <a:off x="6693568" y="1632976"/>
+            <a:ext cx="641684" cy="370722"/>
+          </a:xfrm>
+          <a:prstGeom prst="flowChartProcess">
+            <a:avLst/>
+          </a:prstGeom>
+        </p:spPr>
+        <p:style>
+          <a:lnRef idx="2">
+            <a:schemeClr val="accent6"/>
+          </a:lnRef>
+          <a:fillRef idx="1">
+            <a:schemeClr val="lt1"/>
+          </a:fillRef>
+          <a:effectRef idx="0">
+            <a:schemeClr val="accent6"/>
+          </a:effectRef>
+          <a:fontRef idx="minor">
+            <a:schemeClr val="dk1"/>
+          </a:fontRef>
+        </p:style>
+        <p:txBody>
+          <a:bodyPr rtlCol="0" anchor="ctr"/>
+          <a:lstStyle/>
+          <a:p>
+            <a:pPr algn="ctr"/>
+            <a:r>
+              <a:rPr kumimoji="1" lang="en-US" altLang="ja-JP" dirty="0" smtClean="0"/>
+              <a:t>3</a:t>
+            </a:r>
+            <a:endParaRPr kumimoji="1" lang="ja-JP" altLang="en-US" dirty="0"/>
+          </a:p>
+        </p:txBody>
+      </p:sp>
+      <p:sp>
+        <p:nvSpPr>
+          <p:cNvPr id="21" name="フローチャート: 処理 20"/>
+          <p:cNvSpPr/>
+          <p:nvPr/>
+        </p:nvSpPr>
+        <p:spPr>
+          <a:xfrm>
+            <a:off x="5566610" y="1267327"/>
+            <a:ext cx="1748589" cy="367215"/>
+          </a:xfrm>
+          <a:prstGeom prst="flowChartProcess">
+            <a:avLst/>
+          </a:prstGeom>
+          <a:solidFill>
+            <a:srgbClr val="FF0000"/>
+          </a:solidFill>
+        </p:spPr>
+        <p:style>
+          <a:lnRef idx="2">
+            <a:schemeClr val="accent1">
+              <a:shade val="50000"/>
+            </a:schemeClr>
+          </a:lnRef>
+          <a:fillRef idx="1">
+            <a:schemeClr val="accent1"/>
+          </a:fillRef>
+          <a:effectRef idx="0">
+            <a:schemeClr val="accent1"/>
+          </a:effectRef>
+          <a:fontRef idx="minor">
+            <a:schemeClr val="lt1"/>
+          </a:fontRef>
+        </p:style>
+        <p:txBody>
+          <a:bodyPr rtlCol="0" anchor="ctr"/>
+          <a:lstStyle/>
+          <a:p>
+            <a:pPr algn="ctr"/>
+            <a:r>
+              <a:rPr kumimoji="1" lang="en-US" altLang="ja-JP" dirty="0" smtClean="0"/>
+              <a:t>200</a:t>
+            </a:r>
+            <a:endParaRPr kumimoji="1" lang="ja-JP" altLang="en-US" dirty="0"/>
+          </a:p>
+        </p:txBody>
+      </p:sp>
+      <p:sp>
+        <p:nvSpPr>
+          <p:cNvPr id="22" name="円/楕円 21"/>
+          <p:cNvSpPr/>
+          <p:nvPr/>
+        </p:nvSpPr>
+        <p:spPr>
+          <a:xfrm>
+            <a:off x="4918910" y="5466848"/>
+            <a:ext cx="1219200" cy="1106906"/>
+          </a:xfrm>
+          <a:prstGeom prst="ellipse">
+            <a:avLst/>
+          </a:prstGeom>
+        </p:spPr>
+        <p:style>
+          <a:lnRef idx="2">
+            <a:schemeClr val="accent1">
+              <a:shade val="50000"/>
+            </a:schemeClr>
+          </a:lnRef>
+          <a:fillRef idx="1">
+            <a:schemeClr val="accent1"/>
+          </a:fillRef>
+          <a:effectRef idx="0">
+            <a:schemeClr val="accent1"/>
+          </a:effectRef>
+          <a:fontRef idx="minor">
+            <a:schemeClr val="lt1"/>
+          </a:fontRef>
+        </p:style>
+        <p:txBody>
+          <a:bodyPr rtlCol="0" anchor="ctr"/>
+          <a:lstStyle/>
+          <a:p>
+            <a:pPr algn="ctr"/>
+            <a:r>
+              <a:rPr kumimoji="1" lang="en-US" altLang="ja-JP" dirty="0" smtClean="0"/>
+              <a:t>T</a:t>
+            </a:r>
+            <a:r>
+              <a:rPr kumimoji="1" lang="ja-JP" altLang="en-US" dirty="0" smtClean="0"/>
+              <a:t>・</a:t>
+            </a:r>
+            <a:r>
+              <a:rPr lang="en-US" altLang="ja-JP" dirty="0" err="1" smtClean="0"/>
+              <a:t>FiP</a:t>
+            </a:r>
+            <a:endParaRPr kumimoji="1" lang="ja-JP" altLang="en-US" dirty="0"/>
+          </a:p>
+        </p:txBody>
+      </p:sp>
+    </p:spTree>
+    <p:extLst>
+      <p:ext uri="{BB962C8B-B14F-4D97-AF65-F5344CB8AC3E}">
+        <p14:creationId xmlns:p14="http://schemas.microsoft.com/office/powerpoint/2010/main" val="3615123950"/>
+      </p:ext>
+    </p:extLst>
+  </p:cSld>
+  <p:clrMapOvr>
+    <a:masterClrMapping/>
+  </p:clrMapOvr>
+</p:sld>
+</file>
+
+<file path=ppt/slides/slide15.xml><?xml version="1.0" encoding="utf-8"?>
+<p:sld xmlns:a="http://schemas.openxmlformats.org/drawingml/2006/main" xmlns:r="http://schemas.openxmlformats.org/officeDocument/2006/relationships" xmlns:p="http://schemas.openxmlformats.org/presentationml/2006/main">
+  <p:cSld>
+    <p:spTree>
+      <p:nvGrpSpPr>
+        <p:cNvPr id="1" name=""/>
+        <p:cNvGrpSpPr/>
+        <p:nvPr/>
+      </p:nvGrpSpPr>
+      <p:grpSpPr>
+        <a:xfrm>
+          <a:off x="0" y="0"/>
+          <a:ext cx="0" cy="0"/>
+          <a:chOff x="0" y="0"/>
+          <a:chExt cx="0" cy="0"/>
+        </a:xfrm>
+      </p:grpSpPr>
+      <p:sp>
+        <p:nvSpPr>
+          <p:cNvPr id="2" name="タイトル 1"/>
+          <p:cNvSpPr>
+            <a:spLocks noGrp="1"/>
+          </p:cNvSpPr>
+          <p:nvPr>
+            <p:ph type="title"/>
+          </p:nvPr>
+        </p:nvSpPr>
+        <p:spPr/>
+        <p:txBody>
+          <a:bodyPr/>
+          <a:lstStyle/>
+          <a:p>
+            <a:r>
+              <a:rPr kumimoji="1" lang="ja-JP" altLang="en-US" dirty="0" smtClean="0"/>
+              <a:t>スキル（導入未定）</a:t>
+            </a:r>
+            <a:endParaRPr kumimoji="1" lang="ja-JP" altLang="en-US" dirty="0"/>
+          </a:p>
+        </p:txBody>
+      </p:sp>
+      <p:sp>
+        <p:nvSpPr>
+          <p:cNvPr id="3" name="タイトル 1"/>
+          <p:cNvSpPr txBox="1">
+            <a:spLocks/>
+          </p:cNvSpPr>
+          <p:nvPr/>
+        </p:nvSpPr>
+        <p:spPr>
+          <a:xfrm>
+            <a:off x="838200" y="1690688"/>
+            <a:ext cx="10515600" cy="4950744"/>
+          </a:xfrm>
+          <a:prstGeom prst="rect">
+            <a:avLst/>
+          </a:prstGeom>
+        </p:spPr>
+        <p:txBody>
+          <a:bodyPr vert="horz" lIns="91440" tIns="45720" rIns="91440" bIns="45720" rtlCol="0" anchor="ctr">
+            <a:normAutofit/>
+          </a:bodyPr>
+          <a:lstStyle>
+            <a:lvl1pPr algn="l" defTabSz="914400" rtl="0" eaLnBrk="1" latinLnBrk="0" hangingPunct="1">
+              <a:lnSpc>
+                <a:spcPct val="90000"/>
+              </a:lnSpc>
+              <a:spcBef>
+                <a:spcPct val="0"/>
+              </a:spcBef>
+              <a:buNone/>
+              <a:defRPr kumimoji="1" sz="4400" kern="1200">
+                <a:solidFill>
+                  <a:schemeClr val="tx1"/>
+                </a:solidFill>
+                <a:latin typeface="+mj-lt"/>
+                <a:ea typeface="+mj-ea"/>
+                <a:cs typeface="+mj-cs"/>
+              </a:defRPr>
+            </a:lvl1pPr>
+          </a:lstStyle>
+          <a:p>
+            <a:pPr>
+              <a:lnSpc>
+                <a:spcPct val="100000"/>
+              </a:lnSpc>
+            </a:pPr>
+            <a:r>
+              <a:rPr lang="en-US" altLang="ja-JP" sz="2400" dirty="0" smtClean="0"/>
+              <a:t>T </a:t>
+            </a:r>
+            <a:r>
+              <a:rPr lang="ja-JP" altLang="en-US" sz="2400" dirty="0" smtClean="0"/>
+              <a:t>ゲージ：　</a:t>
+            </a:r>
+            <a:r>
+              <a:rPr lang="en-US" altLang="ja-JP" sz="2400" dirty="0" smtClean="0"/>
+              <a:t>BMI </a:t>
+            </a:r>
+            <a:r>
+              <a:rPr lang="ja-JP" altLang="en-US" sz="2400" dirty="0" smtClean="0"/>
+              <a:t>（脂肪）を力に更生力（攻撃力）に変換（初期値</a:t>
+            </a:r>
+            <a:r>
+              <a:rPr lang="en-US" altLang="ja-JP" sz="2400" dirty="0" smtClean="0"/>
+              <a:t>0</a:t>
+            </a:r>
+            <a:r>
+              <a:rPr lang="ja-JP" altLang="en-US" sz="2400" dirty="0" smtClean="0"/>
+              <a:t>）</a:t>
+            </a:r>
+            <a:endParaRPr lang="en-US" altLang="ja-JP" sz="2400" dirty="0" smtClean="0"/>
+          </a:p>
+          <a:p>
+            <a:pPr>
+              <a:lnSpc>
+                <a:spcPct val="100000"/>
+              </a:lnSpc>
+            </a:pPr>
+            <a:r>
+              <a:rPr lang="en-US" altLang="ja-JP" sz="2400" dirty="0" smtClean="0"/>
+              <a:t>T </a:t>
+            </a:r>
+            <a:r>
+              <a:rPr lang="ja-JP" altLang="en-US" sz="2400" dirty="0" smtClean="0"/>
+              <a:t>レベル：　更生力を</a:t>
+            </a:r>
+            <a:r>
+              <a:rPr lang="en-US" altLang="ja-JP" sz="2400" dirty="0" smtClean="0"/>
+              <a:t>1</a:t>
+            </a:r>
+            <a:r>
+              <a:rPr lang="ja-JP" altLang="en-US" sz="2400" dirty="0" smtClean="0"/>
+              <a:t>～</a:t>
+            </a:r>
+            <a:r>
+              <a:rPr lang="en-US" altLang="ja-JP" sz="2400" dirty="0" smtClean="0"/>
+              <a:t>3</a:t>
+            </a:r>
+            <a:r>
+              <a:rPr lang="ja-JP" altLang="en-US" sz="2400" dirty="0" smtClean="0"/>
+              <a:t>のレベルで表現（</a:t>
+            </a:r>
+            <a:r>
+              <a:rPr lang="en-US" altLang="ja-JP" sz="2400" dirty="0" smtClean="0"/>
+              <a:t>BMI 10</a:t>
+            </a:r>
+            <a:r>
+              <a:rPr lang="ja-JP" altLang="en-US" sz="2400" dirty="0" smtClean="0"/>
+              <a:t>→レベル</a:t>
+            </a:r>
+            <a:r>
+              <a:rPr lang="en-US" altLang="ja-JP" sz="2400" dirty="0" smtClean="0"/>
+              <a:t>1</a:t>
+            </a:r>
+            <a:r>
+              <a:rPr lang="ja-JP" altLang="en-US" sz="2400" dirty="0" smtClean="0"/>
+              <a:t>→</a:t>
+            </a:r>
+            <a:r>
+              <a:rPr lang="en-US" altLang="ja-JP" sz="2400" dirty="0" smtClean="0"/>
+              <a:t>BMI50</a:t>
+            </a:r>
+            <a:r>
+              <a:rPr lang="ja-JP" altLang="en-US" sz="2400" dirty="0" smtClean="0"/>
+              <a:t>消費）</a:t>
+            </a:r>
+            <a:endParaRPr lang="en-US" altLang="ja-JP" sz="2400" dirty="0" smtClean="0"/>
+          </a:p>
+          <a:p>
+            <a:pPr>
+              <a:lnSpc>
+                <a:spcPct val="100000"/>
+              </a:lnSpc>
+            </a:pPr>
+            <a:r>
+              <a:rPr lang="ja-JP" altLang="en-US" sz="2400" dirty="0" smtClean="0"/>
+              <a:t>変換値  ：　</a:t>
+            </a:r>
+            <a:r>
+              <a:rPr lang="en-US" altLang="ja-JP" sz="2400" dirty="0" smtClean="0"/>
+              <a:t>BMI </a:t>
+            </a:r>
+            <a:r>
+              <a:rPr lang="ja-JP" altLang="en-US" sz="2400" dirty="0" smtClean="0"/>
+              <a:t>を</a:t>
+            </a:r>
+            <a:r>
+              <a:rPr lang="en-US" altLang="ja-JP" sz="2400" dirty="0" smtClean="0"/>
+              <a:t>5</a:t>
+            </a:r>
+            <a:r>
+              <a:rPr lang="ja-JP" altLang="en-US" sz="2400" dirty="0" smtClean="0"/>
+              <a:t>消費して更生力を</a:t>
+            </a:r>
+            <a:r>
+              <a:rPr lang="en-US" altLang="ja-JP" sz="2400" dirty="0" smtClean="0"/>
+              <a:t>1</a:t>
+            </a:r>
+            <a:r>
+              <a:rPr lang="ja-JP" altLang="en-US" sz="2400" dirty="0" smtClean="0"/>
+              <a:t>あげる（</a:t>
+            </a:r>
+            <a:r>
+              <a:rPr lang="en-US" altLang="ja-JP" sz="2400" dirty="0" smtClean="0"/>
+              <a:t>1</a:t>
+            </a:r>
+            <a:r>
+              <a:rPr lang="ja-JP" altLang="en-US" sz="2400" dirty="0" smtClean="0"/>
+              <a:t>秒で</a:t>
+            </a:r>
+            <a:r>
+              <a:rPr lang="en-US" altLang="ja-JP" sz="2400" dirty="0" smtClean="0"/>
+              <a:t>50</a:t>
+            </a:r>
+            <a:r>
+              <a:rPr lang="ja-JP" altLang="en-US" sz="2400" dirty="0" smtClean="0"/>
+              <a:t>変換）</a:t>
+            </a:r>
+            <a:endParaRPr lang="en-US" altLang="ja-JP" sz="2400" dirty="0" smtClean="0"/>
+          </a:p>
+          <a:p>
+            <a:pPr>
+              <a:lnSpc>
+                <a:spcPct val="100000"/>
+              </a:lnSpc>
+            </a:pPr>
+            <a:r>
+              <a:rPr lang="ja-JP" altLang="en-US" sz="2400" dirty="0" smtClean="0"/>
+              <a:t>変換中  ：　力を溜めるモーションで無防備</a:t>
+            </a:r>
+            <a:endParaRPr lang="en-US" altLang="ja-JP" sz="2400" dirty="0" smtClean="0"/>
+          </a:p>
+          <a:p>
+            <a:pPr>
+              <a:lnSpc>
+                <a:spcPct val="100000"/>
+              </a:lnSpc>
+            </a:pPr>
+            <a:r>
+              <a:rPr lang="ja-JP" altLang="en-US" sz="2400" dirty="0" smtClean="0"/>
+              <a:t>エフェクト：　変換モーション中プレイヤー周囲に波動エフェクト・レベルが上がると激しくなる・レベル</a:t>
+            </a:r>
+            <a:r>
+              <a:rPr lang="en-US" altLang="ja-JP" sz="2400" dirty="0" smtClean="0"/>
+              <a:t>Max</a:t>
+            </a:r>
+            <a:r>
+              <a:rPr lang="ja-JP" altLang="en-US" sz="2400" dirty="0" smtClean="0"/>
+              <a:t>で解放モーション＋解放エフェクト</a:t>
+            </a:r>
+            <a:endParaRPr lang="en-US" altLang="ja-JP" sz="2400" dirty="0" smtClean="0"/>
+          </a:p>
+          <a:p>
+            <a:pPr>
+              <a:lnSpc>
+                <a:spcPct val="100000"/>
+              </a:lnSpc>
+            </a:pPr>
+            <a:r>
+              <a:rPr lang="en-US" altLang="ja-JP" sz="2400" dirty="0" smtClean="0"/>
+              <a:t>GUI        </a:t>
+            </a:r>
+            <a:r>
+              <a:rPr lang="ja-JP" altLang="en-US" sz="2400" dirty="0" smtClean="0"/>
+              <a:t>：　コントローラーとは別に設ける</a:t>
+            </a:r>
+            <a:endParaRPr lang="en-US" altLang="ja-JP" sz="2400" dirty="0" smtClean="0"/>
+          </a:p>
+        </p:txBody>
+      </p:sp>
+    </p:spTree>
+    <p:extLst>
+      <p:ext uri="{BB962C8B-B14F-4D97-AF65-F5344CB8AC3E}">
+        <p14:creationId xmlns:p14="http://schemas.microsoft.com/office/powerpoint/2010/main" val="3957872863"/>
       </p:ext>
     </p:extLst>
   </p:cSld>
@@ -3546,8 +5602,8 @@
           <a:lstStyle/>
           <a:p>
             <a:r>
-              <a:rPr kumimoji="1" lang="ja-JP" altLang="en-US" dirty="0" smtClean="0"/>
-              <a:t>フロー</a:t>
+              <a:rPr lang="ja-JP" altLang="en-US" dirty="0" smtClean="0"/>
+              <a:t>世界設定（エネミー）</a:t>
             </a:r>
             <a:endParaRPr kumimoji="1" lang="ja-JP" altLang="en-US" dirty="0"/>
           </a:p>
@@ -3564,7 +5620,7 @@
         <p:spPr>
           <a:xfrm>
             <a:off x="838200" y="1690688"/>
-            <a:ext cx="10515600" cy="4950744"/>
+            <a:ext cx="10515600" cy="1902744"/>
           </a:xfrm>
           <a:prstGeom prst="rect">
             <a:avLst/>
@@ -3601,488 +5657,52 @@
             </a:pPr>
             <a:r>
               <a:rPr lang="ja-JP" altLang="en-US" sz="2400" dirty="0" smtClean="0"/>
-              <a:t>タイトル</a:t>
-            </a:r>
-            <a:endParaRPr lang="en-US" altLang="ja-JP" sz="2400" dirty="0" smtClean="0"/>
-          </a:p>
-          <a:p>
-            <a:pPr>
-              <a:lnSpc>
-                <a:spcPct val="100000"/>
-              </a:lnSpc>
-            </a:pPr>
-            <a:endParaRPr lang="en-US" altLang="ja-JP" sz="2400" dirty="0" smtClean="0"/>
-          </a:p>
-          <a:p>
-            <a:pPr>
-              <a:lnSpc>
-                <a:spcPct val="100000"/>
-              </a:lnSpc>
-            </a:pPr>
-            <a:r>
-              <a:rPr lang="ja-JP" altLang="en-US" sz="2400" dirty="0" smtClean="0"/>
-              <a:t>ステージセレクト</a:t>
-            </a:r>
-            <a:endParaRPr lang="en-US" altLang="ja-JP" sz="2400" dirty="0" smtClean="0"/>
-          </a:p>
-          <a:p>
-            <a:pPr>
-              <a:lnSpc>
-                <a:spcPct val="100000"/>
-              </a:lnSpc>
-            </a:pPr>
-            <a:endParaRPr lang="en-US" altLang="ja-JP" sz="2400" dirty="0"/>
-          </a:p>
-          <a:p>
-            <a:pPr>
-              <a:lnSpc>
-                <a:spcPct val="100000"/>
-              </a:lnSpc>
-            </a:pPr>
-            <a:r>
-              <a:rPr lang="ja-JP" altLang="en-US" sz="2400" dirty="0" smtClean="0"/>
-              <a:t>ステージ開始</a:t>
-            </a:r>
-            <a:endParaRPr lang="en-US" altLang="ja-JP" sz="2400" dirty="0" smtClean="0"/>
-          </a:p>
-          <a:p>
-            <a:pPr>
-              <a:lnSpc>
-                <a:spcPct val="100000"/>
-              </a:lnSpc>
-            </a:pPr>
-            <a:endParaRPr lang="en-US" altLang="ja-JP" sz="2400" dirty="0"/>
-          </a:p>
-          <a:p>
-            <a:pPr>
-              <a:lnSpc>
-                <a:spcPct val="100000"/>
-              </a:lnSpc>
-            </a:pPr>
-            <a:r>
-              <a:rPr lang="ja-JP" altLang="en-US" sz="2400" dirty="0" smtClean="0"/>
-              <a:t>リザルト</a:t>
-            </a:r>
-            <a:endParaRPr lang="en-US" altLang="ja-JP" sz="2400" dirty="0" smtClean="0"/>
-          </a:p>
-          <a:p>
-            <a:pPr>
-              <a:lnSpc>
-                <a:spcPct val="100000"/>
-              </a:lnSpc>
-            </a:pPr>
-            <a:endParaRPr lang="en-US" altLang="ja-JP" sz="2400" dirty="0"/>
-          </a:p>
-          <a:p>
-            <a:pPr>
-              <a:lnSpc>
-                <a:spcPct val="100000"/>
-              </a:lnSpc>
-            </a:pPr>
-            <a:r>
-              <a:rPr lang="ja-JP" altLang="en-US" sz="2400" dirty="0" smtClean="0"/>
-              <a:t>ゲームクリア（偽エンディング）</a:t>
-            </a:r>
-            <a:endParaRPr lang="en-US" altLang="ja-JP" sz="2400" dirty="0" smtClean="0"/>
-          </a:p>
-          <a:p>
-            <a:pPr>
-              <a:lnSpc>
-                <a:spcPct val="100000"/>
-              </a:lnSpc>
-            </a:pPr>
-            <a:endParaRPr lang="en-US" altLang="ja-JP" sz="2400" dirty="0"/>
-          </a:p>
-          <a:p>
-            <a:pPr>
-              <a:lnSpc>
-                <a:spcPct val="100000"/>
-              </a:lnSpc>
-            </a:pPr>
-            <a:r>
-              <a:rPr lang="ja-JP" altLang="en-US" sz="2400" dirty="0" smtClean="0"/>
-              <a:t>エクストラステージ</a:t>
-            </a:r>
-            <a:endParaRPr lang="en-US" altLang="ja-JP" sz="2400" dirty="0" smtClean="0"/>
-          </a:p>
-          <a:p>
-            <a:pPr>
-              <a:lnSpc>
-                <a:spcPct val="100000"/>
-              </a:lnSpc>
-            </a:pPr>
-            <a:endParaRPr lang="en-US" altLang="ja-JP" sz="2400" dirty="0"/>
-          </a:p>
-          <a:p>
-            <a:pPr>
-              <a:lnSpc>
-                <a:spcPct val="100000"/>
-              </a:lnSpc>
-            </a:pPr>
-            <a:r>
-              <a:rPr lang="ja-JP" altLang="en-US" sz="2400" dirty="0" smtClean="0"/>
-              <a:t>ゲームクリア（真エンディング）</a:t>
-            </a:r>
-            <a:endParaRPr lang="en-US" altLang="ja-JP" sz="2400" dirty="0" smtClean="0"/>
-          </a:p>
-          <a:p>
-            <a:pPr>
-              <a:lnSpc>
-                <a:spcPct val="100000"/>
-              </a:lnSpc>
-            </a:pPr>
-            <a:endParaRPr lang="en-US" altLang="ja-JP" sz="2400" dirty="0"/>
-          </a:p>
-          <a:p>
-            <a:pPr>
-              <a:lnSpc>
-                <a:spcPct val="100000"/>
-              </a:lnSpc>
-            </a:pPr>
-            <a:endParaRPr lang="en-US" altLang="ja-JP" sz="2400" dirty="0" smtClean="0"/>
-          </a:p>
-        </p:txBody>
-      </p:sp>
-      <p:sp>
-        <p:nvSpPr>
-          <p:cNvPr id="4" name="下矢印 3"/>
+              <a:t>なぜ</a:t>
+            </a:r>
+            <a:r>
+              <a:rPr lang="en-US" altLang="ja-JP" sz="2400" dirty="0" smtClean="0"/>
+              <a:t>1</a:t>
+            </a:r>
+            <a:r>
+              <a:rPr lang="ja-JP" altLang="en-US" sz="2400" dirty="0" smtClean="0"/>
+              <a:t>クラスに</a:t>
+            </a:r>
+            <a:r>
+              <a:rPr lang="en-US" altLang="ja-JP" sz="2400" dirty="0" smtClean="0"/>
+              <a:t>1</a:t>
+            </a:r>
+            <a:r>
+              <a:rPr lang="ja-JP" altLang="en-US" sz="2400" dirty="0" smtClean="0"/>
+              <a:t>人以上いじめっこがいるのか</a:t>
+            </a:r>
+            <a:endParaRPr lang="en-US" altLang="ja-JP" sz="2400" dirty="0" smtClean="0"/>
+          </a:p>
+          <a:p>
+            <a:pPr>
+              <a:lnSpc>
+                <a:spcPct val="100000"/>
+              </a:lnSpc>
+            </a:pPr>
+            <a:r>
+              <a:rPr lang="ja-JP" altLang="en-US" sz="2400" dirty="0" smtClean="0"/>
+              <a:t>→いじめっこ委員会という組織が裏で組織されていてそこのメンバーが各クラスにリーダー（いじめ主犯）という形で派遣されている。いじめられたくない、あるいは人いじめたいけど主犯になれない人がミーハーとしていじめに加わっている。</a:t>
+            </a:r>
+            <a:endParaRPr lang="en-US" altLang="ja-JP" sz="2400" dirty="0" smtClean="0"/>
+          </a:p>
+        </p:txBody>
+      </p:sp>
+      <p:sp>
+        <p:nvSpPr>
+          <p:cNvPr id="9" name="フローチャート: 処理 8"/>
           <p:cNvSpPr/>
           <p:nvPr/>
         </p:nvSpPr>
         <p:spPr>
           <a:xfrm>
-            <a:off x="1219198" y="1876045"/>
-            <a:ext cx="192505" cy="208547"/>
+            <a:off x="3449053" y="3386451"/>
+            <a:ext cx="4684295" cy="2192212"/>
           </a:xfrm>
-          <a:prstGeom prst="downArrow">
-            <a:avLst/>
-          </a:prstGeom>
-        </p:spPr>
-        <p:style>
-          <a:lnRef idx="2">
-            <a:schemeClr val="accent1">
-              <a:shade val="50000"/>
-            </a:schemeClr>
-          </a:lnRef>
-          <a:fillRef idx="1">
-            <a:schemeClr val="accent1"/>
-          </a:fillRef>
-          <a:effectRef idx="0">
-            <a:schemeClr val="accent1"/>
-          </a:effectRef>
-          <a:fontRef idx="minor">
-            <a:schemeClr val="lt1"/>
-          </a:fontRef>
-        </p:style>
-        <p:txBody>
-          <a:bodyPr rtlCol="0" anchor="ctr"/>
-          <a:lstStyle/>
-          <a:p>
-            <a:pPr algn="ctr"/>
-            <a:endParaRPr kumimoji="1" lang="ja-JP" altLang="en-US"/>
-          </a:p>
-        </p:txBody>
-      </p:sp>
-      <p:sp>
-        <p:nvSpPr>
-          <p:cNvPr id="5" name="下矢印 4"/>
-          <p:cNvSpPr/>
-          <p:nvPr/>
-        </p:nvSpPr>
-        <p:spPr>
-          <a:xfrm>
-            <a:off x="1219198" y="2617155"/>
-            <a:ext cx="192505" cy="208547"/>
-          </a:xfrm>
-          <a:prstGeom prst="downArrow">
-            <a:avLst/>
-          </a:prstGeom>
-        </p:spPr>
-        <p:style>
-          <a:lnRef idx="2">
-            <a:schemeClr val="accent1">
-              <a:shade val="50000"/>
-            </a:schemeClr>
-          </a:lnRef>
-          <a:fillRef idx="1">
-            <a:schemeClr val="accent1"/>
-          </a:fillRef>
-          <a:effectRef idx="0">
-            <a:schemeClr val="accent1"/>
-          </a:effectRef>
-          <a:fontRef idx="minor">
-            <a:schemeClr val="lt1"/>
-          </a:fontRef>
-        </p:style>
-        <p:txBody>
-          <a:bodyPr rtlCol="0" anchor="ctr"/>
-          <a:lstStyle/>
-          <a:p>
-            <a:pPr algn="ctr"/>
-            <a:endParaRPr kumimoji="1" lang="ja-JP" altLang="en-US"/>
-          </a:p>
-        </p:txBody>
-      </p:sp>
-      <p:sp>
-        <p:nvSpPr>
-          <p:cNvPr id="6" name="下矢印 5"/>
-          <p:cNvSpPr/>
-          <p:nvPr/>
-        </p:nvSpPr>
-        <p:spPr>
-          <a:xfrm>
-            <a:off x="1219198" y="3384210"/>
-            <a:ext cx="192505" cy="208547"/>
-          </a:xfrm>
-          <a:prstGeom prst="downArrow">
-            <a:avLst/>
-          </a:prstGeom>
-        </p:spPr>
-        <p:style>
-          <a:lnRef idx="2">
-            <a:schemeClr val="accent1">
-              <a:shade val="50000"/>
-            </a:schemeClr>
-          </a:lnRef>
-          <a:fillRef idx="1">
-            <a:schemeClr val="accent1"/>
-          </a:fillRef>
-          <a:effectRef idx="0">
-            <a:schemeClr val="accent1"/>
-          </a:effectRef>
-          <a:fontRef idx="minor">
-            <a:schemeClr val="lt1"/>
-          </a:fontRef>
-        </p:style>
-        <p:txBody>
-          <a:bodyPr rtlCol="0" anchor="ctr"/>
-          <a:lstStyle/>
-          <a:p>
-            <a:pPr algn="ctr"/>
-            <a:endParaRPr kumimoji="1" lang="ja-JP" altLang="en-US"/>
-          </a:p>
-        </p:txBody>
-      </p:sp>
-      <p:sp>
-        <p:nvSpPr>
-          <p:cNvPr id="7" name="下矢印 6"/>
-          <p:cNvSpPr/>
-          <p:nvPr/>
-        </p:nvSpPr>
-        <p:spPr>
-          <a:xfrm>
-            <a:off x="1219198" y="4099466"/>
-            <a:ext cx="192505" cy="208547"/>
-          </a:xfrm>
-          <a:prstGeom prst="downArrow">
-            <a:avLst/>
-          </a:prstGeom>
-        </p:spPr>
-        <p:style>
-          <a:lnRef idx="2">
-            <a:schemeClr val="accent1">
-              <a:shade val="50000"/>
-            </a:schemeClr>
-          </a:lnRef>
-          <a:fillRef idx="1">
-            <a:schemeClr val="accent1"/>
-          </a:fillRef>
-          <a:effectRef idx="0">
-            <a:schemeClr val="accent1"/>
-          </a:effectRef>
-          <a:fontRef idx="minor">
-            <a:schemeClr val="lt1"/>
-          </a:fontRef>
-        </p:style>
-        <p:txBody>
-          <a:bodyPr rtlCol="0" anchor="ctr"/>
-          <a:lstStyle/>
-          <a:p>
-            <a:pPr algn="ctr"/>
-            <a:endParaRPr kumimoji="1" lang="ja-JP" altLang="en-US"/>
-          </a:p>
-        </p:txBody>
-      </p:sp>
-      <p:sp>
-        <p:nvSpPr>
-          <p:cNvPr id="8" name="下矢印 7"/>
-          <p:cNvSpPr/>
-          <p:nvPr/>
-        </p:nvSpPr>
-        <p:spPr>
-          <a:xfrm>
-            <a:off x="1219198" y="4785738"/>
-            <a:ext cx="192505" cy="208547"/>
-          </a:xfrm>
-          <a:prstGeom prst="downArrow">
-            <a:avLst/>
-          </a:prstGeom>
-        </p:spPr>
-        <p:style>
-          <a:lnRef idx="2">
-            <a:schemeClr val="accent1">
-              <a:shade val="50000"/>
-            </a:schemeClr>
-          </a:lnRef>
-          <a:fillRef idx="1">
-            <a:schemeClr val="accent1"/>
-          </a:fillRef>
-          <a:effectRef idx="0">
-            <a:schemeClr val="accent1"/>
-          </a:effectRef>
-          <a:fontRef idx="minor">
-            <a:schemeClr val="lt1"/>
-          </a:fontRef>
-        </p:style>
-        <p:txBody>
-          <a:bodyPr rtlCol="0" anchor="ctr"/>
-          <a:lstStyle/>
-          <a:p>
-            <a:pPr algn="ctr"/>
-            <a:endParaRPr kumimoji="1" lang="ja-JP" altLang="en-US"/>
-          </a:p>
-        </p:txBody>
-      </p:sp>
-      <p:sp>
-        <p:nvSpPr>
-          <p:cNvPr id="9" name="下矢印 8"/>
-          <p:cNvSpPr/>
-          <p:nvPr/>
-        </p:nvSpPr>
-        <p:spPr>
-          <a:xfrm>
-            <a:off x="1219198" y="5494827"/>
-            <a:ext cx="192505" cy="208547"/>
-          </a:xfrm>
-          <a:prstGeom prst="downArrow">
-            <a:avLst/>
-          </a:prstGeom>
-        </p:spPr>
-        <p:style>
-          <a:lnRef idx="2">
-            <a:schemeClr val="accent1">
-              <a:shade val="50000"/>
-            </a:schemeClr>
-          </a:lnRef>
-          <a:fillRef idx="1">
-            <a:schemeClr val="accent1"/>
-          </a:fillRef>
-          <a:effectRef idx="0">
-            <a:schemeClr val="accent1"/>
-          </a:effectRef>
-          <a:fontRef idx="minor">
-            <a:schemeClr val="lt1"/>
-          </a:fontRef>
-        </p:style>
-        <p:txBody>
-          <a:bodyPr rtlCol="0" anchor="ctr"/>
-          <a:lstStyle/>
-          <a:p>
-            <a:pPr algn="ctr"/>
-            <a:endParaRPr kumimoji="1" lang="ja-JP" altLang="en-US"/>
-          </a:p>
-        </p:txBody>
-      </p:sp>
-      <p:sp>
-        <p:nvSpPr>
-          <p:cNvPr id="11" name="右カーブ矢印 10"/>
-          <p:cNvSpPr/>
-          <p:nvPr/>
-        </p:nvSpPr>
-        <p:spPr>
-          <a:xfrm rot="10800000">
-            <a:off x="7702214" y="2515475"/>
-            <a:ext cx="705854" cy="1792538"/>
-          </a:xfrm>
-          <a:prstGeom prst="curvedRightArrow">
-            <a:avLst/>
-          </a:prstGeom>
-        </p:spPr>
-        <p:style>
-          <a:lnRef idx="2">
-            <a:schemeClr val="accent1">
-              <a:shade val="50000"/>
-            </a:schemeClr>
-          </a:lnRef>
-          <a:fillRef idx="1">
-            <a:schemeClr val="accent1"/>
-          </a:fillRef>
-          <a:effectRef idx="0">
-            <a:schemeClr val="accent1"/>
-          </a:effectRef>
-          <a:fontRef idx="minor">
-            <a:schemeClr val="lt1"/>
-          </a:fontRef>
-        </p:style>
-        <p:txBody>
-          <a:bodyPr rtlCol="0" anchor="ctr"/>
-          <a:lstStyle/>
-          <a:p>
-            <a:pPr algn="ctr"/>
-            <a:endParaRPr kumimoji="1" lang="ja-JP" altLang="en-US">
-              <a:solidFill>
-                <a:schemeClr val="tx1"/>
-              </a:solidFill>
-            </a:endParaRPr>
-          </a:p>
-        </p:txBody>
-      </p:sp>
-      <p:sp>
-        <p:nvSpPr>
-          <p:cNvPr id="12" name="右カーブ矢印 11"/>
-          <p:cNvSpPr/>
-          <p:nvPr/>
-        </p:nvSpPr>
-        <p:spPr>
-          <a:xfrm rot="10800000">
-            <a:off x="4855741" y="3436552"/>
-            <a:ext cx="705854" cy="876720"/>
-          </a:xfrm>
-          <a:prstGeom prst="curvedRightArrow">
-            <a:avLst/>
-          </a:prstGeom>
-        </p:spPr>
-        <p:style>
-          <a:lnRef idx="2">
-            <a:schemeClr val="accent1">
-              <a:shade val="50000"/>
-            </a:schemeClr>
-          </a:lnRef>
-          <a:fillRef idx="1">
-            <a:schemeClr val="accent1"/>
-          </a:fillRef>
-          <a:effectRef idx="0">
-            <a:schemeClr val="accent1"/>
-          </a:effectRef>
-          <a:fontRef idx="minor">
-            <a:schemeClr val="lt1"/>
-          </a:fontRef>
-        </p:style>
-        <p:txBody>
-          <a:bodyPr rtlCol="0" anchor="ctr"/>
-          <a:lstStyle/>
-          <a:p>
-            <a:pPr algn="ctr"/>
-            <a:endParaRPr kumimoji="1" lang="ja-JP" altLang="en-US">
-              <a:solidFill>
-                <a:schemeClr val="tx1"/>
-              </a:solidFill>
-            </a:endParaRPr>
-          </a:p>
-        </p:txBody>
-      </p:sp>
-      <p:sp>
-        <p:nvSpPr>
-          <p:cNvPr id="13" name="正方形/長方形 12"/>
-          <p:cNvSpPr/>
-          <p:nvPr/>
-        </p:nvSpPr>
-        <p:spPr>
-          <a:xfrm>
-            <a:off x="5739061" y="3814216"/>
-            <a:ext cx="1608221" cy="448806"/>
-          </a:xfrm>
-          <a:prstGeom prst="rect">
+          <a:prstGeom prst="flowChartProcess">
             <a:avLst/>
           </a:prstGeom>
         </p:spPr>
@@ -4105,26 +5725,67 @@
           <a:lstStyle/>
           <a:p>
             <a:pPr algn="ctr"/>
-            <a:r>
-              <a:rPr kumimoji="1" lang="ja-JP" altLang="en-US" dirty="0" smtClean="0"/>
-              <a:t>次のステージ</a:t>
-            </a:r>
-            <a:endParaRPr kumimoji="1" lang="ja-JP" altLang="en-US" dirty="0"/>
-          </a:p>
-        </p:txBody>
-      </p:sp>
-      <p:sp>
-        <p:nvSpPr>
-          <p:cNvPr id="14" name="正方形/長方形 13"/>
+            <a:endParaRPr kumimoji="1" lang="ja-JP" altLang="en-US"/>
+          </a:p>
+        </p:txBody>
+      </p:sp>
+      <p:sp>
+        <p:nvSpPr>
+          <p:cNvPr id="4" name="フローチャート: 処理 3"/>
           <p:cNvSpPr/>
           <p:nvPr/>
         </p:nvSpPr>
         <p:spPr>
           <a:xfrm>
-            <a:off x="8682789" y="3814216"/>
-            <a:ext cx="1830810" cy="448806"/>
+            <a:off x="3826041" y="3574256"/>
+            <a:ext cx="3529263" cy="465221"/>
           </a:xfrm>
-          <a:prstGeom prst="rect">
+          <a:prstGeom prst="flowChartProcess">
+            <a:avLst/>
+          </a:prstGeom>
+          <a:ln>
+            <a:noFill/>
+          </a:ln>
+        </p:spPr>
+        <p:style>
+          <a:lnRef idx="2">
+            <a:schemeClr val="accent6"/>
+          </a:lnRef>
+          <a:fillRef idx="1">
+            <a:schemeClr val="lt1"/>
+          </a:fillRef>
+          <a:effectRef idx="0">
+            <a:schemeClr val="accent6"/>
+          </a:effectRef>
+          <a:fontRef idx="minor">
+            <a:schemeClr val="dk1"/>
+          </a:fontRef>
+        </p:style>
+        <p:txBody>
+          <a:bodyPr rtlCol="0" anchor="ctr"/>
+          <a:lstStyle/>
+          <a:p>
+            <a:pPr algn="ctr"/>
+            <a:r>
+              <a:rPr kumimoji="1" lang="ja-JP" altLang="en-US" dirty="0" smtClean="0"/>
+              <a:t>いじめっこ委員会</a:t>
+            </a:r>
+            <a:endParaRPr kumimoji="1" lang="ja-JP" altLang="en-US" dirty="0"/>
+          </a:p>
+        </p:txBody>
+      </p:sp>
+      <p:sp>
+        <p:nvSpPr>
+          <p:cNvPr id="5" name="フローチャート: 処理 4"/>
+          <p:cNvSpPr/>
+          <p:nvPr/>
+        </p:nvSpPr>
+        <p:spPr>
+          <a:xfrm>
+            <a:off x="4555955" y="4265969"/>
+            <a:ext cx="2069431" cy="413962"/>
+          </a:xfrm>
+          <a:prstGeom prst="flowChartProcess">
             <a:avLst/>
           </a:prstGeom>
         </p:spPr>
@@ -4149,11 +5810,7 @@
             <a:pPr algn="ctr"/>
             <a:r>
               <a:rPr kumimoji="1" lang="ja-JP" altLang="en-US" dirty="0" smtClean="0"/>
-              <a:t>ステージ</a:t>
-            </a:r>
-            <a:r>
-              <a:rPr lang="ja-JP" altLang="en-US" dirty="0" smtClean="0"/>
-              <a:t>セレクト</a:t>
+              <a:t>いじめっこ委員長</a:t>
             </a:r>
             <a:endParaRPr kumimoji="1" lang="ja-JP" altLang="en-US" dirty="0"/>
           </a:p>
@@ -4161,16 +5818,16 @@
       </p:sp>
       <p:sp>
         <p:nvSpPr>
-          <p:cNvPr id="15" name="正方形/長方形 14"/>
+          <p:cNvPr id="7" name="フローチャート: 処理 6"/>
           <p:cNvSpPr/>
           <p:nvPr/>
         </p:nvSpPr>
         <p:spPr>
           <a:xfrm>
-            <a:off x="1636295" y="3327020"/>
-            <a:ext cx="2695073" cy="265737"/>
+            <a:off x="4315322" y="4918995"/>
+            <a:ext cx="2550698" cy="413962"/>
           </a:xfrm>
-          <a:prstGeom prst="rect">
+          <a:prstGeom prst="flowChartProcess">
             <a:avLst/>
           </a:prstGeom>
         </p:spPr>
@@ -4195,15 +5852,7 @@
             <a:pPr algn="ctr"/>
             <a:r>
               <a:rPr kumimoji="1" lang="ja-JP" altLang="en-US" dirty="0" smtClean="0"/>
-              <a:t>クリア</a:t>
-            </a:r>
-            <a:r>
-              <a:rPr kumimoji="1" lang="en-US" altLang="ja-JP" dirty="0" smtClean="0"/>
-              <a:t>or </a:t>
-            </a:r>
-            <a:r>
-              <a:rPr kumimoji="1" lang="ja-JP" altLang="en-US" dirty="0" smtClean="0"/>
-              <a:t>ゲームオーバー</a:t>
+              <a:t>いじめっこ委員メンバー</a:t>
             </a:r>
             <a:endParaRPr kumimoji="1" lang="ja-JP" altLang="en-US" dirty="0"/>
           </a:p>
@@ -4211,16 +5860,16 @@
       </p:sp>
       <p:sp>
         <p:nvSpPr>
-          <p:cNvPr id="16" name="正方形/長方形 15"/>
+          <p:cNvPr id="8" name="フローチャート: 処理 7"/>
           <p:cNvSpPr/>
           <p:nvPr/>
         </p:nvSpPr>
         <p:spPr>
           <a:xfrm>
-            <a:off x="1636295" y="4067754"/>
-            <a:ext cx="2248904" cy="240259"/>
+            <a:off x="4315322" y="5817727"/>
+            <a:ext cx="2550698" cy="413962"/>
           </a:xfrm>
-          <a:prstGeom prst="rect">
+          <a:prstGeom prst="flowChartProcess">
             <a:avLst/>
           </a:prstGeom>
         </p:spPr>
@@ -4244,63 +5893,50 @@
           <a:p>
             <a:pPr algn="ctr"/>
             <a:r>
-              <a:rPr lang="ja-JP" altLang="en-US" dirty="0" smtClean="0"/>
-              <a:t>全ステージ</a:t>
-            </a:r>
-            <a:r>
-              <a:rPr lang="ja-JP" altLang="en-US" dirty="0"/>
-              <a:t>クリア</a:t>
+              <a:rPr kumimoji="1" lang="ja-JP" altLang="en-US" dirty="0" smtClean="0"/>
+              <a:t>いじめっこミーハー</a:t>
             </a:r>
             <a:endParaRPr kumimoji="1" lang="ja-JP" altLang="en-US" dirty="0"/>
           </a:p>
         </p:txBody>
       </p:sp>
-      <p:sp>
-        <p:nvSpPr>
-          <p:cNvPr id="18" name="正方形/長方形 17"/>
-          <p:cNvSpPr/>
+      <p:cxnSp>
+        <p:nvCxnSpPr>
+          <p:cNvPr id="11" name="直線コネクタ 10"/>
+          <p:cNvCxnSpPr>
+            <a:stCxn id="5" idx="2"/>
+            <a:endCxn id="7" idx="0"/>
+          </p:cNvCxnSpPr>
           <p:nvPr/>
-        </p:nvSpPr>
+        </p:nvCxnSpPr>
         <p:spPr>
           <a:xfrm>
-            <a:off x="1636295" y="4798190"/>
-            <a:ext cx="2248904" cy="240259"/>
+            <a:off x="5590671" y="4679931"/>
+            <a:ext cx="0" cy="239064"/>
           </a:xfrm>
-          <a:prstGeom prst="rect">
+          <a:prstGeom prst="line">
             <a:avLst/>
           </a:prstGeom>
         </p:spPr>
         <p:style>
-          <a:lnRef idx="2">
-            <a:schemeClr val="accent6"/>
+          <a:lnRef idx="1">
+            <a:schemeClr val="accent1"/>
           </a:lnRef>
-          <a:fillRef idx="1">
-            <a:schemeClr val="lt1"/>
+          <a:fillRef idx="0">
+            <a:schemeClr val="accent1"/>
           </a:fillRef>
           <a:effectRef idx="0">
-            <a:schemeClr val="accent6"/>
+            <a:schemeClr val="accent1"/>
           </a:effectRef>
           <a:fontRef idx="minor">
-            <a:schemeClr val="dk1"/>
+            <a:schemeClr val="tx1"/>
           </a:fontRef>
         </p:style>
-        <p:txBody>
-          <a:bodyPr rtlCol="0" anchor="ctr"/>
-          <a:lstStyle/>
-          <a:p>
-            <a:pPr algn="ctr"/>
-            <a:r>
-              <a:rPr lang="ja-JP" altLang="en-US" dirty="0" smtClean="0"/>
-              <a:t>無条件</a:t>
-            </a:r>
-            <a:endParaRPr kumimoji="1" lang="ja-JP" altLang="en-US" dirty="0"/>
-          </a:p>
-        </p:txBody>
-      </p:sp>
+      </p:cxnSp>
     </p:spTree>
     <p:extLst>
       <p:ext uri="{BB962C8B-B14F-4D97-AF65-F5344CB8AC3E}">
-        <p14:creationId xmlns:p14="http://schemas.microsoft.com/office/powerpoint/2010/main" val="2426141979"/>
+        <p14:creationId xmlns:p14="http://schemas.microsoft.com/office/powerpoint/2010/main" val="1128042072"/>
       </p:ext>
     </p:extLst>
   </p:cSld>
@@ -4344,7 +5980,7 @@
           <a:p>
             <a:r>
               <a:rPr kumimoji="1" lang="ja-JP" altLang="en-US" dirty="0" smtClean="0"/>
-              <a:t>プレイヤー体力</a:t>
+              <a:t>フロー</a:t>
             </a:r>
             <a:endParaRPr kumimoji="1" lang="ja-JP" altLang="en-US" dirty="0"/>
           </a:p>
@@ -4397,6 +6033,803 @@
               </a:lnSpc>
             </a:pPr>
             <a:r>
+              <a:rPr lang="ja-JP" altLang="en-US" sz="2400" dirty="0" smtClean="0"/>
+              <a:t>タイトル</a:t>
+            </a:r>
+            <a:endParaRPr lang="en-US" altLang="ja-JP" sz="2400" dirty="0" smtClean="0"/>
+          </a:p>
+          <a:p>
+            <a:pPr>
+              <a:lnSpc>
+                <a:spcPct val="100000"/>
+              </a:lnSpc>
+            </a:pPr>
+            <a:endParaRPr lang="en-US" altLang="ja-JP" sz="2400" dirty="0" smtClean="0"/>
+          </a:p>
+          <a:p>
+            <a:pPr>
+              <a:lnSpc>
+                <a:spcPct val="100000"/>
+              </a:lnSpc>
+            </a:pPr>
+            <a:r>
+              <a:rPr lang="ja-JP" altLang="en-US" sz="2400" dirty="0" smtClean="0"/>
+              <a:t>ステージセレクト</a:t>
+            </a:r>
+            <a:endParaRPr lang="en-US" altLang="ja-JP" sz="2400" dirty="0" smtClean="0"/>
+          </a:p>
+          <a:p>
+            <a:pPr>
+              <a:lnSpc>
+                <a:spcPct val="100000"/>
+              </a:lnSpc>
+            </a:pPr>
+            <a:endParaRPr lang="en-US" altLang="ja-JP" sz="2400" dirty="0"/>
+          </a:p>
+          <a:p>
+            <a:pPr>
+              <a:lnSpc>
+                <a:spcPct val="100000"/>
+              </a:lnSpc>
+            </a:pPr>
+            <a:r>
+              <a:rPr lang="ja-JP" altLang="en-US" sz="2400" dirty="0" smtClean="0"/>
+              <a:t>ステージ開始</a:t>
+            </a:r>
+            <a:endParaRPr lang="en-US" altLang="ja-JP" sz="2400" dirty="0" smtClean="0"/>
+          </a:p>
+          <a:p>
+            <a:pPr>
+              <a:lnSpc>
+                <a:spcPct val="100000"/>
+              </a:lnSpc>
+            </a:pPr>
+            <a:endParaRPr lang="en-US" altLang="ja-JP" sz="2400" dirty="0"/>
+          </a:p>
+          <a:p>
+            <a:pPr>
+              <a:lnSpc>
+                <a:spcPct val="100000"/>
+              </a:lnSpc>
+            </a:pPr>
+            <a:r>
+              <a:rPr lang="ja-JP" altLang="en-US" sz="2400" dirty="0" smtClean="0"/>
+              <a:t>リザルト</a:t>
+            </a:r>
+            <a:endParaRPr lang="en-US" altLang="ja-JP" sz="2400" dirty="0" smtClean="0"/>
+          </a:p>
+          <a:p>
+            <a:pPr>
+              <a:lnSpc>
+                <a:spcPct val="100000"/>
+              </a:lnSpc>
+            </a:pPr>
+            <a:endParaRPr lang="en-US" altLang="ja-JP" sz="2400" dirty="0"/>
+          </a:p>
+          <a:p>
+            <a:pPr>
+              <a:lnSpc>
+                <a:spcPct val="100000"/>
+              </a:lnSpc>
+            </a:pPr>
+            <a:r>
+              <a:rPr lang="ja-JP" altLang="en-US" sz="2400" dirty="0" smtClean="0"/>
+              <a:t>ゲームクリア（偽エンディング）</a:t>
+            </a:r>
+            <a:endParaRPr lang="en-US" altLang="ja-JP" sz="2400" dirty="0" smtClean="0"/>
+          </a:p>
+          <a:p>
+            <a:pPr>
+              <a:lnSpc>
+                <a:spcPct val="100000"/>
+              </a:lnSpc>
+            </a:pPr>
+            <a:endParaRPr lang="en-US" altLang="ja-JP" sz="2400" dirty="0"/>
+          </a:p>
+          <a:p>
+            <a:pPr>
+              <a:lnSpc>
+                <a:spcPct val="100000"/>
+              </a:lnSpc>
+            </a:pPr>
+            <a:r>
+              <a:rPr lang="ja-JP" altLang="en-US" sz="2400" dirty="0" smtClean="0"/>
+              <a:t>エクストラステージ</a:t>
+            </a:r>
+            <a:endParaRPr lang="en-US" altLang="ja-JP" sz="2400" dirty="0" smtClean="0"/>
+          </a:p>
+          <a:p>
+            <a:pPr>
+              <a:lnSpc>
+                <a:spcPct val="100000"/>
+              </a:lnSpc>
+            </a:pPr>
+            <a:endParaRPr lang="en-US" altLang="ja-JP" sz="2400" dirty="0"/>
+          </a:p>
+          <a:p>
+            <a:pPr>
+              <a:lnSpc>
+                <a:spcPct val="100000"/>
+              </a:lnSpc>
+            </a:pPr>
+            <a:r>
+              <a:rPr lang="ja-JP" altLang="en-US" sz="2400" dirty="0" smtClean="0"/>
+              <a:t>ゲームクリア（真エンディング）</a:t>
+            </a:r>
+            <a:endParaRPr lang="en-US" altLang="ja-JP" sz="2400" dirty="0" smtClean="0"/>
+          </a:p>
+          <a:p>
+            <a:pPr>
+              <a:lnSpc>
+                <a:spcPct val="100000"/>
+              </a:lnSpc>
+            </a:pPr>
+            <a:endParaRPr lang="en-US" altLang="ja-JP" sz="2400" dirty="0"/>
+          </a:p>
+          <a:p>
+            <a:pPr>
+              <a:lnSpc>
+                <a:spcPct val="100000"/>
+              </a:lnSpc>
+            </a:pPr>
+            <a:endParaRPr lang="en-US" altLang="ja-JP" sz="2400" dirty="0" smtClean="0"/>
+          </a:p>
+        </p:txBody>
+      </p:sp>
+      <p:sp>
+        <p:nvSpPr>
+          <p:cNvPr id="4" name="下矢印 3"/>
+          <p:cNvSpPr/>
+          <p:nvPr/>
+        </p:nvSpPr>
+        <p:spPr>
+          <a:xfrm>
+            <a:off x="1219198" y="1876045"/>
+            <a:ext cx="192505" cy="208547"/>
+          </a:xfrm>
+          <a:prstGeom prst="downArrow">
+            <a:avLst/>
+          </a:prstGeom>
+        </p:spPr>
+        <p:style>
+          <a:lnRef idx="2">
+            <a:schemeClr val="accent1">
+              <a:shade val="50000"/>
+            </a:schemeClr>
+          </a:lnRef>
+          <a:fillRef idx="1">
+            <a:schemeClr val="accent1"/>
+          </a:fillRef>
+          <a:effectRef idx="0">
+            <a:schemeClr val="accent1"/>
+          </a:effectRef>
+          <a:fontRef idx="minor">
+            <a:schemeClr val="lt1"/>
+          </a:fontRef>
+        </p:style>
+        <p:txBody>
+          <a:bodyPr rtlCol="0" anchor="ctr"/>
+          <a:lstStyle/>
+          <a:p>
+            <a:pPr algn="ctr"/>
+            <a:endParaRPr kumimoji="1" lang="ja-JP" altLang="en-US"/>
+          </a:p>
+        </p:txBody>
+      </p:sp>
+      <p:sp>
+        <p:nvSpPr>
+          <p:cNvPr id="5" name="下矢印 4"/>
+          <p:cNvSpPr/>
+          <p:nvPr/>
+        </p:nvSpPr>
+        <p:spPr>
+          <a:xfrm>
+            <a:off x="1219198" y="2617155"/>
+            <a:ext cx="192505" cy="208547"/>
+          </a:xfrm>
+          <a:prstGeom prst="downArrow">
+            <a:avLst/>
+          </a:prstGeom>
+        </p:spPr>
+        <p:style>
+          <a:lnRef idx="2">
+            <a:schemeClr val="accent1">
+              <a:shade val="50000"/>
+            </a:schemeClr>
+          </a:lnRef>
+          <a:fillRef idx="1">
+            <a:schemeClr val="accent1"/>
+          </a:fillRef>
+          <a:effectRef idx="0">
+            <a:schemeClr val="accent1"/>
+          </a:effectRef>
+          <a:fontRef idx="minor">
+            <a:schemeClr val="lt1"/>
+          </a:fontRef>
+        </p:style>
+        <p:txBody>
+          <a:bodyPr rtlCol="0" anchor="ctr"/>
+          <a:lstStyle/>
+          <a:p>
+            <a:pPr algn="ctr"/>
+            <a:endParaRPr kumimoji="1" lang="ja-JP" altLang="en-US"/>
+          </a:p>
+        </p:txBody>
+      </p:sp>
+      <p:sp>
+        <p:nvSpPr>
+          <p:cNvPr id="6" name="下矢印 5"/>
+          <p:cNvSpPr/>
+          <p:nvPr/>
+        </p:nvSpPr>
+        <p:spPr>
+          <a:xfrm>
+            <a:off x="1219198" y="3384210"/>
+            <a:ext cx="192505" cy="208547"/>
+          </a:xfrm>
+          <a:prstGeom prst="downArrow">
+            <a:avLst/>
+          </a:prstGeom>
+        </p:spPr>
+        <p:style>
+          <a:lnRef idx="2">
+            <a:schemeClr val="accent1">
+              <a:shade val="50000"/>
+            </a:schemeClr>
+          </a:lnRef>
+          <a:fillRef idx="1">
+            <a:schemeClr val="accent1"/>
+          </a:fillRef>
+          <a:effectRef idx="0">
+            <a:schemeClr val="accent1"/>
+          </a:effectRef>
+          <a:fontRef idx="minor">
+            <a:schemeClr val="lt1"/>
+          </a:fontRef>
+        </p:style>
+        <p:txBody>
+          <a:bodyPr rtlCol="0" anchor="ctr"/>
+          <a:lstStyle/>
+          <a:p>
+            <a:pPr algn="ctr"/>
+            <a:endParaRPr kumimoji="1" lang="ja-JP" altLang="en-US"/>
+          </a:p>
+        </p:txBody>
+      </p:sp>
+      <p:sp>
+        <p:nvSpPr>
+          <p:cNvPr id="7" name="下矢印 6"/>
+          <p:cNvSpPr/>
+          <p:nvPr/>
+        </p:nvSpPr>
+        <p:spPr>
+          <a:xfrm>
+            <a:off x="1219198" y="4099466"/>
+            <a:ext cx="192505" cy="208547"/>
+          </a:xfrm>
+          <a:prstGeom prst="downArrow">
+            <a:avLst/>
+          </a:prstGeom>
+        </p:spPr>
+        <p:style>
+          <a:lnRef idx="2">
+            <a:schemeClr val="accent1">
+              <a:shade val="50000"/>
+            </a:schemeClr>
+          </a:lnRef>
+          <a:fillRef idx="1">
+            <a:schemeClr val="accent1"/>
+          </a:fillRef>
+          <a:effectRef idx="0">
+            <a:schemeClr val="accent1"/>
+          </a:effectRef>
+          <a:fontRef idx="minor">
+            <a:schemeClr val="lt1"/>
+          </a:fontRef>
+        </p:style>
+        <p:txBody>
+          <a:bodyPr rtlCol="0" anchor="ctr"/>
+          <a:lstStyle/>
+          <a:p>
+            <a:pPr algn="ctr"/>
+            <a:endParaRPr kumimoji="1" lang="ja-JP" altLang="en-US"/>
+          </a:p>
+        </p:txBody>
+      </p:sp>
+      <p:sp>
+        <p:nvSpPr>
+          <p:cNvPr id="8" name="下矢印 7"/>
+          <p:cNvSpPr/>
+          <p:nvPr/>
+        </p:nvSpPr>
+        <p:spPr>
+          <a:xfrm>
+            <a:off x="1219198" y="4785738"/>
+            <a:ext cx="192505" cy="208547"/>
+          </a:xfrm>
+          <a:prstGeom prst="downArrow">
+            <a:avLst/>
+          </a:prstGeom>
+        </p:spPr>
+        <p:style>
+          <a:lnRef idx="2">
+            <a:schemeClr val="accent1">
+              <a:shade val="50000"/>
+            </a:schemeClr>
+          </a:lnRef>
+          <a:fillRef idx="1">
+            <a:schemeClr val="accent1"/>
+          </a:fillRef>
+          <a:effectRef idx="0">
+            <a:schemeClr val="accent1"/>
+          </a:effectRef>
+          <a:fontRef idx="minor">
+            <a:schemeClr val="lt1"/>
+          </a:fontRef>
+        </p:style>
+        <p:txBody>
+          <a:bodyPr rtlCol="0" anchor="ctr"/>
+          <a:lstStyle/>
+          <a:p>
+            <a:pPr algn="ctr"/>
+            <a:endParaRPr kumimoji="1" lang="ja-JP" altLang="en-US"/>
+          </a:p>
+        </p:txBody>
+      </p:sp>
+      <p:sp>
+        <p:nvSpPr>
+          <p:cNvPr id="9" name="下矢印 8"/>
+          <p:cNvSpPr/>
+          <p:nvPr/>
+        </p:nvSpPr>
+        <p:spPr>
+          <a:xfrm>
+            <a:off x="1219198" y="5494827"/>
+            <a:ext cx="192505" cy="208547"/>
+          </a:xfrm>
+          <a:prstGeom prst="downArrow">
+            <a:avLst/>
+          </a:prstGeom>
+        </p:spPr>
+        <p:style>
+          <a:lnRef idx="2">
+            <a:schemeClr val="accent1">
+              <a:shade val="50000"/>
+            </a:schemeClr>
+          </a:lnRef>
+          <a:fillRef idx="1">
+            <a:schemeClr val="accent1"/>
+          </a:fillRef>
+          <a:effectRef idx="0">
+            <a:schemeClr val="accent1"/>
+          </a:effectRef>
+          <a:fontRef idx="minor">
+            <a:schemeClr val="lt1"/>
+          </a:fontRef>
+        </p:style>
+        <p:txBody>
+          <a:bodyPr rtlCol="0" anchor="ctr"/>
+          <a:lstStyle/>
+          <a:p>
+            <a:pPr algn="ctr"/>
+            <a:endParaRPr kumimoji="1" lang="ja-JP" altLang="en-US"/>
+          </a:p>
+        </p:txBody>
+      </p:sp>
+      <p:sp>
+        <p:nvSpPr>
+          <p:cNvPr id="11" name="右カーブ矢印 10"/>
+          <p:cNvSpPr/>
+          <p:nvPr/>
+        </p:nvSpPr>
+        <p:spPr>
+          <a:xfrm rot="10800000">
+            <a:off x="7642053" y="2016454"/>
+            <a:ext cx="705854" cy="1792538"/>
+          </a:xfrm>
+          <a:prstGeom prst="curvedRightArrow">
+            <a:avLst/>
+          </a:prstGeom>
+        </p:spPr>
+        <p:style>
+          <a:lnRef idx="2">
+            <a:schemeClr val="accent1">
+              <a:shade val="50000"/>
+            </a:schemeClr>
+          </a:lnRef>
+          <a:fillRef idx="1">
+            <a:schemeClr val="accent1"/>
+          </a:fillRef>
+          <a:effectRef idx="0">
+            <a:schemeClr val="accent1"/>
+          </a:effectRef>
+          <a:fontRef idx="minor">
+            <a:schemeClr val="lt1"/>
+          </a:fontRef>
+        </p:style>
+        <p:txBody>
+          <a:bodyPr rtlCol="0" anchor="ctr"/>
+          <a:lstStyle/>
+          <a:p>
+            <a:pPr algn="ctr"/>
+            <a:endParaRPr kumimoji="1" lang="ja-JP" altLang="en-US">
+              <a:solidFill>
+                <a:schemeClr val="tx1"/>
+              </a:solidFill>
+            </a:endParaRPr>
+          </a:p>
+        </p:txBody>
+      </p:sp>
+      <p:sp>
+        <p:nvSpPr>
+          <p:cNvPr id="12" name="右カーブ矢印 11"/>
+          <p:cNvSpPr/>
+          <p:nvPr/>
+        </p:nvSpPr>
+        <p:spPr>
+          <a:xfrm rot="10800000">
+            <a:off x="4776536" y="2973384"/>
+            <a:ext cx="705854" cy="876720"/>
+          </a:xfrm>
+          <a:prstGeom prst="curvedRightArrow">
+            <a:avLst/>
+          </a:prstGeom>
+        </p:spPr>
+        <p:style>
+          <a:lnRef idx="2">
+            <a:schemeClr val="accent1">
+              <a:shade val="50000"/>
+            </a:schemeClr>
+          </a:lnRef>
+          <a:fillRef idx="1">
+            <a:schemeClr val="accent1"/>
+          </a:fillRef>
+          <a:effectRef idx="0">
+            <a:schemeClr val="accent1"/>
+          </a:effectRef>
+          <a:fontRef idx="minor">
+            <a:schemeClr val="lt1"/>
+          </a:fontRef>
+        </p:style>
+        <p:txBody>
+          <a:bodyPr rtlCol="0" anchor="ctr"/>
+          <a:lstStyle/>
+          <a:p>
+            <a:pPr algn="ctr"/>
+            <a:endParaRPr kumimoji="1" lang="ja-JP" altLang="en-US">
+              <a:solidFill>
+                <a:schemeClr val="tx1"/>
+              </a:solidFill>
+            </a:endParaRPr>
+          </a:p>
+        </p:txBody>
+      </p:sp>
+      <p:sp>
+        <p:nvSpPr>
+          <p:cNvPr id="13" name="正方形/長方形 12"/>
+          <p:cNvSpPr/>
+          <p:nvPr/>
+        </p:nvSpPr>
+        <p:spPr>
+          <a:xfrm>
+            <a:off x="5747081" y="3360186"/>
+            <a:ext cx="1608221" cy="448806"/>
+          </a:xfrm>
+          <a:prstGeom prst="rect">
+            <a:avLst/>
+          </a:prstGeom>
+        </p:spPr>
+        <p:style>
+          <a:lnRef idx="2">
+            <a:schemeClr val="accent6"/>
+          </a:lnRef>
+          <a:fillRef idx="1">
+            <a:schemeClr val="lt1"/>
+          </a:fillRef>
+          <a:effectRef idx="0">
+            <a:schemeClr val="accent6"/>
+          </a:effectRef>
+          <a:fontRef idx="minor">
+            <a:schemeClr val="dk1"/>
+          </a:fontRef>
+        </p:style>
+        <p:txBody>
+          <a:bodyPr rtlCol="0" anchor="ctr"/>
+          <a:lstStyle/>
+          <a:p>
+            <a:pPr algn="ctr"/>
+            <a:r>
+              <a:rPr kumimoji="1" lang="ja-JP" altLang="en-US" dirty="0" smtClean="0"/>
+              <a:t>次のステージ</a:t>
+            </a:r>
+            <a:endParaRPr kumimoji="1" lang="ja-JP" altLang="en-US" dirty="0"/>
+          </a:p>
+        </p:txBody>
+      </p:sp>
+      <p:sp>
+        <p:nvSpPr>
+          <p:cNvPr id="14" name="正方形/長方形 13"/>
+          <p:cNvSpPr/>
+          <p:nvPr/>
+        </p:nvSpPr>
+        <p:spPr>
+          <a:xfrm>
+            <a:off x="8599559" y="3407230"/>
+            <a:ext cx="1830810" cy="448806"/>
+          </a:xfrm>
+          <a:prstGeom prst="rect">
+            <a:avLst/>
+          </a:prstGeom>
+        </p:spPr>
+        <p:style>
+          <a:lnRef idx="2">
+            <a:schemeClr val="accent6"/>
+          </a:lnRef>
+          <a:fillRef idx="1">
+            <a:schemeClr val="lt1"/>
+          </a:fillRef>
+          <a:effectRef idx="0">
+            <a:schemeClr val="accent6"/>
+          </a:effectRef>
+          <a:fontRef idx="minor">
+            <a:schemeClr val="dk1"/>
+          </a:fontRef>
+        </p:style>
+        <p:txBody>
+          <a:bodyPr rtlCol="0" anchor="ctr"/>
+          <a:lstStyle/>
+          <a:p>
+            <a:pPr algn="ctr"/>
+            <a:r>
+              <a:rPr kumimoji="1" lang="ja-JP" altLang="en-US" dirty="0" smtClean="0"/>
+              <a:t>ステージ</a:t>
+            </a:r>
+            <a:r>
+              <a:rPr lang="ja-JP" altLang="en-US" dirty="0" smtClean="0"/>
+              <a:t>セレクト</a:t>
+            </a:r>
+            <a:endParaRPr kumimoji="1" lang="ja-JP" altLang="en-US" dirty="0"/>
+          </a:p>
+        </p:txBody>
+      </p:sp>
+      <p:sp>
+        <p:nvSpPr>
+          <p:cNvPr id="15" name="正方形/長方形 14"/>
+          <p:cNvSpPr/>
+          <p:nvPr/>
+        </p:nvSpPr>
+        <p:spPr>
+          <a:xfrm>
+            <a:off x="1636295" y="3327020"/>
+            <a:ext cx="2695073" cy="265737"/>
+          </a:xfrm>
+          <a:prstGeom prst="rect">
+            <a:avLst/>
+          </a:prstGeom>
+        </p:spPr>
+        <p:style>
+          <a:lnRef idx="2">
+            <a:schemeClr val="accent6"/>
+          </a:lnRef>
+          <a:fillRef idx="1">
+            <a:schemeClr val="lt1"/>
+          </a:fillRef>
+          <a:effectRef idx="0">
+            <a:schemeClr val="accent6"/>
+          </a:effectRef>
+          <a:fontRef idx="minor">
+            <a:schemeClr val="dk1"/>
+          </a:fontRef>
+        </p:style>
+        <p:txBody>
+          <a:bodyPr rtlCol="0" anchor="ctr"/>
+          <a:lstStyle/>
+          <a:p>
+            <a:pPr algn="ctr"/>
+            <a:r>
+              <a:rPr kumimoji="1" lang="ja-JP" altLang="en-US" dirty="0" smtClean="0"/>
+              <a:t>クリア</a:t>
+            </a:r>
+            <a:r>
+              <a:rPr kumimoji="1" lang="en-US" altLang="ja-JP" dirty="0" smtClean="0"/>
+              <a:t>or </a:t>
+            </a:r>
+            <a:r>
+              <a:rPr kumimoji="1" lang="ja-JP" altLang="en-US" dirty="0" smtClean="0"/>
+              <a:t>ゲームオーバー</a:t>
+            </a:r>
+            <a:endParaRPr kumimoji="1" lang="ja-JP" altLang="en-US" dirty="0"/>
+          </a:p>
+        </p:txBody>
+      </p:sp>
+      <p:sp>
+        <p:nvSpPr>
+          <p:cNvPr id="16" name="正方形/長方形 15"/>
+          <p:cNvSpPr/>
+          <p:nvPr/>
+        </p:nvSpPr>
+        <p:spPr>
+          <a:xfrm>
+            <a:off x="1636295" y="4067754"/>
+            <a:ext cx="2248904" cy="240259"/>
+          </a:xfrm>
+          <a:prstGeom prst="rect">
+            <a:avLst/>
+          </a:prstGeom>
+        </p:spPr>
+        <p:style>
+          <a:lnRef idx="2">
+            <a:schemeClr val="accent6"/>
+          </a:lnRef>
+          <a:fillRef idx="1">
+            <a:schemeClr val="lt1"/>
+          </a:fillRef>
+          <a:effectRef idx="0">
+            <a:schemeClr val="accent6"/>
+          </a:effectRef>
+          <a:fontRef idx="minor">
+            <a:schemeClr val="dk1"/>
+          </a:fontRef>
+        </p:style>
+        <p:txBody>
+          <a:bodyPr rtlCol="0" anchor="ctr"/>
+          <a:lstStyle/>
+          <a:p>
+            <a:pPr algn="ctr"/>
+            <a:r>
+              <a:rPr lang="ja-JP" altLang="en-US" dirty="0" smtClean="0"/>
+              <a:t>全ステージ</a:t>
+            </a:r>
+            <a:r>
+              <a:rPr lang="ja-JP" altLang="en-US" dirty="0"/>
+              <a:t>クリア</a:t>
+            </a:r>
+            <a:endParaRPr kumimoji="1" lang="ja-JP" altLang="en-US" dirty="0"/>
+          </a:p>
+        </p:txBody>
+      </p:sp>
+      <p:sp>
+        <p:nvSpPr>
+          <p:cNvPr id="18" name="正方形/長方形 17"/>
+          <p:cNvSpPr/>
+          <p:nvPr/>
+        </p:nvSpPr>
+        <p:spPr>
+          <a:xfrm>
+            <a:off x="1636295" y="4798190"/>
+            <a:ext cx="2248904" cy="240259"/>
+          </a:xfrm>
+          <a:prstGeom prst="rect">
+            <a:avLst/>
+          </a:prstGeom>
+        </p:spPr>
+        <p:style>
+          <a:lnRef idx="2">
+            <a:schemeClr val="accent6"/>
+          </a:lnRef>
+          <a:fillRef idx="1">
+            <a:schemeClr val="lt1"/>
+          </a:fillRef>
+          <a:effectRef idx="0">
+            <a:schemeClr val="accent6"/>
+          </a:effectRef>
+          <a:fontRef idx="minor">
+            <a:schemeClr val="dk1"/>
+          </a:fontRef>
+        </p:style>
+        <p:txBody>
+          <a:bodyPr rtlCol="0" anchor="ctr"/>
+          <a:lstStyle/>
+          <a:p>
+            <a:pPr algn="ctr"/>
+            <a:r>
+              <a:rPr lang="ja-JP" altLang="en-US" dirty="0" smtClean="0"/>
+              <a:t>無条件</a:t>
+            </a:r>
+            <a:endParaRPr kumimoji="1" lang="ja-JP" altLang="en-US" dirty="0"/>
+          </a:p>
+        </p:txBody>
+      </p:sp>
+    </p:spTree>
+    <p:extLst>
+      <p:ext uri="{BB962C8B-B14F-4D97-AF65-F5344CB8AC3E}">
+        <p14:creationId xmlns:p14="http://schemas.microsoft.com/office/powerpoint/2010/main" val="2426141979"/>
+      </p:ext>
+    </p:extLst>
+  </p:cSld>
+  <p:clrMapOvr>
+    <a:masterClrMapping/>
+  </p:clrMapOvr>
+</p:sld>
+</file>
+
+<file path=ppt/slides/slide4.xml><?xml version="1.0" encoding="utf-8"?>
+<p:sld xmlns:a="http://schemas.openxmlformats.org/drawingml/2006/main" xmlns:r="http://schemas.openxmlformats.org/officeDocument/2006/relationships" xmlns:p="http://schemas.openxmlformats.org/presentationml/2006/main">
+  <p:cSld>
+    <p:spTree>
+      <p:nvGrpSpPr>
+        <p:cNvPr id="1" name=""/>
+        <p:cNvGrpSpPr/>
+        <p:nvPr/>
+      </p:nvGrpSpPr>
+      <p:grpSpPr>
+        <a:xfrm>
+          <a:off x="0" y="0"/>
+          <a:ext cx="0" cy="0"/>
+          <a:chOff x="0" y="0"/>
+          <a:chExt cx="0" cy="0"/>
+        </a:xfrm>
+      </p:grpSpPr>
+      <p:sp>
+        <p:nvSpPr>
+          <p:cNvPr id="2" name="タイトル 1"/>
+          <p:cNvSpPr>
+            <a:spLocks noGrp="1"/>
+          </p:cNvSpPr>
+          <p:nvPr>
+            <p:ph type="title"/>
+          </p:nvPr>
+        </p:nvSpPr>
+        <p:spPr/>
+        <p:txBody>
+          <a:bodyPr/>
+          <a:lstStyle/>
+          <a:p>
+            <a:r>
+              <a:rPr kumimoji="1" lang="ja-JP" altLang="en-US" dirty="0" smtClean="0"/>
+              <a:t>プレイヤー体力</a:t>
+            </a:r>
+            <a:endParaRPr kumimoji="1" lang="ja-JP" altLang="en-US" dirty="0"/>
+          </a:p>
+        </p:txBody>
+      </p:sp>
+      <p:sp>
+        <p:nvSpPr>
+          <p:cNvPr id="3" name="タイトル 1"/>
+          <p:cNvSpPr txBox="1">
+            <a:spLocks/>
+          </p:cNvSpPr>
+          <p:nvPr/>
+        </p:nvSpPr>
+        <p:spPr>
+          <a:xfrm>
+            <a:off x="838200" y="1690688"/>
+            <a:ext cx="10515600" cy="4950744"/>
+          </a:xfrm>
+          <a:prstGeom prst="rect">
+            <a:avLst/>
+          </a:prstGeom>
+        </p:spPr>
+        <p:txBody>
+          <a:bodyPr vert="horz" lIns="91440" tIns="45720" rIns="91440" bIns="45720" rtlCol="0" anchor="ctr">
+            <a:normAutofit/>
+          </a:bodyPr>
+          <a:lstStyle>
+            <a:lvl1pPr algn="l" defTabSz="914400" rtl="0" eaLnBrk="1" latinLnBrk="0" hangingPunct="1">
+              <a:lnSpc>
+                <a:spcPct val="90000"/>
+              </a:lnSpc>
+              <a:spcBef>
+                <a:spcPct val="0"/>
+              </a:spcBef>
+              <a:buNone/>
+              <a:defRPr kumimoji="1" sz="4400" kern="1200">
+                <a:solidFill>
+                  <a:schemeClr val="tx1"/>
+                </a:solidFill>
+                <a:latin typeface="+mj-lt"/>
+                <a:ea typeface="+mj-ea"/>
+                <a:cs typeface="+mj-cs"/>
+              </a:defRPr>
+            </a:lvl1pPr>
+          </a:lstStyle>
+          <a:p>
+            <a:pPr>
+              <a:lnSpc>
+                <a:spcPct val="100000"/>
+              </a:lnSpc>
+            </a:pPr>
+            <a:r>
               <a:rPr lang="en-US" altLang="ja-JP" sz="2400" dirty="0" smtClean="0"/>
               <a:t>BMI = </a:t>
             </a:r>
@@ -4431,91 +6864,95 @@
                 <a:spcPct val="100000"/>
               </a:lnSpc>
             </a:pPr>
-            <a:r>
-              <a:rPr lang="ja-JP" altLang="en-US" sz="2400" dirty="0" smtClean="0"/>
-              <a:t>この</a:t>
-            </a:r>
+            <a:endParaRPr lang="en-US" altLang="ja-JP" sz="2400" dirty="0" smtClean="0"/>
+          </a:p>
+          <a:p>
+            <a:pPr>
+              <a:lnSpc>
+                <a:spcPct val="100000"/>
+              </a:lnSpc>
+            </a:pPr>
+            <a:r>
+              <a:rPr lang="ja-JP" altLang="en-US" sz="2400" dirty="0" smtClean="0"/>
+              <a:t>身長 </a:t>
+            </a:r>
+            <a:r>
+              <a:rPr lang="en-US" altLang="ja-JP" sz="2400" dirty="0" smtClean="0"/>
+              <a:t>= 1.5m</a:t>
+            </a:r>
+          </a:p>
+          <a:p>
+            <a:pPr>
+              <a:lnSpc>
+                <a:spcPct val="100000"/>
+              </a:lnSpc>
+            </a:pPr>
+            <a:r>
+              <a:rPr lang="ja-JP" altLang="en-US" sz="2400" dirty="0" smtClean="0"/>
+              <a:t>体重 </a:t>
+            </a:r>
+            <a:r>
+              <a:rPr lang="en-US" altLang="ja-JP" sz="2400" dirty="0" smtClean="0"/>
+              <a:t>= 450kg</a:t>
+            </a:r>
+          </a:p>
+          <a:p>
+            <a:pPr>
+              <a:lnSpc>
+                <a:spcPct val="100000"/>
+              </a:lnSpc>
+            </a:pPr>
+            <a:r>
+              <a:rPr lang="en-US" altLang="ja-JP" sz="2400" dirty="0" smtClean="0"/>
+              <a:t>BMI = 200</a:t>
+            </a:r>
+          </a:p>
+          <a:p>
+            <a:pPr>
+              <a:lnSpc>
+                <a:spcPct val="100000"/>
+              </a:lnSpc>
+            </a:pPr>
+            <a:endParaRPr lang="en-US" altLang="ja-JP" sz="2400" dirty="0" smtClean="0"/>
+          </a:p>
+          <a:p>
+            <a:pPr>
+              <a:lnSpc>
+                <a:spcPct val="100000"/>
+              </a:lnSpc>
+            </a:pPr>
+            <a:r>
+              <a:rPr lang="ja-JP" altLang="en-US" sz="2400" dirty="0" smtClean="0"/>
+              <a:t>プレイヤー体力上限は</a:t>
+            </a:r>
+            <a:r>
+              <a:rPr lang="en-US" altLang="ja-JP" sz="2400" dirty="0" smtClean="0"/>
+              <a:t>200</a:t>
+            </a:r>
+          </a:p>
+          <a:p>
+            <a:pPr>
+              <a:lnSpc>
+                <a:spcPct val="100000"/>
+              </a:lnSpc>
+            </a:pPr>
             <a:r>
               <a:rPr lang="en-US" altLang="ja-JP" sz="2400" dirty="0" smtClean="0"/>
               <a:t>BMI</a:t>
             </a:r>
             <a:r>
               <a:rPr lang="ja-JP" altLang="en-US" sz="2400" dirty="0" smtClean="0"/>
-              <a:t>を体力とする</a:t>
-            </a:r>
-            <a:endParaRPr lang="en-US" altLang="ja-JP" sz="2400" dirty="0" smtClean="0"/>
-          </a:p>
-          <a:p>
-            <a:pPr>
-              <a:lnSpc>
-                <a:spcPct val="100000"/>
-              </a:lnSpc>
-            </a:pPr>
-            <a:endParaRPr lang="en-US" altLang="ja-JP" sz="2400" dirty="0" smtClean="0"/>
-          </a:p>
-          <a:p>
-            <a:pPr>
-              <a:lnSpc>
-                <a:spcPct val="100000"/>
-              </a:lnSpc>
-            </a:pPr>
-            <a:r>
-              <a:rPr lang="ja-JP" altLang="en-US" sz="2400" dirty="0" smtClean="0"/>
-              <a:t>身長 </a:t>
-            </a:r>
-            <a:r>
-              <a:rPr lang="en-US" altLang="ja-JP" sz="2400" dirty="0" smtClean="0"/>
-              <a:t>= 1.5m</a:t>
-            </a:r>
-          </a:p>
-          <a:p>
-            <a:pPr>
-              <a:lnSpc>
-                <a:spcPct val="100000"/>
-              </a:lnSpc>
-            </a:pPr>
-            <a:r>
-              <a:rPr lang="ja-JP" altLang="en-US" sz="2400" dirty="0" smtClean="0"/>
-              <a:t>体重 </a:t>
-            </a:r>
-            <a:r>
-              <a:rPr lang="en-US" altLang="ja-JP" sz="2400" dirty="0" smtClean="0"/>
-              <a:t>= 450kg</a:t>
-            </a:r>
-          </a:p>
-          <a:p>
-            <a:pPr>
-              <a:lnSpc>
-                <a:spcPct val="100000"/>
-              </a:lnSpc>
-            </a:pPr>
-            <a:r>
-              <a:rPr lang="en-US" altLang="ja-JP" sz="2400" dirty="0" smtClean="0"/>
-              <a:t>BMI = 200</a:t>
-            </a:r>
-          </a:p>
-          <a:p>
-            <a:pPr>
-              <a:lnSpc>
-                <a:spcPct val="100000"/>
-              </a:lnSpc>
-            </a:pPr>
-            <a:endParaRPr lang="en-US" altLang="ja-JP" sz="2400" dirty="0" smtClean="0"/>
-          </a:p>
-          <a:p>
-            <a:pPr>
-              <a:lnSpc>
-                <a:spcPct val="100000"/>
-              </a:lnSpc>
-            </a:pPr>
-            <a:r>
-              <a:rPr lang="ja-JP" altLang="en-US" sz="2400" dirty="0" smtClean="0"/>
-              <a:t>プレイヤー体力上限は</a:t>
+              <a:t>が</a:t>
             </a:r>
             <a:r>
               <a:rPr lang="en-US" altLang="ja-JP" sz="2400" dirty="0" smtClean="0"/>
               <a:t>200</a:t>
             </a:r>
+            <a:r>
+              <a:rPr lang="ja-JP" altLang="en-US" sz="2400" dirty="0" smtClean="0"/>
+              <a:t>でグリーンゾーン</a:t>
+            </a:r>
+            <a:endParaRPr lang="en-US" altLang="ja-JP" sz="2400" dirty="0" smtClean="0"/>
           </a:p>
           <a:p>
             <a:pPr>
@@ -4533,6 +6970,30 @@
             </a:r>
             <a:r>
               <a:rPr lang="en-US" altLang="ja-JP" sz="2400" dirty="0" smtClean="0"/>
+              <a:t>100</a:t>
+            </a:r>
+            <a:r>
+              <a:rPr lang="ja-JP" altLang="en-US" sz="2400" dirty="0" smtClean="0"/>
+              <a:t>以下でイエローゾーン</a:t>
+            </a:r>
+            <a:endParaRPr lang="en-US" altLang="ja-JP" sz="2400" dirty="0" smtClean="0"/>
+          </a:p>
+          <a:p>
+            <a:pPr>
+              <a:lnSpc>
+                <a:spcPct val="100000"/>
+              </a:lnSpc>
+            </a:pPr>
+            <a:r>
+              <a:rPr lang="en-US" altLang="ja-JP" sz="2400" dirty="0" smtClean="0"/>
+              <a:t>BMI</a:t>
+            </a:r>
+            <a:r>
+              <a:rPr lang="ja-JP" altLang="en-US" sz="2400" dirty="0" smtClean="0"/>
+              <a:t>が</a:t>
+            </a:r>
+            <a:r>
+              <a:rPr lang="en-US" altLang="ja-JP" sz="2400" dirty="0" smtClean="0"/>
               <a:t>18</a:t>
             </a:r>
             <a:r>
@@ -4547,14 +7008,54 @@
                 <a:spcPct val="100000"/>
               </a:lnSpc>
             </a:pPr>
-            <a:endParaRPr lang="en-US" altLang="ja-JP" sz="2400" dirty="0" smtClean="0"/>
-          </a:p>
-          <a:p>
-            <a:pPr>
-              <a:lnSpc>
-                <a:spcPct val="100000"/>
-              </a:lnSpc>
-            </a:pPr>
+            <a:endParaRPr lang="en-US" altLang="ja-JP" sz="2400" dirty="0"/>
+          </a:p>
+          <a:p>
+            <a:pPr>
+              <a:lnSpc>
+                <a:spcPct val="100000"/>
+              </a:lnSpc>
+            </a:pPr>
+            <a:r>
+              <a:rPr lang="en-US" altLang="ja-JP" sz="2400" dirty="0" smtClean="0"/>
+              <a:t>1</a:t>
+            </a:r>
+            <a:r>
+              <a:rPr lang="ja-JP" altLang="en-US" sz="2400" dirty="0" smtClean="0"/>
+              <a:t>秒経過で</a:t>
+            </a:r>
+            <a:r>
+              <a:rPr lang="en-US" altLang="ja-JP" sz="2400" dirty="0"/>
+              <a:t>1</a:t>
+            </a:r>
+            <a:r>
+              <a:rPr lang="ja-JP" altLang="en-US" sz="2400" dirty="0" smtClean="0"/>
+              <a:t>減る</a:t>
+            </a:r>
+            <a:endParaRPr lang="en-US" altLang="ja-JP" sz="2400" dirty="0" smtClean="0"/>
+          </a:p>
+          <a:p>
+            <a:pPr>
+              <a:lnSpc>
+                <a:spcPct val="100000"/>
+              </a:lnSpc>
+            </a:pPr>
+            <a:r>
+              <a:rPr lang="ja-JP" altLang="en-US" sz="2400" dirty="0"/>
+              <a:t>エネミ</a:t>
+            </a:r>
+            <a:r>
+              <a:rPr lang="ja-JP" altLang="en-US" sz="2400" dirty="0" smtClean="0"/>
+              <a:t>ーの</a:t>
+            </a:r>
+            <a:r>
+              <a:rPr lang="ja-JP" altLang="en-US" sz="2400" dirty="0"/>
+              <a:t>攻撃</a:t>
+            </a:r>
+            <a:r>
+              <a:rPr lang="ja-JP" altLang="en-US" sz="2400" dirty="0" smtClean="0"/>
+              <a:t>で減る</a:t>
+            </a:r>
             <a:endParaRPr lang="en-US" altLang="ja-JP" sz="2400" dirty="0"/>
           </a:p>
           <a:p>
@@ -4675,203 +7176,6 @@
 </p:sld>
 </file>
 
-<file path=ppt/slides/slide4.xml><?xml version="1.0" encoding="utf-8"?>
-<p:sld xmlns:a="http://schemas.openxmlformats.org/drawingml/2006/main" xmlns:r="http://schemas.openxmlformats.org/officeDocument/2006/relationships" xmlns:p="http://schemas.openxmlformats.org/presentationml/2006/main">
-  <p:cSld>
-    <p:spTree>
-      <p:nvGrpSpPr>
-        <p:cNvPr id="1" name=""/>
-        <p:cNvGrpSpPr/>
-        <p:nvPr/>
-      </p:nvGrpSpPr>
-      <p:grpSpPr>
-        <a:xfrm>
-          <a:off x="0" y="0"/>
-          <a:ext cx="0" cy="0"/>
-          <a:chOff x="0" y="0"/>
-          <a:chExt cx="0" cy="0"/>
-        </a:xfrm>
-      </p:grpSpPr>
-      <p:sp>
-        <p:nvSpPr>
-          <p:cNvPr id="2" name="タイトル 1"/>
-          <p:cNvSpPr>
-            <a:spLocks noGrp="1"/>
-          </p:cNvSpPr>
-          <p:nvPr>
-            <p:ph type="title"/>
-          </p:nvPr>
-        </p:nvSpPr>
-        <p:spPr/>
-        <p:txBody>
-          <a:bodyPr/>
-          <a:lstStyle/>
-          <a:p>
-            <a:r>
-              <a:rPr kumimoji="1" lang="ja-JP" altLang="en-US" dirty="0" smtClean="0"/>
-              <a:t>エネミー種類・体力</a:t>
-            </a:r>
-            <a:endParaRPr kumimoji="1" lang="ja-JP" altLang="en-US" dirty="0"/>
-          </a:p>
-        </p:txBody>
-      </p:sp>
-      <p:sp>
-        <p:nvSpPr>
-          <p:cNvPr id="3" name="タイトル 1"/>
-          <p:cNvSpPr txBox="1">
-            <a:spLocks/>
-          </p:cNvSpPr>
-          <p:nvPr/>
-        </p:nvSpPr>
-        <p:spPr>
-          <a:xfrm>
-            <a:off x="838200" y="1690688"/>
-            <a:ext cx="10515600" cy="4950744"/>
-          </a:xfrm>
-          <a:prstGeom prst="rect">
-            <a:avLst/>
-          </a:prstGeom>
-        </p:spPr>
-        <p:txBody>
-          <a:bodyPr vert="horz" lIns="91440" tIns="45720" rIns="91440" bIns="45720" rtlCol="0" anchor="ctr">
-            <a:normAutofit/>
-          </a:bodyPr>
-          <a:lstStyle>
-            <a:lvl1pPr algn="l" defTabSz="914400" rtl="0" eaLnBrk="1" latinLnBrk="0" hangingPunct="1">
-              <a:lnSpc>
-                <a:spcPct val="90000"/>
-              </a:lnSpc>
-              <a:spcBef>
-                <a:spcPct val="0"/>
-              </a:spcBef>
-              <a:buNone/>
-              <a:defRPr kumimoji="1" sz="4400" kern="1200">
-                <a:solidFill>
-                  <a:schemeClr val="tx1"/>
-                </a:solidFill>
-                <a:latin typeface="+mj-lt"/>
-                <a:ea typeface="+mj-ea"/>
-                <a:cs typeface="+mj-cs"/>
-              </a:defRPr>
-            </a:lvl1pPr>
-          </a:lstStyle>
-          <a:p>
-            <a:pPr>
-              <a:lnSpc>
-                <a:spcPct val="100000"/>
-              </a:lnSpc>
-            </a:pPr>
-            <a:r>
-              <a:rPr lang="ja-JP" altLang="en-US" sz="2400" dirty="0" smtClean="0"/>
-              <a:t>ミーハー（雑魚）：　いじめっこ（とりまき）</a:t>
-            </a:r>
-            <a:endParaRPr lang="en-US" altLang="ja-JP" sz="2400" dirty="0" smtClean="0"/>
-          </a:p>
-          <a:p>
-            <a:pPr>
-              <a:lnSpc>
-                <a:spcPct val="100000"/>
-              </a:lnSpc>
-            </a:pPr>
-            <a:r>
-              <a:rPr lang="en-US" altLang="ja-JP" sz="2400" dirty="0" smtClean="0"/>
-              <a:t>2</a:t>
-            </a:r>
-            <a:r>
-              <a:rPr lang="en-US" altLang="ja-JP" sz="2400" dirty="0"/>
-              <a:t>5</a:t>
-            </a:r>
-            <a:endParaRPr lang="en-US" altLang="ja-JP" sz="2400" dirty="0" smtClean="0"/>
-          </a:p>
-          <a:p>
-            <a:pPr>
-              <a:lnSpc>
-                <a:spcPct val="100000"/>
-              </a:lnSpc>
-            </a:pPr>
-            <a:endParaRPr lang="en-US" altLang="ja-JP" sz="2400" dirty="0"/>
-          </a:p>
-          <a:p>
-            <a:pPr>
-              <a:lnSpc>
-                <a:spcPct val="100000"/>
-              </a:lnSpc>
-            </a:pPr>
-            <a:r>
-              <a:rPr lang="ja-JP" altLang="en-US" sz="2400" dirty="0" smtClean="0"/>
-              <a:t>リーダー（ステージボス）：　いじめっこ（ボス）</a:t>
-            </a:r>
-            <a:endParaRPr lang="en-US" altLang="ja-JP" sz="2400" dirty="0" smtClean="0"/>
-          </a:p>
-          <a:p>
-            <a:pPr>
-              <a:lnSpc>
-                <a:spcPct val="100000"/>
-              </a:lnSpc>
-            </a:pPr>
-            <a:r>
-              <a:rPr lang="en-US" altLang="ja-JP" sz="2400" dirty="0" smtClean="0"/>
-              <a:t>100</a:t>
-            </a:r>
-          </a:p>
-          <a:p>
-            <a:pPr>
-              <a:lnSpc>
-                <a:spcPct val="100000"/>
-              </a:lnSpc>
-            </a:pPr>
-            <a:endParaRPr lang="en-US" altLang="ja-JP" sz="2400" dirty="0"/>
-          </a:p>
-          <a:p>
-            <a:pPr>
-              <a:lnSpc>
-                <a:spcPct val="100000"/>
-              </a:lnSpc>
-            </a:pPr>
-            <a:r>
-              <a:rPr lang="ja-JP" altLang="en-US" sz="2400" dirty="0" smtClean="0"/>
-              <a:t>委員長（ラスボス）：　いじめっこ（黒幕）</a:t>
-            </a:r>
-            <a:endParaRPr lang="en-US" altLang="ja-JP" sz="2400" dirty="0" smtClean="0"/>
-          </a:p>
-          <a:p>
-            <a:pPr>
-              <a:lnSpc>
-                <a:spcPct val="100000"/>
-              </a:lnSpc>
-            </a:pPr>
-            <a:r>
-              <a:rPr lang="en-US" altLang="ja-JP" sz="2400" dirty="0" smtClean="0"/>
-              <a:t>1000</a:t>
-            </a:r>
-            <a:r>
-              <a:rPr lang="en-US" altLang="ja-JP" sz="2400" dirty="0"/>
-              <a:t>0</a:t>
-            </a:r>
-          </a:p>
-          <a:p>
-            <a:pPr>
-              <a:lnSpc>
-                <a:spcPct val="100000"/>
-              </a:lnSpc>
-            </a:pPr>
-            <a:endParaRPr lang="en-US" altLang="ja-JP" sz="2400" dirty="0" smtClean="0"/>
-          </a:p>
-        </p:txBody>
-      </p:sp>
-    </p:spTree>
-    <p:extLst>
-      <p:ext uri="{BB962C8B-B14F-4D97-AF65-F5344CB8AC3E}">
-        <p14:creationId xmlns:p14="http://schemas.microsoft.com/office/powerpoint/2010/main" val="2408991993"/>
-      </p:ext>
-    </p:extLst>
-  </p:cSld>
-  <p:clrMapOvr>
-    <a:masterClrMapping/>
-  </p:clrMapOvr>
-</p:sld>
-</file>
-
 <file path=ppt/slides/slide5.xml><?xml version="1.0" encoding="utf-8"?>
 <p:sld xmlns:a="http://schemas.openxmlformats.org/drawingml/2006/main" xmlns:r="http://schemas.openxmlformats.org/officeDocument/2006/relationships" xmlns:p="http://schemas.openxmlformats.org/presentationml/2006/main">
   <p:cSld>
@@ -4906,7 +7210,7 @@
           <a:p>
             <a:r>
               <a:rPr kumimoji="1" lang="ja-JP" altLang="en-US" dirty="0" smtClean="0"/>
-              <a:t>プレイヤー攻撃力</a:t>
+              <a:t>エネミー種類・体力</a:t>
             </a:r>
             <a:endParaRPr kumimoji="1" lang="ja-JP" altLang="en-US" dirty="0"/>
           </a:p>
@@ -4960,165 +7264,119 @@
             </a:pPr>
             <a:r>
               <a:rPr lang="ja-JP" altLang="en-US" sz="2400" dirty="0" smtClean="0"/>
-              <a:t>攻撃パターン：　ジャブ→ジャブ→ストレート</a:t>
-            </a:r>
-            <a:endParaRPr lang="en-US" altLang="ja-JP" sz="2400" dirty="0" smtClean="0"/>
-          </a:p>
-          <a:p>
-            <a:pPr>
-              <a:lnSpc>
-                <a:spcPct val="100000"/>
-              </a:lnSpc>
-            </a:pPr>
-            <a:r>
-              <a:rPr lang="ja-JP" altLang="en-US" sz="2400" dirty="0" smtClean="0"/>
-              <a:t>攻撃レベル</a:t>
-            </a:r>
-            <a:r>
-              <a:rPr lang="en-US" altLang="ja-JP" sz="2400" dirty="0" smtClean="0"/>
-              <a:t>1</a:t>
-            </a:r>
-            <a:r>
-              <a:rPr lang="ja-JP" altLang="en-US" sz="2400" dirty="0" smtClean="0"/>
-              <a:t>：　</a:t>
-            </a:r>
-            <a:r>
-              <a:rPr lang="en-US" altLang="ja-JP" sz="2400" dirty="0" smtClean="0"/>
-              <a:t>1</a:t>
-            </a:r>
-            <a:r>
-              <a:rPr lang="ja-JP" altLang="en-US" sz="2400" dirty="0" smtClean="0"/>
-              <a:t>→</a:t>
-            </a:r>
-            <a:r>
-              <a:rPr lang="en-US" altLang="ja-JP" sz="2400" dirty="0" smtClean="0"/>
-              <a:t>1</a:t>
-            </a:r>
-            <a:r>
-              <a:rPr lang="ja-JP" altLang="en-US" sz="2400" dirty="0" smtClean="0"/>
-              <a:t>→</a:t>
-            </a:r>
-            <a:r>
-              <a:rPr lang="en-US" altLang="ja-JP" sz="2400" dirty="0" smtClean="0"/>
-              <a:t>3</a:t>
-            </a:r>
-            <a:r>
-              <a:rPr lang="ja-JP" altLang="en-US" sz="2400" dirty="0" smtClean="0"/>
-              <a:t>　（合計：</a:t>
-            </a:r>
-            <a:r>
-              <a:rPr lang="en-US" altLang="ja-JP" sz="2400" dirty="0" smtClean="0"/>
+              <a:t>エネミーは体力が</a:t>
+            </a:r>
+            <a:r>
+              <a:rPr lang="en-US" altLang="ja-JP" sz="2400" dirty="0" smtClean="0"/>
+              <a:t>0</a:t>
+            </a:r>
+            <a:r>
+              <a:rPr lang="ja-JP" altLang="en-US" sz="2400" dirty="0" smtClean="0"/>
+              <a:t>になると更生する。（倒すとかではない）</a:t>
+            </a:r>
+            <a:endParaRPr lang="en-US" altLang="ja-JP" sz="2400" dirty="0" smtClean="0"/>
+          </a:p>
+          <a:p>
+            <a:pPr>
+              <a:lnSpc>
+                <a:spcPct val="100000"/>
+              </a:lnSpc>
+            </a:pPr>
+            <a:endParaRPr lang="en-US" altLang="ja-JP" sz="2400" dirty="0"/>
+          </a:p>
+          <a:p>
+            <a:pPr>
+              <a:lnSpc>
+                <a:spcPct val="100000"/>
+              </a:lnSpc>
+            </a:pPr>
+            <a:r>
+              <a:rPr lang="ja-JP" altLang="en-US" sz="2400" dirty="0" smtClean="0"/>
+              <a:t>ミーハー（雑魚）：　いじめっこ（とりまき）</a:t>
+            </a:r>
+            <a:endParaRPr lang="en-US" altLang="ja-JP" sz="2400" dirty="0" smtClean="0"/>
+          </a:p>
+          <a:p>
+            <a:pPr>
+              <a:lnSpc>
+                <a:spcPct val="100000"/>
+              </a:lnSpc>
+            </a:pPr>
+            <a:r>
+              <a:rPr lang="en-US" altLang="ja-JP" sz="2400" dirty="0" smtClean="0"/>
+              <a:t>2</a:t>
+            </a:r>
+            <a:r>
+              <a:rPr lang="en-US" altLang="ja-JP" sz="2400" dirty="0"/>
               <a:t>5</a:t>
             </a:r>
-            <a:r>
-              <a:rPr lang="ja-JP" altLang="en-US" sz="2400" dirty="0" smtClean="0"/>
-              <a:t>）</a:t>
-            </a:r>
-            <a:endParaRPr lang="en-US" altLang="ja-JP" sz="2400" dirty="0" smtClean="0"/>
-          </a:p>
-          <a:p>
-            <a:pPr>
-              <a:lnSpc>
-                <a:spcPct val="100000"/>
-              </a:lnSpc>
-            </a:pPr>
-            <a:r>
-              <a:rPr lang="ja-JP" altLang="en-US" sz="2400" dirty="0" smtClean="0"/>
-              <a:t>攻撃レベル</a:t>
-            </a:r>
-            <a:r>
-              <a:rPr lang="en-US" altLang="ja-JP" sz="2400" dirty="0" smtClean="0"/>
-              <a:t>2</a:t>
-            </a:r>
-            <a:r>
-              <a:rPr lang="ja-JP" altLang="en-US" sz="2400" dirty="0" smtClean="0"/>
-              <a:t>：　</a:t>
-            </a:r>
-            <a:r>
-              <a:rPr lang="en-US" altLang="ja-JP" sz="2400" dirty="0" smtClean="0"/>
-              <a:t>2</a:t>
-            </a:r>
-            <a:r>
-              <a:rPr lang="ja-JP" altLang="en-US" sz="2400" dirty="0" smtClean="0"/>
-              <a:t>→</a:t>
-            </a:r>
-            <a:r>
-              <a:rPr lang="en-US" altLang="ja-JP" sz="2400" dirty="0" smtClean="0"/>
-              <a:t>2</a:t>
-            </a:r>
-            <a:r>
-              <a:rPr lang="ja-JP" altLang="en-US" sz="2400" dirty="0" smtClean="0"/>
-              <a:t>→</a:t>
-            </a:r>
-            <a:r>
-              <a:rPr lang="en-US" altLang="ja-JP" sz="2400" dirty="0" smtClean="0"/>
-              <a:t>6</a:t>
-            </a:r>
-            <a:r>
-              <a:rPr lang="ja-JP" altLang="en-US" sz="2400" dirty="0" smtClean="0"/>
-              <a:t>　（合計：</a:t>
-            </a:r>
-            <a:r>
-              <a:rPr lang="en-US" altLang="ja-JP" sz="2400" dirty="0" smtClean="0"/>
-              <a:t>10</a:t>
-            </a:r>
-            <a:r>
-              <a:rPr lang="ja-JP" altLang="en-US" sz="2400" dirty="0" smtClean="0"/>
-              <a:t>）</a:t>
-            </a:r>
-            <a:endParaRPr lang="en-US" altLang="ja-JP" sz="2400" dirty="0" smtClean="0"/>
-          </a:p>
-          <a:p>
-            <a:pPr>
-              <a:lnSpc>
-                <a:spcPct val="100000"/>
-              </a:lnSpc>
-            </a:pPr>
-            <a:r>
-              <a:rPr lang="ja-JP" altLang="en-US" sz="2400" dirty="0" smtClean="0"/>
-              <a:t>攻撃レベル</a:t>
-            </a:r>
-            <a:r>
-              <a:rPr lang="en-US" altLang="ja-JP" sz="2400" dirty="0" smtClean="0"/>
-              <a:t>3</a:t>
-            </a:r>
-            <a:r>
-              <a:rPr lang="ja-JP" altLang="en-US" sz="2400" dirty="0" smtClean="0"/>
-              <a:t>：　</a:t>
-            </a:r>
-            <a:r>
-              <a:rPr lang="en-US" altLang="ja-JP" sz="2400" dirty="0" smtClean="0"/>
-              <a:t>5</a:t>
-            </a:r>
-            <a:r>
-              <a:rPr lang="ja-JP" altLang="en-US" sz="2400" dirty="0" smtClean="0"/>
-              <a:t>→</a:t>
-            </a:r>
-            <a:r>
-              <a:rPr lang="en-US" altLang="ja-JP" sz="2400" dirty="0" smtClean="0"/>
-              <a:t>5</a:t>
-            </a:r>
-            <a:r>
-              <a:rPr lang="ja-JP" altLang="en-US" sz="2400" dirty="0" smtClean="0"/>
-              <a:t>→</a:t>
-            </a:r>
-            <a:r>
-              <a:rPr lang="en-US" altLang="ja-JP" sz="2400" dirty="0" smtClean="0"/>
-              <a:t>10 </a:t>
-            </a:r>
-            <a:r>
-              <a:rPr lang="ja-JP" altLang="en-US" sz="2400" dirty="0" smtClean="0"/>
-              <a:t>（合計：</a:t>
-            </a:r>
-            <a:r>
-              <a:rPr lang="en-US" altLang="ja-JP" sz="2400" dirty="0" smtClean="0"/>
-              <a:t>20</a:t>
-            </a:r>
-            <a:r>
-              <a:rPr lang="ja-JP" altLang="en-US" sz="2400" dirty="0" smtClean="0"/>
-              <a:t>）</a:t>
-            </a:r>
+            <a:endParaRPr lang="en-US" altLang="ja-JP" sz="2400" dirty="0" smtClean="0"/>
+          </a:p>
+          <a:p>
+            <a:pPr>
+              <a:lnSpc>
+                <a:spcPct val="100000"/>
+              </a:lnSpc>
+            </a:pPr>
             <a:endParaRPr lang="en-US" altLang="ja-JP" sz="2400" dirty="0"/>
+          </a:p>
+          <a:p>
+            <a:pPr>
+              <a:lnSpc>
+                <a:spcPct val="100000"/>
+              </a:lnSpc>
+            </a:pPr>
+            <a:r>
+              <a:rPr lang="ja-JP" altLang="en-US" sz="2400" dirty="0" smtClean="0"/>
+              <a:t>リーダー（ステージボス）：　いじめっこ（ボス）</a:t>
+            </a:r>
+            <a:endParaRPr lang="en-US" altLang="ja-JP" sz="2400" dirty="0" smtClean="0"/>
+          </a:p>
+          <a:p>
+            <a:pPr>
+              <a:lnSpc>
+                <a:spcPct val="100000"/>
+              </a:lnSpc>
+            </a:pPr>
+            <a:r>
+              <a:rPr lang="en-US" altLang="ja-JP" sz="2400" dirty="0" smtClean="0"/>
+              <a:t>100</a:t>
+            </a:r>
+          </a:p>
+          <a:p>
+            <a:pPr>
+              <a:lnSpc>
+                <a:spcPct val="100000"/>
+              </a:lnSpc>
+            </a:pPr>
+            <a:endParaRPr lang="en-US" altLang="ja-JP" sz="2400" dirty="0"/>
+          </a:p>
+          <a:p>
+            <a:pPr>
+              <a:lnSpc>
+                <a:spcPct val="100000"/>
+              </a:lnSpc>
+            </a:pPr>
+            <a:r>
+              <a:rPr lang="ja-JP" altLang="en-US" sz="2400" dirty="0" smtClean="0"/>
+              <a:t>委員長（ラスボス）：　いじめっこ（黒幕）</a:t>
+            </a:r>
+            <a:endParaRPr lang="en-US" altLang="ja-JP" sz="2400" dirty="0" smtClean="0"/>
+          </a:p>
+          <a:p>
+            <a:pPr>
+              <a:lnSpc>
+                <a:spcPct val="100000"/>
+              </a:lnSpc>
+            </a:pPr>
+            <a:r>
+              <a:rPr lang="en-US" altLang="ja-JP" sz="2400" dirty="0" smtClean="0"/>
+              <a:t>1000</a:t>
+            </a:r>
+            <a:r>
+              <a:rPr lang="en-US" altLang="ja-JP" sz="2400" dirty="0"/>
+              <a:t>0</a:t>
+            </a:r>
           </a:p>
           <a:p>
             <a:pPr>
@@ -5133,7 +7391,7 @@
     </p:spTree>
     <p:extLst>
       <p:ext uri="{BB962C8B-B14F-4D97-AF65-F5344CB8AC3E}">
-        <p14:creationId xmlns:p14="http://schemas.microsoft.com/office/powerpoint/2010/main" val="2459265329"/>
+        <p14:creationId xmlns:p14="http://schemas.microsoft.com/office/powerpoint/2010/main" val="2408991993"/>
       </p:ext>
     </p:extLst>
   </p:cSld>
@@ -5177,7 +7435,7 @@
           <a:p>
             <a:r>
               <a:rPr kumimoji="1" lang="ja-JP" altLang="en-US" dirty="0" smtClean="0"/>
-              <a:t>エネミー攻撃パターン・攻撃力</a:t>
+              <a:t>プレイヤー更生力（攻撃力）</a:t>
             </a:r>
             <a:endParaRPr kumimoji="1" lang="ja-JP" altLang="en-US" dirty="0"/>
           </a:p>
@@ -5231,19 +7489,51 @@
             </a:pPr>
             <a:r>
               <a:rPr lang="ja-JP" altLang="en-US" sz="2400" dirty="0" smtClean="0"/>
-              <a:t>ミーハー</a:t>
-            </a:r>
-            <a:endParaRPr lang="en-US" altLang="ja-JP" sz="2400" dirty="0" smtClean="0"/>
-          </a:p>
-          <a:p>
-            <a:pPr>
-              <a:lnSpc>
-                <a:spcPct val="100000"/>
-              </a:lnSpc>
-            </a:pPr>
-            <a:r>
-              <a:rPr lang="ja-JP" altLang="en-US" sz="2400" dirty="0" smtClean="0"/>
-              <a:t>攻撃パターン：　チョッピングライト（</a:t>
+              <a:t>攻撃パターン：　ジャブ→ジャブ→ストレート</a:t>
+            </a:r>
+            <a:endParaRPr lang="en-US" altLang="ja-JP" sz="2400" dirty="0" smtClean="0"/>
+          </a:p>
+          <a:p>
+            <a:pPr>
+              <a:lnSpc>
+                <a:spcPct val="100000"/>
+              </a:lnSpc>
+            </a:pPr>
+            <a:r>
+              <a:rPr lang="ja-JP" altLang="en-US" sz="2400" dirty="0" smtClean="0"/>
+              <a:t>攻撃レベル</a:t>
+            </a:r>
+            <a:r>
+              <a:rPr lang="en-US" altLang="ja-JP" sz="2400" dirty="0" smtClean="0"/>
+              <a:t>1</a:t>
+            </a:r>
+            <a:r>
+              <a:rPr lang="ja-JP" altLang="en-US" sz="2400" dirty="0" smtClean="0"/>
+              <a:t>：　</a:t>
+            </a:r>
+            <a:r>
+              <a:rPr lang="en-US" altLang="ja-JP" sz="2400" dirty="0" smtClean="0"/>
+              <a:t>1</a:t>
+            </a:r>
+            <a:r>
+              <a:rPr lang="ja-JP" altLang="en-US" sz="2400" dirty="0" smtClean="0"/>
+              <a:t>→</a:t>
+            </a:r>
+            <a:r>
+              <a:rPr lang="en-US" altLang="ja-JP" sz="2400" dirty="0" smtClean="0"/>
+              <a:t>1</a:t>
+            </a:r>
+            <a:r>
+              <a:rPr lang="ja-JP" altLang="en-US" sz="2400" dirty="0" smtClean="0"/>
+              <a:t>→</a:t>
+            </a:r>
+            <a:r>
+              <a:rPr lang="en-US" altLang="ja-JP" sz="2400" dirty="0" smtClean="0"/>
+              <a:t>3</a:t>
+            </a:r>
+            <a:r>
+              <a:rPr lang="ja-JP" altLang="en-US" sz="2400" dirty="0" smtClean="0"/>
+              <a:t>　（合計：</a:t>
             </a:r>
             <a:r>
               <a:rPr lang="en-US" altLang="ja-JP" sz="2400" dirty="0" smtClean="0"/>
@@ -5261,167 +7551,103 @@
                 <a:spcPct val="100000"/>
               </a:lnSpc>
             </a:pPr>
+            <a:r>
+              <a:rPr lang="ja-JP" altLang="en-US" sz="2400" dirty="0" smtClean="0"/>
+              <a:t>攻撃レベル</a:t>
+            </a:r>
+            <a:r>
+              <a:rPr lang="en-US" altLang="ja-JP" sz="2400" dirty="0" smtClean="0"/>
+              <a:t>2</a:t>
+            </a:r>
+            <a:r>
+              <a:rPr lang="ja-JP" altLang="en-US" sz="2400" dirty="0" smtClean="0"/>
+              <a:t>：　</a:t>
+            </a:r>
+            <a:r>
+              <a:rPr lang="en-US" altLang="ja-JP" sz="2400" dirty="0" smtClean="0"/>
+              <a:t>2</a:t>
+            </a:r>
+            <a:r>
+              <a:rPr lang="ja-JP" altLang="en-US" sz="2400" dirty="0" smtClean="0"/>
+              <a:t>→</a:t>
+            </a:r>
+            <a:r>
+              <a:rPr lang="en-US" altLang="ja-JP" sz="2400" dirty="0" smtClean="0"/>
+              <a:t>2</a:t>
+            </a:r>
+            <a:r>
+              <a:rPr lang="ja-JP" altLang="en-US" sz="2400" dirty="0" smtClean="0"/>
+              <a:t>→</a:t>
+            </a:r>
+            <a:r>
+              <a:rPr lang="en-US" altLang="ja-JP" sz="2400" dirty="0" smtClean="0"/>
+              <a:t>6</a:t>
+            </a:r>
+            <a:r>
+              <a:rPr lang="ja-JP" altLang="en-US" sz="2400" dirty="0" smtClean="0"/>
+              <a:t>　（合計：</a:t>
+            </a:r>
+            <a:r>
+              <a:rPr lang="en-US" altLang="ja-JP" sz="2400" dirty="0" smtClean="0"/>
+              <a:t>10</a:t>
+            </a:r>
+            <a:r>
+              <a:rPr lang="ja-JP" altLang="en-US" sz="2400" dirty="0" smtClean="0"/>
+              <a:t>）</a:t>
+            </a:r>
+            <a:endParaRPr lang="en-US" altLang="ja-JP" sz="2400" dirty="0" smtClean="0"/>
+          </a:p>
+          <a:p>
+            <a:pPr>
+              <a:lnSpc>
+                <a:spcPct val="100000"/>
+              </a:lnSpc>
+            </a:pPr>
+            <a:r>
+              <a:rPr lang="ja-JP" altLang="en-US" sz="2400" dirty="0" smtClean="0"/>
+              <a:t>攻撃レベル</a:t>
+            </a:r>
+            <a:r>
+              <a:rPr lang="en-US" altLang="ja-JP" sz="2400" dirty="0" smtClean="0"/>
+              <a:t>3</a:t>
+            </a:r>
+            <a:r>
+              <a:rPr lang="ja-JP" altLang="en-US" sz="2400" dirty="0" smtClean="0"/>
+              <a:t>：　</a:t>
+            </a:r>
+            <a:r>
+              <a:rPr lang="en-US" altLang="ja-JP" sz="2400" dirty="0" smtClean="0"/>
+              <a:t>5</a:t>
+            </a:r>
+            <a:r>
+              <a:rPr lang="ja-JP" altLang="en-US" sz="2400" dirty="0" smtClean="0"/>
+              <a:t>→</a:t>
+            </a:r>
+            <a:r>
+              <a:rPr lang="en-US" altLang="ja-JP" sz="2400" dirty="0" smtClean="0"/>
+              <a:t>5</a:t>
+            </a:r>
+            <a:r>
+              <a:rPr lang="ja-JP" altLang="en-US" sz="2400" dirty="0" smtClean="0"/>
+              <a:t>→</a:t>
+            </a:r>
+            <a:r>
+              <a:rPr lang="en-US" altLang="ja-JP" sz="2400" dirty="0" smtClean="0"/>
+              <a:t>10 </a:t>
+            </a:r>
+            <a:r>
+              <a:rPr lang="ja-JP" altLang="en-US" sz="2400" dirty="0" smtClean="0"/>
+              <a:t>（合計：</a:t>
+            </a:r>
+            <a:r>
+              <a:rPr lang="en-US" altLang="ja-JP" sz="2400" dirty="0" smtClean="0"/>
+              <a:t>20</a:t>
+            </a:r>
+            <a:r>
+              <a:rPr lang="ja-JP" altLang="en-US" sz="2400" dirty="0" smtClean="0"/>
+              <a:t>）</a:t>
+            </a:r>
             <a:endParaRPr lang="en-US" altLang="ja-JP" sz="2400" dirty="0"/>
-          </a:p>
-          <a:p>
-            <a:pPr>
-              <a:lnSpc>
-                <a:spcPct val="100000"/>
-              </a:lnSpc>
-            </a:pPr>
-            <a:r>
-              <a:rPr lang="ja-JP" altLang="en-US" sz="2400" dirty="0" smtClean="0"/>
-              <a:t>リーダー攻撃パターン</a:t>
-            </a:r>
-            <a:r>
-              <a:rPr lang="en-US" altLang="ja-JP" sz="2400" dirty="0" smtClean="0"/>
-              <a:t>1</a:t>
-            </a:r>
-            <a:r>
-              <a:rPr lang="ja-JP" altLang="en-US" sz="2400" dirty="0" smtClean="0"/>
-              <a:t>：　チョッピングライト（</a:t>
-            </a:r>
-            <a:r>
-              <a:rPr lang="en-US" altLang="ja-JP" sz="2400" dirty="0" smtClean="0"/>
-              <a:t>10</a:t>
-            </a:r>
-            <a:r>
-              <a:rPr lang="ja-JP" altLang="en-US" sz="2400" dirty="0" smtClean="0"/>
-              <a:t>）</a:t>
-            </a:r>
-            <a:endParaRPr lang="en-US" altLang="ja-JP" sz="2400" dirty="0" smtClean="0"/>
-          </a:p>
-          <a:p>
-            <a:pPr>
-              <a:lnSpc>
-                <a:spcPct val="100000"/>
-              </a:lnSpc>
-            </a:pPr>
-            <a:r>
-              <a:rPr lang="ja-JP" altLang="en-US" sz="2400" dirty="0" smtClean="0"/>
-              <a:t>攻撃パターン</a:t>
-            </a:r>
-            <a:r>
-              <a:rPr lang="en-US" altLang="ja-JP" sz="2400" dirty="0" smtClean="0"/>
-              <a:t>2</a:t>
-            </a:r>
-            <a:r>
-              <a:rPr lang="ja-JP" altLang="en-US" sz="2400" dirty="0" smtClean="0"/>
-              <a:t>：　ショルダータックル（</a:t>
-            </a:r>
-            <a:r>
-              <a:rPr lang="en-US" altLang="ja-JP" sz="2400" dirty="0" smtClean="0"/>
-              <a:t>20</a:t>
-            </a:r>
-            <a:r>
-              <a:rPr lang="ja-JP" altLang="en-US" sz="2400" dirty="0" smtClean="0"/>
-              <a:t>）</a:t>
-            </a:r>
-            <a:endParaRPr lang="en-US" altLang="ja-JP" sz="2400" dirty="0" smtClean="0"/>
-          </a:p>
-          <a:p>
-            <a:pPr>
-              <a:lnSpc>
-                <a:spcPct val="100000"/>
-              </a:lnSpc>
-            </a:pPr>
-            <a:endParaRPr lang="en-US" altLang="ja-JP" sz="2400" dirty="0"/>
-          </a:p>
-          <a:p>
-            <a:pPr>
-              <a:lnSpc>
-                <a:spcPct val="100000"/>
-              </a:lnSpc>
-            </a:pPr>
-            <a:r>
-              <a:rPr lang="ja-JP" altLang="en-US" sz="2400" dirty="0" smtClean="0"/>
-              <a:t>委員長</a:t>
-            </a:r>
-            <a:endParaRPr lang="en-US" altLang="ja-JP" sz="2400" dirty="0" smtClean="0"/>
-          </a:p>
-          <a:p>
-            <a:pPr>
-              <a:lnSpc>
-                <a:spcPct val="100000"/>
-              </a:lnSpc>
-            </a:pPr>
-            <a:r>
-              <a:rPr lang="ja-JP" altLang="en-US" sz="2400" dirty="0" smtClean="0"/>
-              <a:t>攻撃パターン</a:t>
-            </a:r>
-            <a:r>
-              <a:rPr lang="en-US" altLang="ja-JP" sz="2400" dirty="0" smtClean="0"/>
-              <a:t>1</a:t>
-            </a:r>
-            <a:r>
-              <a:rPr lang="ja-JP" altLang="en-US" sz="2400" dirty="0" smtClean="0"/>
-              <a:t>：　チョッピングライト（</a:t>
-            </a:r>
-            <a:r>
-              <a:rPr lang="en-US" altLang="ja-JP" sz="2400" dirty="0" smtClean="0"/>
-              <a:t>20</a:t>
-            </a:r>
-            <a:r>
-              <a:rPr lang="ja-JP" altLang="en-US" sz="2400" dirty="0" smtClean="0"/>
-              <a:t>）</a:t>
-            </a:r>
-            <a:endParaRPr lang="en-US" altLang="ja-JP" sz="2400" dirty="0" smtClean="0"/>
-          </a:p>
-          <a:p>
-            <a:pPr>
-              <a:lnSpc>
-                <a:spcPct val="100000"/>
-              </a:lnSpc>
-            </a:pPr>
-            <a:r>
-              <a:rPr lang="ja-JP" altLang="en-US" sz="2400" dirty="0" smtClean="0"/>
-              <a:t>攻撃パターン</a:t>
-            </a:r>
-            <a:r>
-              <a:rPr lang="en-US" altLang="ja-JP" sz="2400" dirty="0" smtClean="0"/>
-              <a:t>2</a:t>
-            </a:r>
-            <a:r>
-              <a:rPr lang="ja-JP" altLang="en-US" sz="2400" dirty="0" smtClean="0"/>
-              <a:t>：　ショルダータックル（</a:t>
-            </a:r>
-            <a:r>
-              <a:rPr lang="en-US" altLang="ja-JP" sz="2400" dirty="0" smtClean="0"/>
-              <a:t>40</a:t>
-            </a:r>
-            <a:r>
-              <a:rPr lang="ja-JP" altLang="en-US" sz="2400" dirty="0" smtClean="0"/>
-              <a:t>）</a:t>
-            </a:r>
-            <a:endParaRPr lang="en-US" altLang="ja-JP" sz="2400" dirty="0" smtClean="0"/>
-          </a:p>
-          <a:p>
-            <a:pPr>
-              <a:lnSpc>
-                <a:spcPct val="100000"/>
-              </a:lnSpc>
-            </a:pPr>
-            <a:r>
-              <a:rPr lang="ja-JP" altLang="en-US" sz="2400" dirty="0" smtClean="0"/>
-              <a:t>攻撃パターン</a:t>
-            </a:r>
-            <a:r>
-              <a:rPr lang="en-US" altLang="ja-JP" sz="2400" dirty="0" smtClean="0"/>
-              <a:t>3</a:t>
-            </a:r>
-            <a:r>
-              <a:rPr lang="ja-JP" altLang="en-US" sz="2400" dirty="0" smtClean="0"/>
-              <a:t>：　グランドスラップ（</a:t>
-            </a:r>
-            <a:r>
-              <a:rPr lang="en-US" altLang="ja-JP" sz="2400" dirty="0" smtClean="0"/>
-              <a:t>50</a:t>
-            </a:r>
-            <a:r>
-              <a:rPr lang="ja-JP" altLang="en-US" sz="2400" dirty="0" smtClean="0"/>
-              <a:t>）</a:t>
-            </a:r>
-            <a:endParaRPr lang="en-US" altLang="ja-JP" sz="2400" dirty="0" smtClean="0"/>
           </a:p>
           <a:p>
             <a:pPr>
@@ -5436,7 +7662,7 @@
     </p:spTree>
     <p:extLst>
       <p:ext uri="{BB962C8B-B14F-4D97-AF65-F5344CB8AC3E}">
-        <p14:creationId xmlns:p14="http://schemas.microsoft.com/office/powerpoint/2010/main" val="243877208"/>
+        <p14:creationId xmlns:p14="http://schemas.microsoft.com/office/powerpoint/2010/main" val="2459265329"/>
       </p:ext>
     </p:extLst>
   </p:cSld>
@@ -5480,7 +7706,7 @@
           <a:p>
             <a:r>
               <a:rPr kumimoji="1" lang="ja-JP" altLang="en-US" dirty="0" smtClean="0"/>
-              <a:t>ステージフロー</a:t>
+              <a:t>プレイヤー攻撃力</a:t>
             </a:r>
             <a:endParaRPr kumimoji="1" lang="ja-JP" altLang="en-US" dirty="0"/>
           </a:p>
@@ -5534,6 +7760,592 @@
             </a:pPr>
             <a:r>
               <a:rPr lang="ja-JP" altLang="en-US" sz="2400" dirty="0" smtClean="0"/>
+              <a:t>攻撃パターン：　ジャブ→ジャブ→ストレート</a:t>
+            </a:r>
+            <a:endParaRPr lang="en-US" altLang="ja-JP" sz="2400" dirty="0" smtClean="0"/>
+          </a:p>
+          <a:p>
+            <a:pPr>
+              <a:lnSpc>
+                <a:spcPct val="100000"/>
+              </a:lnSpc>
+            </a:pPr>
+            <a:r>
+              <a:rPr lang="ja-JP" altLang="en-US" sz="2400" dirty="0" smtClean="0"/>
+              <a:t>攻撃レベル</a:t>
+            </a:r>
+            <a:r>
+              <a:rPr lang="en-US" altLang="ja-JP" sz="2400" dirty="0" smtClean="0"/>
+              <a:t>1</a:t>
+            </a:r>
+            <a:r>
+              <a:rPr lang="ja-JP" altLang="en-US" sz="2400" dirty="0" smtClean="0"/>
+              <a:t>：　</a:t>
+            </a:r>
+            <a:r>
+              <a:rPr lang="en-US" altLang="ja-JP" sz="2400" dirty="0" smtClean="0"/>
+              <a:t>1</a:t>
+            </a:r>
+            <a:r>
+              <a:rPr lang="ja-JP" altLang="en-US" sz="2400" dirty="0" smtClean="0"/>
+              <a:t>→</a:t>
+            </a:r>
+            <a:r>
+              <a:rPr lang="en-US" altLang="ja-JP" sz="2400" dirty="0" smtClean="0"/>
+              <a:t>1</a:t>
+            </a:r>
+            <a:r>
+              <a:rPr lang="ja-JP" altLang="en-US" sz="2400" dirty="0" smtClean="0"/>
+              <a:t>→</a:t>
+            </a:r>
+            <a:r>
+              <a:rPr lang="en-US" altLang="ja-JP" sz="2400" dirty="0" smtClean="0"/>
+              <a:t>3</a:t>
+            </a:r>
+            <a:r>
+              <a:rPr lang="ja-JP" altLang="en-US" sz="2400" dirty="0" smtClean="0"/>
+              <a:t>　（合計：</a:t>
+            </a:r>
+            <a:r>
+              <a:rPr lang="en-US" altLang="ja-JP" sz="2400" dirty="0" smtClean="0"/>
+              <a:t>5</a:t>
+            </a:r>
+            <a:r>
+              <a:rPr lang="ja-JP" altLang="en-US" sz="2400" dirty="0" smtClean="0"/>
+              <a:t>）</a:t>
+            </a:r>
+            <a:endParaRPr lang="en-US" altLang="ja-JP" sz="2400" dirty="0" smtClean="0"/>
+          </a:p>
+          <a:p>
+            <a:pPr>
+              <a:lnSpc>
+                <a:spcPct val="100000"/>
+              </a:lnSpc>
+            </a:pPr>
+            <a:r>
+              <a:rPr lang="ja-JP" altLang="en-US" sz="2400" dirty="0" smtClean="0"/>
+              <a:t>攻撃レベル</a:t>
+            </a:r>
+            <a:r>
+              <a:rPr lang="en-US" altLang="ja-JP" sz="2400" dirty="0" smtClean="0"/>
+              <a:t>2</a:t>
+            </a:r>
+            <a:r>
+              <a:rPr lang="ja-JP" altLang="en-US" sz="2400" dirty="0" smtClean="0"/>
+              <a:t>：　</a:t>
+            </a:r>
+            <a:r>
+              <a:rPr lang="en-US" altLang="ja-JP" sz="2400" dirty="0" smtClean="0"/>
+              <a:t>2</a:t>
+            </a:r>
+            <a:r>
+              <a:rPr lang="ja-JP" altLang="en-US" sz="2400" dirty="0" smtClean="0"/>
+              <a:t>→</a:t>
+            </a:r>
+            <a:r>
+              <a:rPr lang="en-US" altLang="ja-JP" sz="2400" dirty="0" smtClean="0"/>
+              <a:t>2</a:t>
+            </a:r>
+            <a:r>
+              <a:rPr lang="ja-JP" altLang="en-US" sz="2400" dirty="0" smtClean="0"/>
+              <a:t>→</a:t>
+            </a:r>
+            <a:r>
+              <a:rPr lang="en-US" altLang="ja-JP" sz="2400" dirty="0" smtClean="0"/>
+              <a:t>6</a:t>
+            </a:r>
+            <a:r>
+              <a:rPr lang="ja-JP" altLang="en-US" sz="2400" dirty="0" smtClean="0"/>
+              <a:t>　（合計：</a:t>
+            </a:r>
+            <a:r>
+              <a:rPr lang="en-US" altLang="ja-JP" sz="2400" dirty="0" smtClean="0"/>
+              <a:t>10</a:t>
+            </a:r>
+            <a:r>
+              <a:rPr lang="ja-JP" altLang="en-US" sz="2400" dirty="0" smtClean="0"/>
+              <a:t>）</a:t>
+            </a:r>
+            <a:endParaRPr lang="en-US" altLang="ja-JP" sz="2400" dirty="0" smtClean="0"/>
+          </a:p>
+          <a:p>
+            <a:pPr>
+              <a:lnSpc>
+                <a:spcPct val="100000"/>
+              </a:lnSpc>
+            </a:pPr>
+            <a:r>
+              <a:rPr lang="ja-JP" altLang="en-US" sz="2400" dirty="0" smtClean="0"/>
+              <a:t>攻撃レベル</a:t>
+            </a:r>
+            <a:r>
+              <a:rPr lang="en-US" altLang="ja-JP" sz="2400" dirty="0" smtClean="0"/>
+              <a:t>3</a:t>
+            </a:r>
+            <a:r>
+              <a:rPr lang="ja-JP" altLang="en-US" sz="2400" dirty="0" smtClean="0"/>
+              <a:t>：　</a:t>
+            </a:r>
+            <a:r>
+              <a:rPr lang="en-US" altLang="ja-JP" sz="2400" dirty="0" smtClean="0"/>
+              <a:t>5</a:t>
+            </a:r>
+            <a:r>
+              <a:rPr lang="ja-JP" altLang="en-US" sz="2400" dirty="0" smtClean="0"/>
+              <a:t>→</a:t>
+            </a:r>
+            <a:r>
+              <a:rPr lang="en-US" altLang="ja-JP" sz="2400" dirty="0" smtClean="0"/>
+              <a:t>5</a:t>
+            </a:r>
+            <a:r>
+              <a:rPr lang="ja-JP" altLang="en-US" sz="2400" dirty="0" smtClean="0"/>
+              <a:t>→</a:t>
+            </a:r>
+            <a:r>
+              <a:rPr lang="en-US" altLang="ja-JP" sz="2400" dirty="0" smtClean="0"/>
+              <a:t>10 </a:t>
+            </a:r>
+            <a:r>
+              <a:rPr lang="ja-JP" altLang="en-US" sz="2400" dirty="0" smtClean="0"/>
+              <a:t>（合計：</a:t>
+            </a:r>
+            <a:r>
+              <a:rPr lang="en-US" altLang="ja-JP" sz="2400" dirty="0" smtClean="0"/>
+              <a:t>20</a:t>
+            </a:r>
+            <a:r>
+              <a:rPr lang="ja-JP" altLang="en-US" sz="2400" dirty="0" smtClean="0"/>
+              <a:t>）</a:t>
+            </a:r>
+            <a:endParaRPr lang="en-US" altLang="ja-JP" sz="2400" dirty="0"/>
+          </a:p>
+          <a:p>
+            <a:pPr>
+              <a:lnSpc>
+                <a:spcPct val="100000"/>
+              </a:lnSpc>
+            </a:pPr>
+            <a:endParaRPr lang="en-US" altLang="ja-JP" sz="2400" dirty="0" smtClean="0"/>
+          </a:p>
+        </p:txBody>
+      </p:sp>
+    </p:spTree>
+    <p:extLst>
+      <p:ext uri="{BB962C8B-B14F-4D97-AF65-F5344CB8AC3E}">
+        <p14:creationId xmlns:p14="http://schemas.microsoft.com/office/powerpoint/2010/main" val="3443302226"/>
+      </p:ext>
+    </p:extLst>
+  </p:cSld>
+  <p:clrMapOvr>
+    <a:masterClrMapping/>
+  </p:clrMapOvr>
+</p:sld>
+</file>
+
+<file path=ppt/slides/slide8.xml><?xml version="1.0" encoding="utf-8"?>
+<p:sld xmlns:a="http://schemas.openxmlformats.org/drawingml/2006/main" xmlns:r="http://schemas.openxmlformats.org/officeDocument/2006/relationships" xmlns:p="http://schemas.openxmlformats.org/presentationml/2006/main">
+  <p:cSld>
+    <p:spTree>
+      <p:nvGrpSpPr>
+        <p:cNvPr id="1" name=""/>
+        <p:cNvGrpSpPr/>
+        <p:nvPr/>
+      </p:nvGrpSpPr>
+      <p:grpSpPr>
+        <a:xfrm>
+          <a:off x="0" y="0"/>
+          <a:ext cx="0" cy="0"/>
+          <a:chOff x="0" y="0"/>
+          <a:chExt cx="0" cy="0"/>
+        </a:xfrm>
+      </p:grpSpPr>
+      <p:sp>
+        <p:nvSpPr>
+          <p:cNvPr id="2" name="タイトル 1"/>
+          <p:cNvSpPr>
+            <a:spLocks noGrp="1"/>
+          </p:cNvSpPr>
+          <p:nvPr>
+            <p:ph type="title"/>
+          </p:nvPr>
+        </p:nvSpPr>
+        <p:spPr/>
+        <p:txBody>
+          <a:bodyPr/>
+          <a:lstStyle/>
+          <a:p>
+            <a:r>
+              <a:rPr kumimoji="1" lang="ja-JP" altLang="en-US" dirty="0" smtClean="0"/>
+              <a:t>エネミー攻撃パターン・攻撃力</a:t>
+            </a:r>
+            <a:endParaRPr kumimoji="1" lang="ja-JP" altLang="en-US" dirty="0"/>
+          </a:p>
+        </p:txBody>
+      </p:sp>
+      <p:sp>
+        <p:nvSpPr>
+          <p:cNvPr id="3" name="タイトル 1"/>
+          <p:cNvSpPr txBox="1">
+            <a:spLocks/>
+          </p:cNvSpPr>
+          <p:nvPr/>
+        </p:nvSpPr>
+        <p:spPr>
+          <a:xfrm>
+            <a:off x="838200" y="1690688"/>
+            <a:ext cx="10515600" cy="4950744"/>
+          </a:xfrm>
+          <a:prstGeom prst="rect">
+            <a:avLst/>
+          </a:prstGeom>
+        </p:spPr>
+        <p:txBody>
+          <a:bodyPr vert="horz" lIns="91440" tIns="45720" rIns="91440" bIns="45720" rtlCol="0" anchor="ctr">
+            <a:normAutofit/>
+          </a:bodyPr>
+          <a:lstStyle>
+            <a:lvl1pPr algn="l" defTabSz="914400" rtl="0" eaLnBrk="1" latinLnBrk="0" hangingPunct="1">
+              <a:lnSpc>
+                <a:spcPct val="90000"/>
+              </a:lnSpc>
+              <a:spcBef>
+                <a:spcPct val="0"/>
+              </a:spcBef>
+              <a:buNone/>
+              <a:defRPr kumimoji="1" sz="4400" kern="1200">
+                <a:solidFill>
+                  <a:schemeClr val="tx1"/>
+                </a:solidFill>
+                <a:latin typeface="+mj-lt"/>
+                <a:ea typeface="+mj-ea"/>
+                <a:cs typeface="+mj-cs"/>
+              </a:defRPr>
+            </a:lvl1pPr>
+          </a:lstStyle>
+          <a:p>
+            <a:pPr>
+              <a:lnSpc>
+                <a:spcPct val="100000"/>
+              </a:lnSpc>
+            </a:pPr>
+            <a:r>
+              <a:rPr lang="ja-JP" altLang="en-US" sz="2400" dirty="0" smtClean="0"/>
+              <a:t>ミーハー</a:t>
+            </a:r>
+            <a:endParaRPr lang="en-US" altLang="ja-JP" sz="2400" dirty="0" smtClean="0"/>
+          </a:p>
+          <a:p>
+            <a:pPr>
+              <a:lnSpc>
+                <a:spcPct val="100000"/>
+              </a:lnSpc>
+            </a:pPr>
+            <a:r>
+              <a:rPr lang="ja-JP" altLang="en-US" sz="2400" dirty="0" smtClean="0"/>
+              <a:t>攻撃パターン：　チョッピングライト（</a:t>
+            </a:r>
+            <a:r>
+              <a:rPr lang="en-US" altLang="ja-JP" sz="2400" dirty="0" smtClean="0"/>
+              <a:t>5</a:t>
+            </a:r>
+            <a:r>
+              <a:rPr lang="ja-JP" altLang="en-US" sz="2400" dirty="0" smtClean="0"/>
+              <a:t>）</a:t>
+            </a:r>
+            <a:endParaRPr lang="en-US" altLang="ja-JP" sz="2400" dirty="0" smtClean="0"/>
+          </a:p>
+          <a:p>
+            <a:pPr>
+              <a:lnSpc>
+                <a:spcPct val="100000"/>
+              </a:lnSpc>
+            </a:pPr>
+            <a:endParaRPr lang="en-US" altLang="ja-JP" sz="2400" dirty="0"/>
+          </a:p>
+          <a:p>
+            <a:pPr>
+              <a:lnSpc>
+                <a:spcPct val="100000"/>
+              </a:lnSpc>
+            </a:pPr>
+            <a:r>
+              <a:rPr lang="ja-JP" altLang="en-US" sz="2400" dirty="0" smtClean="0"/>
+              <a:t>リーダー</a:t>
+            </a:r>
+            <a:endParaRPr lang="en-US" altLang="ja-JP" sz="2400" dirty="0" smtClean="0"/>
+          </a:p>
+          <a:p>
+            <a:pPr>
+              <a:lnSpc>
+                <a:spcPct val="100000"/>
+              </a:lnSpc>
+            </a:pPr>
+            <a:r>
+              <a:rPr lang="ja-JP" altLang="en-US" sz="2400" dirty="0" smtClean="0"/>
+              <a:t>攻撃パターン</a:t>
+            </a:r>
+            <a:r>
+              <a:rPr lang="en-US" altLang="ja-JP" sz="2400" dirty="0" smtClean="0"/>
+              <a:t>1</a:t>
+            </a:r>
+            <a:r>
+              <a:rPr lang="ja-JP" altLang="en-US" sz="2400" dirty="0" smtClean="0"/>
+              <a:t>：　チョッピングライト（</a:t>
+            </a:r>
+            <a:r>
+              <a:rPr lang="en-US" altLang="ja-JP" sz="2400" dirty="0" smtClean="0"/>
+              <a:t>10</a:t>
+            </a:r>
+            <a:r>
+              <a:rPr lang="ja-JP" altLang="en-US" sz="2400" dirty="0" smtClean="0"/>
+              <a:t>）</a:t>
+            </a:r>
+            <a:endParaRPr lang="en-US" altLang="ja-JP" sz="2400" dirty="0" smtClean="0"/>
+          </a:p>
+          <a:p>
+            <a:pPr>
+              <a:lnSpc>
+                <a:spcPct val="100000"/>
+              </a:lnSpc>
+            </a:pPr>
+            <a:r>
+              <a:rPr lang="ja-JP" altLang="en-US" sz="2400" dirty="0" smtClean="0"/>
+              <a:t>攻撃パターン</a:t>
+            </a:r>
+            <a:r>
+              <a:rPr lang="en-US" altLang="ja-JP" sz="2400" dirty="0" smtClean="0"/>
+              <a:t>2</a:t>
+            </a:r>
+            <a:r>
+              <a:rPr lang="ja-JP" altLang="en-US" sz="2400" dirty="0" smtClean="0"/>
+              <a:t>：　ショルダータックル（</a:t>
+            </a:r>
+            <a:r>
+              <a:rPr lang="en-US" altLang="ja-JP" sz="2400" dirty="0" smtClean="0"/>
+              <a:t>20</a:t>
+            </a:r>
+            <a:r>
+              <a:rPr lang="ja-JP" altLang="en-US" sz="2400" dirty="0" smtClean="0"/>
+              <a:t>）</a:t>
+            </a:r>
+            <a:endParaRPr lang="en-US" altLang="ja-JP" sz="2400" dirty="0" smtClean="0"/>
+          </a:p>
+          <a:p>
+            <a:pPr>
+              <a:lnSpc>
+                <a:spcPct val="100000"/>
+              </a:lnSpc>
+            </a:pPr>
+            <a:endParaRPr lang="en-US" altLang="ja-JP" sz="2400" dirty="0"/>
+          </a:p>
+          <a:p>
+            <a:pPr>
+              <a:lnSpc>
+                <a:spcPct val="100000"/>
+              </a:lnSpc>
+            </a:pPr>
+            <a:r>
+              <a:rPr lang="ja-JP" altLang="en-US" sz="2400" dirty="0" smtClean="0"/>
+              <a:t>委員長</a:t>
+            </a:r>
+            <a:endParaRPr lang="en-US" altLang="ja-JP" sz="2400" dirty="0" smtClean="0"/>
+          </a:p>
+          <a:p>
+            <a:pPr>
+              <a:lnSpc>
+                <a:spcPct val="100000"/>
+              </a:lnSpc>
+            </a:pPr>
+            <a:r>
+              <a:rPr lang="ja-JP" altLang="en-US" sz="2400" dirty="0" smtClean="0"/>
+              <a:t>攻撃パターン</a:t>
+            </a:r>
+            <a:r>
+              <a:rPr lang="en-US" altLang="ja-JP" sz="2400" dirty="0" smtClean="0"/>
+              <a:t>1</a:t>
+            </a:r>
+            <a:r>
+              <a:rPr lang="ja-JP" altLang="en-US" sz="2400" dirty="0" smtClean="0"/>
+              <a:t>：　チョッピングライト（</a:t>
+            </a:r>
+            <a:r>
+              <a:rPr lang="en-US" altLang="ja-JP" sz="2400" dirty="0" smtClean="0"/>
+              <a:t>20</a:t>
+            </a:r>
+            <a:r>
+              <a:rPr lang="ja-JP" altLang="en-US" sz="2400" dirty="0" smtClean="0"/>
+              <a:t>）</a:t>
+            </a:r>
+            <a:endParaRPr lang="en-US" altLang="ja-JP" sz="2400" dirty="0" smtClean="0"/>
+          </a:p>
+          <a:p>
+            <a:pPr>
+              <a:lnSpc>
+                <a:spcPct val="100000"/>
+              </a:lnSpc>
+            </a:pPr>
+            <a:r>
+              <a:rPr lang="ja-JP" altLang="en-US" sz="2400" dirty="0" smtClean="0"/>
+              <a:t>攻撃パターン</a:t>
+            </a:r>
+            <a:r>
+              <a:rPr lang="en-US" altLang="ja-JP" sz="2400" dirty="0" smtClean="0"/>
+              <a:t>2</a:t>
+            </a:r>
+            <a:r>
+              <a:rPr lang="ja-JP" altLang="en-US" sz="2400" dirty="0" smtClean="0"/>
+              <a:t>：　ショルダータックル（</a:t>
+            </a:r>
+            <a:r>
+              <a:rPr lang="en-US" altLang="ja-JP" sz="2400" dirty="0" smtClean="0"/>
+              <a:t>40</a:t>
+            </a:r>
+            <a:r>
+              <a:rPr lang="ja-JP" altLang="en-US" sz="2400" dirty="0" smtClean="0"/>
+              <a:t>）</a:t>
+            </a:r>
+            <a:endParaRPr lang="en-US" altLang="ja-JP" sz="2400" dirty="0" smtClean="0"/>
+          </a:p>
+          <a:p>
+            <a:pPr>
+              <a:lnSpc>
+                <a:spcPct val="100000"/>
+              </a:lnSpc>
+            </a:pPr>
+            <a:r>
+              <a:rPr lang="ja-JP" altLang="en-US" sz="2400" dirty="0" smtClean="0"/>
+              <a:t>攻撃パターン</a:t>
+            </a:r>
+            <a:r>
+              <a:rPr lang="en-US" altLang="ja-JP" sz="2400" dirty="0" smtClean="0"/>
+              <a:t>3</a:t>
+            </a:r>
+            <a:r>
+              <a:rPr lang="ja-JP" altLang="en-US" sz="2400" dirty="0" smtClean="0"/>
+              <a:t>：　グランドスラップ（</a:t>
+            </a:r>
+            <a:r>
+              <a:rPr lang="en-US" altLang="ja-JP" sz="2400" dirty="0" smtClean="0"/>
+              <a:t>50</a:t>
+            </a:r>
+            <a:r>
+              <a:rPr lang="ja-JP" altLang="en-US" sz="2400" dirty="0" smtClean="0"/>
+              <a:t>）</a:t>
+            </a:r>
+            <a:endParaRPr lang="en-US" altLang="ja-JP" sz="2400" dirty="0" smtClean="0"/>
+          </a:p>
+          <a:p>
+            <a:pPr>
+              <a:lnSpc>
+                <a:spcPct val="100000"/>
+              </a:lnSpc>
+            </a:pPr>
+            <a:endParaRPr lang="en-US" altLang="ja-JP" sz="2400" dirty="0" smtClean="0"/>
+          </a:p>
+        </p:txBody>
+      </p:sp>
+    </p:spTree>
+    <p:extLst>
+      <p:ext uri="{BB962C8B-B14F-4D97-AF65-F5344CB8AC3E}">
+        <p14:creationId xmlns:p14="http://schemas.microsoft.com/office/powerpoint/2010/main" val="243877208"/>
+      </p:ext>
+    </p:extLst>
+  </p:cSld>
+  <p:clrMapOvr>
+    <a:masterClrMapping/>
+  </p:clrMapOvr>
+</p:sld>
+</file>
+
+<file path=ppt/slides/slide9.xml><?xml version="1.0" encoding="utf-8"?>
+<p:sld xmlns:a="http://schemas.openxmlformats.org/drawingml/2006/main" xmlns:r="http://schemas.openxmlformats.org/officeDocument/2006/relationships" xmlns:p="http://schemas.openxmlformats.org/presentationml/2006/main">
+  <p:cSld>
+    <p:spTree>
+      <p:nvGrpSpPr>
+        <p:cNvPr id="1" name=""/>
+        <p:cNvGrpSpPr/>
+        <p:nvPr/>
+      </p:nvGrpSpPr>
+      <p:grpSpPr>
+        <a:xfrm>
+          <a:off x="0" y="0"/>
+          <a:ext cx="0" cy="0"/>
+          <a:chOff x="0" y="0"/>
+          <a:chExt cx="0" cy="0"/>
+        </a:xfrm>
+      </p:grpSpPr>
+      <p:sp>
+        <p:nvSpPr>
+          <p:cNvPr id="2" name="タイトル 1"/>
+          <p:cNvSpPr>
+            <a:spLocks noGrp="1"/>
+          </p:cNvSpPr>
+          <p:nvPr>
+            <p:ph type="title"/>
+          </p:nvPr>
+        </p:nvSpPr>
+        <p:spPr/>
+        <p:txBody>
+          <a:bodyPr/>
+          <a:lstStyle/>
+          <a:p>
+            <a:r>
+              <a:rPr kumimoji="1" lang="ja-JP" altLang="en-US" dirty="0" smtClean="0"/>
+              <a:t>ステージフロー・ステージクリア条件</a:t>
+            </a:r>
+            <a:endParaRPr kumimoji="1" lang="ja-JP" altLang="en-US" dirty="0"/>
+          </a:p>
+        </p:txBody>
+      </p:sp>
+      <p:sp>
+        <p:nvSpPr>
+          <p:cNvPr id="3" name="タイトル 1"/>
+          <p:cNvSpPr txBox="1">
+            <a:spLocks/>
+          </p:cNvSpPr>
+          <p:nvPr/>
+        </p:nvSpPr>
+        <p:spPr>
+          <a:xfrm>
+            <a:off x="838200" y="1690688"/>
+            <a:ext cx="10515600" cy="4950744"/>
+          </a:xfrm>
+          <a:prstGeom prst="rect">
+            <a:avLst/>
+          </a:prstGeom>
+        </p:spPr>
+        <p:txBody>
+          <a:bodyPr vert="horz" lIns="91440" tIns="45720" rIns="91440" bIns="45720" rtlCol="0" anchor="ctr">
+            <a:normAutofit/>
+          </a:bodyPr>
+          <a:lstStyle>
+            <a:lvl1pPr algn="l" defTabSz="914400" rtl="0" eaLnBrk="1" latinLnBrk="0" hangingPunct="1">
+              <a:lnSpc>
+                <a:spcPct val="90000"/>
+              </a:lnSpc>
+              <a:spcBef>
+                <a:spcPct val="0"/>
+              </a:spcBef>
+              <a:buNone/>
+              <a:defRPr kumimoji="1" sz="4400" kern="1200">
+                <a:solidFill>
+                  <a:schemeClr val="tx1"/>
+                </a:solidFill>
+                <a:latin typeface="+mj-lt"/>
+                <a:ea typeface="+mj-ea"/>
+                <a:cs typeface="+mj-cs"/>
+              </a:defRPr>
+            </a:lvl1pPr>
+          </a:lstStyle>
+          <a:p>
+            <a:pPr>
+              <a:lnSpc>
+                <a:spcPct val="100000"/>
+              </a:lnSpc>
+            </a:pPr>
+            <a:r>
+              <a:rPr lang="ja-JP" altLang="en-US" sz="2400" dirty="0" smtClean="0"/>
               <a:t>ミーハー発生</a:t>
             </a:r>
             <a:endParaRPr lang="en-US" altLang="ja-JP" sz="2400" dirty="0" smtClean="0"/>
@@ -5571,6 +8383,46 @@
             <a:r>
               <a:rPr lang="ja-JP" altLang="en-US" sz="2400" dirty="0" smtClean="0"/>
               <a:t>リーダー発生</a:t>
+            </a:r>
+            <a:endParaRPr lang="en-US" altLang="ja-JP" sz="2400" dirty="0" smtClean="0"/>
+          </a:p>
+          <a:p>
+            <a:pPr>
+              <a:lnSpc>
+                <a:spcPct val="100000"/>
+              </a:lnSpc>
+            </a:pPr>
+            <a:endParaRPr lang="en-US" altLang="ja-JP" sz="2400" dirty="0"/>
+          </a:p>
+          <a:p>
+            <a:pPr>
+              <a:lnSpc>
+                <a:spcPct val="100000"/>
+              </a:lnSpc>
+            </a:pPr>
+            <a:endParaRPr lang="en-US" altLang="ja-JP" sz="2400" dirty="0" smtClean="0"/>
+          </a:p>
+          <a:p>
+            <a:pPr>
+              <a:lnSpc>
+                <a:spcPct val="100000"/>
+              </a:lnSpc>
+            </a:pPr>
+            <a:endParaRPr lang="en-US" altLang="ja-JP" sz="2400" dirty="0" smtClean="0"/>
+          </a:p>
+          <a:p>
+            <a:pPr>
+              <a:lnSpc>
+                <a:spcPct val="100000"/>
+              </a:lnSpc>
+            </a:pPr>
+            <a:r>
+              <a:rPr lang="ja-JP" altLang="en-US" sz="2400" dirty="0" smtClean="0"/>
+              <a:t>ステージ</a:t>
+            </a:r>
+            <a:r>
+              <a:rPr lang="ja-JP" altLang="en-US" sz="2400" dirty="0"/>
+              <a:t>クリア</a:t>
             </a:r>
             <a:endParaRPr lang="en-US" altLang="ja-JP" sz="2400" dirty="0" smtClean="0"/>
           </a:p>
@@ -5584,8 +8436,8 @@
         </p:nvSpPr>
         <p:spPr>
           <a:xfrm>
-            <a:off x="1235242" y="3660733"/>
-            <a:ext cx="272716" cy="1010653"/>
+            <a:off x="1026694" y="3016251"/>
+            <a:ext cx="256673" cy="941596"/>
           </a:xfrm>
           <a:prstGeom prst="downArrow">
             <a:avLst/>
@@ -5624,7 +8476,7 @@
         </p:nvSpPr>
         <p:spPr>
           <a:xfrm>
-            <a:off x="1507958" y="4286375"/>
+            <a:off x="1398285" y="3572836"/>
             <a:ext cx="1732547" cy="385011"/>
           </a:xfrm>
           <a:prstGeom prst="rect">
@@ -5666,7 +8518,7 @@
         </p:nvSpPr>
         <p:spPr>
           <a:xfrm rot="5400000" flipH="1">
-            <a:off x="2668096" y="3369061"/>
+            <a:off x="2716241" y="2520020"/>
             <a:ext cx="813257" cy="780739"/>
           </a:xfrm>
           <a:prstGeom prst="uturnArrow">
@@ -5716,7 +8568,7 @@
         </p:nvSpPr>
         <p:spPr>
           <a:xfrm>
-            <a:off x="3487773" y="3660733"/>
+            <a:off x="3674992" y="2923441"/>
             <a:ext cx="1732547" cy="385011"/>
           </a:xfrm>
           <a:prstGeom prst="rect">
@@ -5750,325 +8602,146 @@
           </a:p>
         </p:txBody>
       </p:sp>
-    </p:spTree>
-    <p:extLst>
-      <p:ext uri="{BB962C8B-B14F-4D97-AF65-F5344CB8AC3E}">
-        <p14:creationId xmlns:p14="http://schemas.microsoft.com/office/powerpoint/2010/main" val="655312245"/>
-      </p:ext>
-    </p:extLst>
-  </p:cSld>
-  <p:clrMapOvr>
-    <a:masterClrMapping/>
-  </p:clrMapOvr>
-</p:sld>
-</file>
-
-<file path=ppt/slides/slide8.xml><?xml version="1.0" encoding="utf-8"?>
-<p:sld xmlns:a="http://schemas.openxmlformats.org/drawingml/2006/main" xmlns:r="http://schemas.openxmlformats.org/officeDocument/2006/relationships" xmlns:p="http://schemas.openxmlformats.org/presentationml/2006/main">
-  <p:cSld>
-    <p:spTree>
-      <p:nvGrpSpPr>
-        <p:cNvPr id="1" name=""/>
-        <p:cNvGrpSpPr/>
-        <p:nvPr/>
-      </p:nvGrpSpPr>
-      <p:grpSpPr>
-        <a:xfrm>
-          <a:off x="0" y="0"/>
-          <a:ext cx="0" cy="0"/>
-          <a:chOff x="0" y="0"/>
-          <a:chExt cx="0" cy="0"/>
-        </a:xfrm>
-      </p:grpSpPr>
-      <p:sp>
-        <p:nvSpPr>
-          <p:cNvPr id="2" name="タイトル 1"/>
-          <p:cNvSpPr>
-            <a:spLocks noGrp="1"/>
-          </p:cNvSpPr>
-          <p:nvPr>
-            <p:ph type="title"/>
-          </p:nvPr>
-        </p:nvSpPr>
-        <p:spPr/>
-        <p:txBody>
-          <a:bodyPr/>
-          <a:lstStyle/>
-          <a:p>
-            <a:r>
-              <a:rPr kumimoji="1" lang="ja-JP" altLang="en-US" dirty="0" smtClean="0"/>
-              <a:t>エネミー攻撃力</a:t>
-            </a:r>
-            <a:endParaRPr kumimoji="1" lang="ja-JP" altLang="en-US" dirty="0"/>
-          </a:p>
-        </p:txBody>
-      </p:sp>
-      <p:sp>
-        <p:nvSpPr>
-          <p:cNvPr id="3" name="タイトル 1"/>
-          <p:cNvSpPr txBox="1">
-            <a:spLocks/>
-          </p:cNvSpPr>
+      <p:sp>
+        <p:nvSpPr>
+          <p:cNvPr id="8" name="下矢印 7"/>
+          <p:cNvSpPr/>
           <p:nvPr/>
         </p:nvSpPr>
         <p:spPr>
           <a:xfrm>
-            <a:off x="838200" y="1690688"/>
-            <a:ext cx="10515600" cy="4950744"/>
+            <a:off x="1026694" y="4443664"/>
+            <a:ext cx="256673" cy="941596"/>
+          </a:xfrm>
+          <a:prstGeom prst="downArrow">
+            <a:avLst/>
+          </a:prstGeom>
+        </p:spPr>
+        <p:style>
+          <a:lnRef idx="2">
+            <a:schemeClr val="accent1">
+              <a:shade val="50000"/>
+            </a:schemeClr>
+          </a:lnRef>
+          <a:fillRef idx="1">
+            <a:schemeClr val="accent1"/>
+          </a:fillRef>
+          <a:effectRef idx="0">
+            <a:schemeClr val="accent1"/>
+          </a:effectRef>
+          <a:fontRef idx="minor">
+            <a:schemeClr val="lt1"/>
+          </a:fontRef>
+        </p:style>
+        <p:txBody>
+          <a:bodyPr rtlCol="0" anchor="ctr"/>
+          <a:lstStyle/>
+          <a:p>
+            <a:pPr algn="ctr"/>
+            <a:endParaRPr kumimoji="1" lang="ja-JP" altLang="en-US"/>
+          </a:p>
+        </p:txBody>
+      </p:sp>
+      <p:sp>
+        <p:nvSpPr>
+          <p:cNvPr id="9" name="正方形/長方形 8"/>
+          <p:cNvSpPr/>
+          <p:nvPr/>
+        </p:nvSpPr>
+        <p:spPr>
+          <a:xfrm>
+            <a:off x="1471861" y="5000249"/>
+            <a:ext cx="1732547" cy="385011"/>
           </a:xfrm>
           <a:prstGeom prst="rect">
             <a:avLst/>
           </a:prstGeom>
         </p:spPr>
-        <p:txBody>
-          <a:bodyPr vert="horz" lIns="91440" tIns="45720" rIns="91440" bIns="45720" rtlCol="0" anchor="ctr">
-            <a:normAutofit/>
-          </a:bodyPr>
-          <a:lstStyle>
-            <a:lvl1pPr algn="l" defTabSz="914400" rtl="0" eaLnBrk="1" latinLnBrk="0" hangingPunct="1">
-              <a:lnSpc>
-                <a:spcPct val="90000"/>
-              </a:lnSpc>
-              <a:spcBef>
-                <a:spcPct val="0"/>
-              </a:spcBef>
-              <a:buNone/>
-              <a:defRPr kumimoji="1" sz="4400" kern="1200">
-                <a:solidFill>
-                  <a:schemeClr val="tx1"/>
-                </a:solidFill>
-                <a:latin typeface="+mj-lt"/>
-                <a:ea typeface="+mj-ea"/>
-                <a:cs typeface="+mj-cs"/>
-              </a:defRPr>
-            </a:lvl1pPr>
-          </a:lstStyle>
-          <a:p>
-            <a:pPr>
-              <a:lnSpc>
-                <a:spcPct val="100000"/>
-              </a:lnSpc>
-            </a:pPr>
-            <a:r>
-              <a:rPr lang="ja-JP" altLang="en-US" sz="2400" dirty="0" smtClean="0"/>
-              <a:t>ミーハー</a:t>
-            </a:r>
-            <a:endParaRPr lang="en-US" altLang="ja-JP" sz="2400" dirty="0" smtClean="0"/>
-          </a:p>
-          <a:p>
-            <a:pPr>
-              <a:lnSpc>
-                <a:spcPct val="100000"/>
-              </a:lnSpc>
-            </a:pPr>
-            <a:r>
-              <a:rPr lang="ja-JP" altLang="en-US" sz="2400" dirty="0" smtClean="0"/>
-              <a:t>攻撃パターン：　チョッピングライト（</a:t>
-            </a:r>
-            <a:r>
-              <a:rPr lang="en-US" altLang="ja-JP" sz="2400" dirty="0" smtClean="0"/>
-              <a:t>5</a:t>
-            </a:r>
-            <a:r>
-              <a:rPr lang="ja-JP" altLang="en-US" sz="2400" dirty="0" smtClean="0"/>
-              <a:t>）</a:t>
-            </a:r>
-            <a:endParaRPr lang="en-US" altLang="ja-JP" sz="2400" dirty="0" smtClean="0"/>
-          </a:p>
-          <a:p>
-            <a:pPr>
-              <a:lnSpc>
-                <a:spcPct val="100000"/>
-              </a:lnSpc>
-            </a:pPr>
-            <a:endParaRPr lang="en-US" altLang="ja-JP" sz="2400" dirty="0"/>
-          </a:p>
-          <a:p>
-            <a:pPr>
-              <a:lnSpc>
-                <a:spcPct val="100000"/>
-              </a:lnSpc>
-            </a:pPr>
-            <a:r>
-              <a:rPr lang="ja-JP" altLang="en-US" sz="2400" dirty="0" smtClean="0"/>
-              <a:t>リーダー</a:t>
-            </a:r>
-            <a:endParaRPr lang="en-US" altLang="ja-JP" sz="2400" dirty="0" smtClean="0"/>
-          </a:p>
-          <a:p>
-            <a:pPr>
-              <a:lnSpc>
-                <a:spcPct val="100000"/>
-              </a:lnSpc>
-            </a:pPr>
-            <a:r>
-              <a:rPr lang="ja-JP" altLang="en-US" sz="2400" dirty="0" smtClean="0"/>
-              <a:t>攻撃パターン</a:t>
-            </a:r>
-            <a:r>
-              <a:rPr lang="en-US" altLang="ja-JP" sz="2400" dirty="0" smtClean="0"/>
-              <a:t>1</a:t>
-            </a:r>
-            <a:r>
-              <a:rPr lang="ja-JP" altLang="en-US" sz="2400" dirty="0" smtClean="0"/>
-              <a:t>：　チョッピングライト（</a:t>
-            </a:r>
-            <a:r>
-              <a:rPr lang="en-US" altLang="ja-JP" sz="2400" dirty="0" smtClean="0"/>
-              <a:t>10</a:t>
-            </a:r>
-            <a:r>
-              <a:rPr lang="ja-JP" altLang="en-US" sz="2400" dirty="0" smtClean="0"/>
-              <a:t>）</a:t>
-            </a:r>
-            <a:endParaRPr lang="en-US" altLang="ja-JP" sz="2400" dirty="0" smtClean="0"/>
-          </a:p>
-          <a:p>
-            <a:pPr>
-              <a:lnSpc>
-                <a:spcPct val="100000"/>
-              </a:lnSpc>
-            </a:pPr>
-            <a:r>
-              <a:rPr lang="ja-JP" altLang="en-US" sz="2400" dirty="0" smtClean="0"/>
-              <a:t>攻撃パターン</a:t>
-            </a:r>
-            <a:r>
-              <a:rPr lang="en-US" altLang="ja-JP" sz="2400" dirty="0" smtClean="0"/>
-              <a:t>2</a:t>
-            </a:r>
-            <a:r>
-              <a:rPr lang="ja-JP" altLang="en-US" sz="2400" dirty="0" smtClean="0"/>
-              <a:t>：　ショルダータックル（</a:t>
-            </a:r>
-            <a:r>
-              <a:rPr lang="en-US" altLang="ja-JP" sz="2400" dirty="0" smtClean="0"/>
-              <a:t>20</a:t>
-            </a:r>
-            <a:r>
-              <a:rPr lang="ja-JP" altLang="en-US" sz="2400" dirty="0" smtClean="0"/>
-              <a:t>）</a:t>
-            </a:r>
-            <a:endParaRPr lang="en-US" altLang="ja-JP" sz="2400" dirty="0" smtClean="0"/>
-          </a:p>
-          <a:p>
-            <a:pPr>
-              <a:lnSpc>
-                <a:spcPct val="100000"/>
-              </a:lnSpc>
-            </a:pPr>
-            <a:endParaRPr lang="en-US" altLang="ja-JP" sz="2400" dirty="0"/>
-          </a:p>
-          <a:p>
-            <a:pPr>
-              <a:lnSpc>
-                <a:spcPct val="100000"/>
-              </a:lnSpc>
-            </a:pPr>
-            <a:r>
-              <a:rPr lang="ja-JP" altLang="en-US" sz="2400" dirty="0" smtClean="0"/>
-              <a:t>委員長</a:t>
-            </a:r>
-            <a:endParaRPr lang="en-US" altLang="ja-JP" sz="2400" dirty="0" smtClean="0"/>
-          </a:p>
-          <a:p>
-            <a:pPr>
-              <a:lnSpc>
-                <a:spcPct val="100000"/>
-              </a:lnSpc>
-            </a:pPr>
-            <a:r>
-              <a:rPr lang="ja-JP" altLang="en-US" sz="2400" dirty="0" smtClean="0"/>
-              <a:t>攻撃パターン</a:t>
-            </a:r>
-            <a:r>
-              <a:rPr lang="en-US" altLang="ja-JP" sz="2400" dirty="0" smtClean="0"/>
-              <a:t>1</a:t>
-            </a:r>
-            <a:r>
-              <a:rPr lang="ja-JP" altLang="en-US" sz="2400" dirty="0" smtClean="0"/>
-              <a:t>：　チョッピングライト（</a:t>
-            </a:r>
-            <a:r>
-              <a:rPr lang="en-US" altLang="ja-JP" sz="2400" dirty="0" smtClean="0"/>
-              <a:t>20</a:t>
-            </a:r>
-            <a:r>
-              <a:rPr lang="ja-JP" altLang="en-US" sz="2400" dirty="0" smtClean="0"/>
-              <a:t>）</a:t>
-            </a:r>
-            <a:endParaRPr lang="en-US" altLang="ja-JP" sz="2400" dirty="0" smtClean="0"/>
-          </a:p>
-          <a:p>
-            <a:pPr>
-              <a:lnSpc>
-                <a:spcPct val="100000"/>
-              </a:lnSpc>
-            </a:pPr>
-            <a:r>
-              <a:rPr lang="ja-JP" altLang="en-US" sz="2400" dirty="0" smtClean="0"/>
-              <a:t>攻撃パターン</a:t>
-            </a:r>
-            <a:r>
-              <a:rPr lang="en-US" altLang="ja-JP" sz="2400" dirty="0" smtClean="0"/>
-              <a:t>2</a:t>
-            </a:r>
-            <a:r>
-              <a:rPr lang="ja-JP" altLang="en-US" sz="2400" dirty="0" smtClean="0"/>
-              <a:t>：　ショルダータックル（</a:t>
-            </a:r>
-            <a:r>
-              <a:rPr lang="en-US" altLang="ja-JP" sz="2400" dirty="0" smtClean="0"/>
-              <a:t>40</a:t>
-            </a:r>
-            <a:r>
-              <a:rPr lang="ja-JP" altLang="en-US" sz="2400" dirty="0" smtClean="0"/>
-              <a:t>）</a:t>
-            </a:r>
-            <a:endParaRPr lang="en-US" altLang="ja-JP" sz="2400" dirty="0" smtClean="0"/>
-          </a:p>
-          <a:p>
-            <a:pPr>
-              <a:lnSpc>
-                <a:spcPct val="100000"/>
-              </a:lnSpc>
-            </a:pPr>
-            <a:r>
-              <a:rPr lang="ja-JP" altLang="en-US" sz="2400" dirty="0" smtClean="0"/>
-              <a:t>攻撃パターン</a:t>
-            </a:r>
-            <a:r>
-              <a:rPr lang="en-US" altLang="ja-JP" sz="2400" dirty="0" smtClean="0"/>
+        <p:style>
+          <a:lnRef idx="2">
+            <a:schemeClr val="accent6"/>
+          </a:lnRef>
+          <a:fillRef idx="1">
+            <a:schemeClr val="lt1"/>
+          </a:fillRef>
+          <a:effectRef idx="0">
+            <a:schemeClr val="accent6"/>
+          </a:effectRef>
+          <a:fontRef idx="minor">
+            <a:schemeClr val="dk1"/>
+          </a:fontRef>
+        </p:style>
+        <p:txBody>
+          <a:bodyPr rtlCol="0" anchor="ctr"/>
+          <a:lstStyle/>
+          <a:p>
+            <a:pPr algn="ctr"/>
+            <a:r>
+              <a:rPr kumimoji="1" lang="ja-JP" altLang="en-US" dirty="0" smtClean="0"/>
+              <a:t>リーダー更生</a:t>
+            </a:r>
+            <a:endParaRPr kumimoji="1" lang="ja-JP" altLang="en-US" dirty="0"/>
+          </a:p>
+        </p:txBody>
+      </p:sp>
+      <p:sp>
+        <p:nvSpPr>
+          <p:cNvPr id="10" name="正方形/長方形 9"/>
+          <p:cNvSpPr/>
+          <p:nvPr/>
+        </p:nvSpPr>
+        <p:spPr>
+          <a:xfrm>
+            <a:off x="6737684" y="1600516"/>
+            <a:ext cx="2871537" cy="2662989"/>
+          </a:xfrm>
+          <a:prstGeom prst="rect">
+            <a:avLst/>
+          </a:prstGeom>
+        </p:spPr>
+        <p:style>
+          <a:lnRef idx="2">
+            <a:schemeClr val="accent6"/>
+          </a:lnRef>
+          <a:fillRef idx="1">
+            <a:schemeClr val="lt1"/>
+          </a:fillRef>
+          <a:effectRef idx="0">
+            <a:schemeClr val="accent6"/>
+          </a:effectRef>
+          <a:fontRef idx="minor">
+            <a:schemeClr val="dk1"/>
+          </a:fontRef>
+        </p:style>
+        <p:txBody>
+          <a:bodyPr rtlCol="0" anchor="ctr"/>
+          <a:lstStyle/>
+          <a:p>
+            <a:pPr algn="ctr"/>
+            <a:r>
+              <a:rPr kumimoji="1" lang="ja-JP" altLang="en-US" dirty="0" smtClean="0"/>
+              <a:t>制限時間　</a:t>
+            </a:r>
+            <a:r>
+              <a:rPr kumimoji="1" lang="en-US" altLang="ja-JP" dirty="0" smtClean="0"/>
               <a:t>3</a:t>
             </a:r>
             <a:r>
-              <a:rPr lang="ja-JP" altLang="en-US" sz="2400" dirty="0" smtClean="0"/>
-              <a:t>：　グランドスラップ（</a:t>
-            </a:r>
-            <a:r>
-              <a:rPr lang="en-US" altLang="ja-JP" sz="2400" dirty="0" smtClean="0"/>
-              <a:t>50</a:t>
-            </a:r>
-            <a:r>
-              <a:rPr lang="ja-JP" altLang="en-US" sz="2400" dirty="0" smtClean="0"/>
-              <a:t>）</a:t>
-            </a:r>
-            <a:endParaRPr lang="en-US" altLang="ja-JP" sz="2400" dirty="0" smtClean="0"/>
-          </a:p>
-          <a:p>
-            <a:pPr>
-              <a:lnSpc>
-                <a:spcPct val="100000"/>
-              </a:lnSpc>
-            </a:pPr>
-            <a:endParaRPr lang="en-US" altLang="ja-JP" sz="2400" dirty="0" smtClean="0"/>
+              <a:rPr kumimoji="1" lang="ja-JP" altLang="en-US" dirty="0" smtClean="0"/>
+              <a:t>：</a:t>
+            </a:r>
+            <a:r>
+              <a:rPr kumimoji="1" lang="en-US" altLang="ja-JP" dirty="0" smtClean="0"/>
+              <a:t>00</a:t>
+            </a:r>
+            <a:endParaRPr kumimoji="1" lang="ja-JP" altLang="en-US" dirty="0"/>
           </a:p>
         </p:txBody>
       </p:sp>
     </p:spTree>
     <p:extLst>
       <p:ext uri="{BB962C8B-B14F-4D97-AF65-F5344CB8AC3E}">
-        <p14:creationId xmlns:p14="http://schemas.microsoft.com/office/powerpoint/2010/main" val="2730246539"/>
+        <p14:creationId xmlns:p14="http://schemas.microsoft.com/office/powerpoint/2010/main" val="655312245"/>
       </p:ext>
     </p:extLst>
   </p:cSld>

--- a/システム詳細.pptx
+++ b/システム詳細.pptx
@@ -7,19 +7,20 @@
   <p:sldIdLst>
     <p:sldId id="256" r:id="rId2"/>
     <p:sldId id="265" r:id="rId3"/>
-    <p:sldId id="257" r:id="rId4"/>
-    <p:sldId id="258" r:id="rId5"/>
-    <p:sldId id="260" r:id="rId6"/>
-    <p:sldId id="259" r:id="rId7"/>
-    <p:sldId id="264" r:id="rId8"/>
-    <p:sldId id="261" r:id="rId9"/>
-    <p:sldId id="262" r:id="rId10"/>
-    <p:sldId id="263" r:id="rId11"/>
-    <p:sldId id="266" r:id="rId12"/>
-    <p:sldId id="269" r:id="rId13"/>
-    <p:sldId id="270" r:id="rId14"/>
-    <p:sldId id="267" r:id="rId15"/>
-    <p:sldId id="268" r:id="rId16"/>
+    <p:sldId id="271" r:id="rId4"/>
+    <p:sldId id="257" r:id="rId5"/>
+    <p:sldId id="258" r:id="rId6"/>
+    <p:sldId id="260" r:id="rId7"/>
+    <p:sldId id="259" r:id="rId8"/>
+    <p:sldId id="264" r:id="rId9"/>
+    <p:sldId id="261" r:id="rId10"/>
+    <p:sldId id="262" r:id="rId11"/>
+    <p:sldId id="263" r:id="rId12"/>
+    <p:sldId id="266" r:id="rId13"/>
+    <p:sldId id="269" r:id="rId14"/>
+    <p:sldId id="270" r:id="rId15"/>
+    <p:sldId id="267" r:id="rId16"/>
+    <p:sldId id="268" r:id="rId17"/>
   </p:sldIdLst>
   <p:sldSz cx="12192000" cy="6858000"/>
   <p:notesSz cx="6858000" cy="9144000"/>
@@ -118,6 +119,11 @@
       </a:defRPr>
     </a:lvl9pPr>
   </p:defaultTextStyle>
+  <p:extLst>
+    <p:ext uri="{EFAFB233-063F-42B5-8137-9DF3F51BA10A}">
+      <p15:sldGuideLst xmlns:p15="http://schemas.microsoft.com/office/powerpoint/2012/main"/>
+    </p:ext>
+  </p:extLst>
 </p:presentation>
 </file>
 
@@ -3395,11 +3401,7 @@
             </a:pPr>
             <a:r>
               <a:rPr lang="ja-JP" altLang="en-US" sz="2400" dirty="0" smtClean="0"/>
-              <a:t>プレイヤーの攻撃力・</a:t>
-            </a:r>
-            <a:r>
-              <a:rPr lang="ja-JP" altLang="en-US" sz="2400" dirty="0" smtClean="0"/>
-              <a:t>攻撃方法</a:t>
+              <a:t>プレイヤーの攻撃力・攻撃方法</a:t>
             </a:r>
             <a:endParaRPr lang="en-US" altLang="ja-JP" sz="2400" dirty="0" smtClean="0"/>
           </a:p>
@@ -3417,11 +3419,7 @@
             </a:r>
             <a:r>
               <a:rPr lang="ja-JP" altLang="en-US" sz="2400" dirty="0" smtClean="0"/>
-              <a:t>ーの攻撃力</a:t>
-            </a:r>
-            <a:r>
-              <a:rPr lang="ja-JP" altLang="en-US" sz="2400" dirty="0" smtClean="0"/>
-              <a:t>・攻撃方法</a:t>
+              <a:t>ーの攻撃力・攻撃方法</a:t>
             </a:r>
             <a:endParaRPr lang="en-US" altLang="ja-JP" sz="2400" dirty="0" smtClean="0"/>
           </a:p>
@@ -3435,11 +3433,7 @@
             </a:pPr>
             <a:r>
               <a:rPr lang="ja-JP" altLang="en-US" sz="2400" dirty="0" smtClean="0"/>
-              <a:t>ステージフロー・</a:t>
-            </a:r>
-            <a:r>
-              <a:rPr lang="ja-JP" altLang="en-US" sz="2400" dirty="0" smtClean="0"/>
-              <a:t>ステージクリア条件</a:t>
+              <a:t>ステージフロー・ステージクリア条件</a:t>
             </a:r>
             <a:endParaRPr lang="en-US" altLang="ja-JP" sz="2400" dirty="0" smtClean="0"/>
           </a:p>
@@ -3597,12 +3591,8 @@
           <a:lstStyle/>
           <a:p>
             <a:r>
-              <a:rPr lang="ja-JP" altLang="en-US" dirty="0" smtClean="0"/>
-              <a:t>エネミー</a:t>
-            </a:r>
-            <a:r>
-              <a:rPr lang="ja-JP" altLang="en-US" dirty="0"/>
-              <a:t>発生</a:t>
+              <a:rPr kumimoji="1" lang="ja-JP" altLang="en-US" dirty="0" smtClean="0"/>
+              <a:t>ステージフロー・ステージクリア条件</a:t>
             </a:r>
             <a:endParaRPr kumimoji="1" lang="ja-JP" altLang="en-US" dirty="0"/>
           </a:p>
@@ -3656,184 +3646,531 @@
             </a:pPr>
             <a:r>
               <a:rPr lang="ja-JP" altLang="en-US" sz="2400" dirty="0" smtClean="0"/>
-              <a:t>ミーハー</a:t>
-            </a:r>
-            <a:endParaRPr lang="en-US" altLang="ja-JP" sz="2400" dirty="0" smtClean="0"/>
-          </a:p>
-          <a:p>
-            <a:pPr>
-              <a:lnSpc>
-                <a:spcPct val="100000"/>
-              </a:lnSpc>
-            </a:pPr>
-            <a:r>
-              <a:rPr lang="en-US" altLang="ja-JP" sz="2400" dirty="0" smtClean="0"/>
+              <a:t>ミーハー発生</a:t>
+            </a:r>
+            <a:endParaRPr lang="en-US" altLang="ja-JP" sz="2400" dirty="0" smtClean="0"/>
+          </a:p>
+          <a:p>
+            <a:pPr>
+              <a:lnSpc>
+                <a:spcPct val="100000"/>
+              </a:lnSpc>
+            </a:pPr>
+            <a:endParaRPr lang="en-US" altLang="ja-JP" sz="2400" dirty="0" smtClean="0"/>
+          </a:p>
+          <a:p>
+            <a:pPr>
+              <a:lnSpc>
+                <a:spcPct val="100000"/>
+              </a:lnSpc>
+            </a:pPr>
+            <a:endParaRPr lang="en-US" altLang="ja-JP" sz="2400" dirty="0"/>
+          </a:p>
+          <a:p>
+            <a:pPr>
+              <a:lnSpc>
+                <a:spcPct val="100000"/>
+              </a:lnSpc>
+            </a:pPr>
+            <a:endParaRPr lang="en-US" altLang="ja-JP" sz="2400" dirty="0"/>
+          </a:p>
+          <a:p>
+            <a:pPr>
+              <a:lnSpc>
+                <a:spcPct val="100000"/>
+              </a:lnSpc>
+            </a:pPr>
+            <a:r>
+              <a:rPr lang="ja-JP" altLang="en-US" sz="2400" dirty="0" smtClean="0"/>
+              <a:t>リーダー発生</a:t>
+            </a:r>
+            <a:endParaRPr lang="en-US" altLang="ja-JP" sz="2400" dirty="0" smtClean="0"/>
+          </a:p>
+          <a:p>
+            <a:pPr>
+              <a:lnSpc>
+                <a:spcPct val="100000"/>
+              </a:lnSpc>
+            </a:pPr>
+            <a:endParaRPr lang="en-US" altLang="ja-JP" sz="2400" dirty="0"/>
+          </a:p>
+          <a:p>
+            <a:pPr>
+              <a:lnSpc>
+                <a:spcPct val="100000"/>
+              </a:lnSpc>
+            </a:pPr>
+            <a:endParaRPr lang="en-US" altLang="ja-JP" sz="2400" dirty="0" smtClean="0"/>
+          </a:p>
+          <a:p>
+            <a:pPr>
+              <a:lnSpc>
+                <a:spcPct val="100000"/>
+              </a:lnSpc>
+            </a:pPr>
+            <a:endParaRPr lang="en-US" altLang="ja-JP" sz="2400" dirty="0" smtClean="0"/>
+          </a:p>
+          <a:p>
+            <a:pPr>
+              <a:lnSpc>
+                <a:spcPct val="100000"/>
+              </a:lnSpc>
+            </a:pPr>
+            <a:r>
+              <a:rPr lang="ja-JP" altLang="en-US" sz="2400" dirty="0" smtClean="0"/>
+              <a:t>ステージ</a:t>
+            </a:r>
+            <a:r>
+              <a:rPr lang="ja-JP" altLang="en-US" sz="2400" dirty="0"/>
+              <a:t>クリア</a:t>
+            </a:r>
+            <a:endParaRPr lang="en-US" altLang="ja-JP" sz="2400" dirty="0" smtClean="0"/>
+          </a:p>
+        </p:txBody>
+      </p:sp>
+      <p:sp>
+        <p:nvSpPr>
+          <p:cNvPr id="4" name="下矢印 3"/>
+          <p:cNvSpPr/>
+          <p:nvPr/>
+        </p:nvSpPr>
+        <p:spPr>
+          <a:xfrm>
+            <a:off x="1026694" y="3016251"/>
+            <a:ext cx="256673" cy="941596"/>
+          </a:xfrm>
+          <a:prstGeom prst="downArrow">
+            <a:avLst/>
+          </a:prstGeom>
+        </p:spPr>
+        <p:style>
+          <a:lnRef idx="2">
+            <a:schemeClr val="accent1">
+              <a:shade val="50000"/>
+            </a:schemeClr>
+          </a:lnRef>
+          <a:fillRef idx="1">
+            <a:schemeClr val="accent1"/>
+          </a:fillRef>
+          <a:effectRef idx="0">
+            <a:schemeClr val="accent1"/>
+          </a:effectRef>
+          <a:fontRef idx="minor">
+            <a:schemeClr val="lt1"/>
+          </a:fontRef>
+        </p:style>
+        <p:txBody>
+          <a:bodyPr rtlCol="0" anchor="ctr"/>
+          <a:lstStyle/>
+          <a:p>
+            <a:pPr algn="ctr"/>
+            <a:endParaRPr kumimoji="1" lang="ja-JP" altLang="en-US"/>
+          </a:p>
+        </p:txBody>
+      </p:sp>
+      <p:sp>
+        <p:nvSpPr>
+          <p:cNvPr id="5" name="正方形/長方形 4"/>
+          <p:cNvSpPr/>
+          <p:nvPr/>
+        </p:nvSpPr>
+        <p:spPr>
+          <a:xfrm>
+            <a:off x="1398285" y="3572836"/>
+            <a:ext cx="1732547" cy="385011"/>
+          </a:xfrm>
+          <a:prstGeom prst="rect">
+            <a:avLst/>
+          </a:prstGeom>
+        </p:spPr>
+        <p:style>
+          <a:lnRef idx="2">
+            <a:schemeClr val="accent6"/>
+          </a:lnRef>
+          <a:fillRef idx="1">
+            <a:schemeClr val="lt1"/>
+          </a:fillRef>
+          <a:effectRef idx="0">
+            <a:schemeClr val="accent6"/>
+          </a:effectRef>
+          <a:fontRef idx="minor">
+            <a:schemeClr val="dk1"/>
+          </a:fontRef>
+        </p:style>
+        <p:txBody>
+          <a:bodyPr rtlCol="0" anchor="ctr"/>
+          <a:lstStyle/>
+          <a:p>
+            <a:pPr algn="ctr"/>
+            <a:r>
+              <a:rPr kumimoji="1" lang="ja-JP" altLang="en-US" dirty="0" smtClean="0"/>
+              <a:t>ミーハー全滅</a:t>
+            </a:r>
+            <a:endParaRPr kumimoji="1" lang="ja-JP" altLang="en-US" dirty="0"/>
+          </a:p>
+        </p:txBody>
+      </p:sp>
+      <p:sp>
+        <p:nvSpPr>
+          <p:cNvPr id="6" name="U ターン矢印 5"/>
+          <p:cNvSpPr/>
+          <p:nvPr/>
+        </p:nvSpPr>
+        <p:spPr>
+          <a:xfrm rot="5400000" flipH="1">
+            <a:off x="2716241" y="2520020"/>
+            <a:ext cx="813257" cy="780739"/>
+          </a:xfrm>
+          <a:prstGeom prst="uturnArrow">
+            <a:avLst>
+              <a:gd name="adj1" fmla="val 27055"/>
+              <a:gd name="adj2" fmla="val 25000"/>
+              <a:gd name="adj3" fmla="val 45547"/>
+              <a:gd name="adj4" fmla="val 43750"/>
+              <a:gd name="adj5" fmla="val 100000"/>
+            </a:avLst>
+          </a:prstGeom>
+        </p:spPr>
+        <p:style>
+          <a:lnRef idx="2">
+            <a:schemeClr val="accent1">
+              <a:shade val="50000"/>
+            </a:schemeClr>
+          </a:lnRef>
+          <a:fillRef idx="1">
+            <a:schemeClr val="accent1"/>
+          </a:fillRef>
+          <a:effectRef idx="0">
+            <a:schemeClr val="accent1"/>
+          </a:effectRef>
+          <a:fontRef idx="minor">
+            <a:schemeClr val="lt1"/>
+          </a:fontRef>
+        </p:style>
+        <p:txBody>
+          <a:bodyPr rtlCol="0" anchor="ctr"/>
+          <a:lstStyle/>
+          <a:p>
+            <a:pPr algn="ctr"/>
+            <a:endParaRPr kumimoji="1" lang="ja-JP" altLang="en-US">
+              <a:solidFill>
+                <a:schemeClr val="tx1"/>
+              </a:solidFill>
+            </a:endParaRPr>
+          </a:p>
+        </p:txBody>
+      </p:sp>
+      <p:sp>
+        <p:nvSpPr>
+          <p:cNvPr id="7" name="正方形/長方形 6"/>
+          <p:cNvSpPr/>
+          <p:nvPr/>
+        </p:nvSpPr>
+        <p:spPr>
+          <a:xfrm>
+            <a:off x="3674992" y="2923441"/>
+            <a:ext cx="1732547" cy="385011"/>
+          </a:xfrm>
+          <a:prstGeom prst="rect">
+            <a:avLst/>
+          </a:prstGeom>
+        </p:spPr>
+        <p:style>
+          <a:lnRef idx="2">
+            <a:schemeClr val="accent6"/>
+          </a:lnRef>
+          <a:fillRef idx="1">
+            <a:schemeClr val="lt1"/>
+          </a:fillRef>
+          <a:effectRef idx="0">
+            <a:schemeClr val="accent6"/>
+          </a:effectRef>
+          <a:fontRef idx="minor">
+            <a:schemeClr val="dk1"/>
+          </a:fontRef>
+        </p:style>
+        <p:txBody>
+          <a:bodyPr rtlCol="0" anchor="ctr"/>
+          <a:lstStyle/>
+          <a:p>
+            <a:pPr algn="ctr"/>
+            <a:r>
+              <a:rPr kumimoji="1" lang="ja-JP" altLang="en-US" dirty="0" smtClean="0"/>
+              <a:t>ミーハー更生</a:t>
+            </a:r>
+            <a:endParaRPr kumimoji="1" lang="ja-JP" altLang="en-US" dirty="0"/>
+          </a:p>
+        </p:txBody>
+      </p:sp>
+      <p:sp>
+        <p:nvSpPr>
+          <p:cNvPr id="8" name="下矢印 7"/>
+          <p:cNvSpPr/>
+          <p:nvPr/>
+        </p:nvSpPr>
+        <p:spPr>
+          <a:xfrm>
+            <a:off x="1026694" y="4443664"/>
+            <a:ext cx="256673" cy="941596"/>
+          </a:xfrm>
+          <a:prstGeom prst="downArrow">
+            <a:avLst/>
+          </a:prstGeom>
+        </p:spPr>
+        <p:style>
+          <a:lnRef idx="2">
+            <a:schemeClr val="accent1">
+              <a:shade val="50000"/>
+            </a:schemeClr>
+          </a:lnRef>
+          <a:fillRef idx="1">
+            <a:schemeClr val="accent1"/>
+          </a:fillRef>
+          <a:effectRef idx="0">
+            <a:schemeClr val="accent1"/>
+          </a:effectRef>
+          <a:fontRef idx="minor">
+            <a:schemeClr val="lt1"/>
+          </a:fontRef>
+        </p:style>
+        <p:txBody>
+          <a:bodyPr rtlCol="0" anchor="ctr"/>
+          <a:lstStyle/>
+          <a:p>
+            <a:pPr algn="ctr"/>
+            <a:endParaRPr kumimoji="1" lang="ja-JP" altLang="en-US"/>
+          </a:p>
+        </p:txBody>
+      </p:sp>
+      <p:sp>
+        <p:nvSpPr>
+          <p:cNvPr id="9" name="正方形/長方形 8"/>
+          <p:cNvSpPr/>
+          <p:nvPr/>
+        </p:nvSpPr>
+        <p:spPr>
+          <a:xfrm>
+            <a:off x="1471861" y="5000249"/>
+            <a:ext cx="1732547" cy="385011"/>
+          </a:xfrm>
+          <a:prstGeom prst="rect">
+            <a:avLst/>
+          </a:prstGeom>
+        </p:spPr>
+        <p:style>
+          <a:lnRef idx="2">
+            <a:schemeClr val="accent6"/>
+          </a:lnRef>
+          <a:fillRef idx="1">
+            <a:schemeClr val="lt1"/>
+          </a:fillRef>
+          <a:effectRef idx="0">
+            <a:schemeClr val="accent6"/>
+          </a:effectRef>
+          <a:fontRef idx="minor">
+            <a:schemeClr val="dk1"/>
+          </a:fontRef>
+        </p:style>
+        <p:txBody>
+          <a:bodyPr rtlCol="0" anchor="ctr"/>
+          <a:lstStyle/>
+          <a:p>
+            <a:pPr algn="ctr"/>
+            <a:r>
+              <a:rPr kumimoji="1" lang="ja-JP" altLang="en-US" dirty="0" smtClean="0"/>
+              <a:t>リーダー更生</a:t>
+            </a:r>
+            <a:endParaRPr kumimoji="1" lang="ja-JP" altLang="en-US" dirty="0"/>
+          </a:p>
+        </p:txBody>
+      </p:sp>
+      <p:sp>
+        <p:nvSpPr>
+          <p:cNvPr id="10" name="正方形/長方形 9"/>
+          <p:cNvSpPr/>
+          <p:nvPr/>
+        </p:nvSpPr>
+        <p:spPr>
+          <a:xfrm>
+            <a:off x="6737684" y="1600516"/>
+            <a:ext cx="4616116" cy="4120662"/>
+          </a:xfrm>
+          <a:prstGeom prst="rect">
+            <a:avLst/>
+          </a:prstGeom>
+        </p:spPr>
+        <p:style>
+          <a:lnRef idx="2">
+            <a:schemeClr val="accent6"/>
+          </a:lnRef>
+          <a:fillRef idx="1">
+            <a:schemeClr val="lt1"/>
+          </a:fillRef>
+          <a:effectRef idx="0">
+            <a:schemeClr val="accent6"/>
+          </a:effectRef>
+          <a:fontRef idx="minor">
+            <a:schemeClr val="dk1"/>
+          </a:fontRef>
+        </p:style>
+        <p:txBody>
+          <a:bodyPr rtlCol="0" anchor="ctr"/>
+          <a:lstStyle/>
+          <a:p>
+            <a:pPr algn="ctr"/>
+            <a:r>
+              <a:rPr kumimoji="1" lang="ja-JP" altLang="en-US" dirty="0" smtClean="0"/>
+              <a:t>制限時間　</a:t>
+            </a:r>
+            <a:r>
+              <a:rPr kumimoji="1" lang="en-US" altLang="ja-JP" dirty="0" smtClean="0"/>
+              <a:t>3</a:t>
+            </a:r>
+            <a:r>
+              <a:rPr kumimoji="1" lang="ja-JP" altLang="en-US" dirty="0" smtClean="0"/>
+              <a:t>：</a:t>
+            </a:r>
+            <a:r>
+              <a:rPr kumimoji="1" lang="en-US" altLang="ja-JP" dirty="0" smtClean="0"/>
+              <a:t>00</a:t>
+            </a:r>
+          </a:p>
+          <a:p>
+            <a:pPr algn="ctr"/>
+            <a:r>
+              <a:rPr lang="ja-JP" altLang="en-US" dirty="0"/>
+              <a:t>ステージには</a:t>
+            </a:r>
+            <a:r>
+              <a:rPr lang="ja-JP" altLang="en-US" dirty="0"/>
+              <a:t/>
+            </a:r>
+            <a:br>
+              <a:rPr lang="ja-JP" altLang="en-US" dirty="0"/>
+            </a:br>
+            <a:r>
+              <a:rPr lang="ja-JP" altLang="en-US" dirty="0"/>
+              <a:t>いじめっこ（とりまき（ミーハー？））</a:t>
+            </a:r>
+            <a:r>
+              <a:rPr lang="ja-JP" altLang="en-US" dirty="0"/>
+              <a:t/>
+            </a:r>
+            <a:br>
+              <a:rPr lang="ja-JP" altLang="en-US" dirty="0"/>
+            </a:br>
+            <a:r>
+              <a:rPr lang="ja-JP" altLang="en-US" dirty="0"/>
+              <a:t>いじめっこ（主犯（ボス？））</a:t>
+            </a:r>
+            <a:r>
+              <a:rPr lang="ja-JP" altLang="en-US" dirty="0"/>
+              <a:t/>
+            </a:r>
+            <a:br>
+              <a:rPr lang="ja-JP" altLang="en-US" dirty="0"/>
+            </a:br>
+            <a:r>
+              <a:rPr lang="ja-JP" altLang="en-US" dirty="0"/>
+              <a:t>の二種類がいる</a:t>
+            </a:r>
+            <a:r>
+              <a:rPr lang="ja-JP" altLang="en-US" dirty="0"/>
+              <a:t/>
+            </a:r>
+            <a:br>
+              <a:rPr lang="ja-JP" altLang="en-US" dirty="0"/>
+            </a:br>
+            <a:r>
+              <a:rPr lang="en-US" altLang="ja-JP" dirty="0"/>
               <a:t>1</a:t>
             </a:r>
             <a:r>
-              <a:rPr lang="ja-JP" altLang="en-US" sz="2400" dirty="0" smtClean="0"/>
-              <a:t>体目：　最初からいる</a:t>
-            </a:r>
-            <a:endParaRPr lang="en-US" altLang="ja-JP" sz="2400" dirty="0" smtClean="0"/>
-          </a:p>
-          <a:p>
-            <a:pPr>
-              <a:lnSpc>
-                <a:spcPct val="100000"/>
-              </a:lnSpc>
-            </a:pPr>
-            <a:r>
-              <a:rPr lang="en-US" altLang="ja-JP" sz="2400" dirty="0" smtClean="0"/>
+              <a:rPr lang="ja-JP" altLang="en-US" dirty="0"/>
+              <a:t>年生ではとりまき</a:t>
+            </a:r>
+            <a:r>
+              <a:rPr lang="en-US" altLang="ja-JP" dirty="0"/>
+              <a:t>5~10→</a:t>
+            </a:r>
+            <a:r>
+              <a:rPr lang="ja-JP" altLang="en-US" dirty="0"/>
+              <a:t>ボス</a:t>
+            </a:r>
+            <a:r>
+              <a:rPr lang="en-US" altLang="ja-JP" dirty="0"/>
+              <a:t>1</a:t>
+            </a:r>
+            <a:r>
+              <a:rPr lang="ja-JP" altLang="en-US" dirty="0"/>
+              <a:t/>
+            </a:r>
+            <a:br>
+              <a:rPr lang="ja-JP" altLang="en-US" dirty="0"/>
+            </a:br>
+            <a:r>
+              <a:rPr lang="en-US" altLang="ja-JP" dirty="0"/>
               <a:t>2</a:t>
             </a:r>
             <a:r>
-              <a:rPr lang="ja-JP" altLang="en-US" sz="2400" dirty="0" smtClean="0"/>
-              <a:t>体目以降：　</a:t>
-            </a:r>
-            <a:r>
-              <a:rPr lang="en-US" altLang="ja-JP" sz="2400" dirty="0" smtClean="0"/>
-              <a:t>5</a:t>
-            </a:r>
-            <a:r>
-              <a:rPr lang="ja-JP" altLang="en-US" sz="2400" dirty="0" smtClean="0"/>
-              <a:t>秒ごとに</a:t>
-            </a:r>
-            <a:r>
-              <a:rPr lang="en-US" altLang="ja-JP" sz="2400" dirty="0" smtClean="0"/>
-              <a:t>1</a:t>
-            </a:r>
-            <a:r>
-              <a:rPr lang="ja-JP" altLang="en-US" sz="2400" dirty="0" smtClean="0"/>
-              <a:t>体・更生させる毎に</a:t>
-            </a:r>
-            <a:r>
-              <a:rPr lang="en-US" altLang="ja-JP" sz="2400" dirty="0" smtClean="0"/>
-              <a:t>1</a:t>
-            </a:r>
-            <a:r>
-              <a:rPr lang="ja-JP" altLang="en-US" sz="2400" dirty="0" smtClean="0"/>
-              <a:t>体</a:t>
-            </a:r>
-            <a:endParaRPr lang="en-US" altLang="ja-JP" sz="2400" dirty="0" smtClean="0"/>
-          </a:p>
-          <a:p>
-            <a:pPr>
-              <a:lnSpc>
-                <a:spcPct val="100000"/>
-              </a:lnSpc>
-            </a:pPr>
-            <a:r>
-              <a:rPr lang="ja-JP" altLang="en-US" sz="2400" dirty="0" smtClean="0"/>
-              <a:t>発生の際は光るエフェクトいれる</a:t>
-            </a:r>
-            <a:endParaRPr lang="en-US" altLang="ja-JP" sz="2400" dirty="0" smtClean="0"/>
-          </a:p>
-          <a:p>
-            <a:pPr>
-              <a:lnSpc>
-                <a:spcPct val="100000"/>
-              </a:lnSpc>
-            </a:pPr>
-            <a:r>
-              <a:rPr lang="ja-JP" altLang="en-US" sz="2400" dirty="0"/>
-              <a:t>更生</a:t>
-            </a:r>
-            <a:r>
-              <a:rPr lang="ja-JP" altLang="en-US" sz="2400" dirty="0" smtClean="0"/>
-              <a:t>したらキラキラしながらステージ外に走り去る</a:t>
-            </a:r>
-            <a:endParaRPr lang="en-US" altLang="ja-JP" sz="2400" dirty="0" smtClean="0"/>
-          </a:p>
-          <a:p>
-            <a:pPr>
-              <a:lnSpc>
-                <a:spcPct val="100000"/>
-              </a:lnSpc>
-            </a:pPr>
-            <a:endParaRPr lang="en-US" altLang="ja-JP" sz="2400" dirty="0"/>
-          </a:p>
-          <a:p>
-            <a:pPr>
-              <a:lnSpc>
-                <a:spcPct val="100000"/>
-              </a:lnSpc>
-            </a:pPr>
-            <a:r>
-              <a:rPr lang="ja-JP" altLang="en-US" sz="2400" dirty="0" smtClean="0"/>
-              <a:t>リーダー</a:t>
-            </a:r>
-            <a:endParaRPr lang="en-US" altLang="ja-JP" sz="2400" dirty="0" smtClean="0"/>
-          </a:p>
-          <a:p>
-            <a:pPr>
-              <a:lnSpc>
-                <a:spcPct val="100000"/>
-              </a:lnSpc>
-            </a:pPr>
-            <a:r>
-              <a:rPr lang="ja-JP" altLang="en-US" sz="2400" dirty="0" smtClean="0"/>
-              <a:t>全ミーハー更生で発生</a:t>
-            </a:r>
-            <a:endParaRPr lang="en-US" altLang="ja-JP" sz="2400" dirty="0" smtClean="0"/>
-          </a:p>
-          <a:p>
-            <a:pPr>
-              <a:lnSpc>
-                <a:spcPct val="100000"/>
-              </a:lnSpc>
-            </a:pPr>
-            <a:r>
-              <a:rPr lang="ja-JP" altLang="en-US" sz="2400" dirty="0" smtClean="0"/>
-              <a:t>発生演出入れるかは未定</a:t>
-            </a:r>
-            <a:endParaRPr lang="en-US" altLang="ja-JP" sz="2400" dirty="0" smtClean="0"/>
-          </a:p>
-          <a:p>
-            <a:pPr>
-              <a:lnSpc>
-                <a:spcPct val="100000"/>
-              </a:lnSpc>
-            </a:pPr>
-            <a:r>
-              <a:rPr lang="ja-JP" altLang="en-US" sz="2400" dirty="0" smtClean="0"/>
-              <a:t>更生したらキラキラしながらステージ外に走り去る</a:t>
-            </a:r>
-            <a:endParaRPr lang="en-US" altLang="ja-JP" sz="2400" dirty="0" smtClean="0"/>
-          </a:p>
-          <a:p>
-            <a:pPr>
-              <a:lnSpc>
-                <a:spcPct val="100000"/>
-              </a:lnSpc>
-            </a:pPr>
-            <a:endParaRPr lang="en-US" altLang="ja-JP" sz="2400" dirty="0" smtClean="0"/>
-          </a:p>
-          <a:p>
-            <a:pPr>
-              <a:lnSpc>
-                <a:spcPct val="100000"/>
-              </a:lnSpc>
-            </a:pPr>
-            <a:endParaRPr lang="en-US" altLang="ja-JP" sz="2400" dirty="0"/>
-          </a:p>
-          <a:p>
-            <a:pPr>
-              <a:lnSpc>
-                <a:spcPct val="100000"/>
-              </a:lnSpc>
-            </a:pPr>
-            <a:r>
-              <a:rPr lang="ja-JP" altLang="en-US" sz="2400" dirty="0" smtClean="0"/>
-              <a:t>エクストラステージ：　委員長の更生</a:t>
-            </a:r>
-            <a:endParaRPr lang="en-US" altLang="ja-JP" sz="2400" dirty="0" smtClean="0"/>
+              <a:rPr lang="ja-JP" altLang="en-US" dirty="0"/>
+              <a:t>年生ではとりまき</a:t>
+            </a:r>
+            <a:r>
+              <a:rPr lang="en-US" altLang="ja-JP" dirty="0"/>
+              <a:t>10~20→</a:t>
+            </a:r>
+            <a:r>
+              <a:rPr lang="ja-JP" altLang="en-US" dirty="0"/>
+              <a:t>とりまき</a:t>
+            </a:r>
+            <a:r>
+              <a:rPr lang="en-US" altLang="ja-JP" dirty="0"/>
+              <a:t>5+</a:t>
+            </a:r>
+            <a:r>
+              <a:rPr lang="ja-JP" altLang="en-US" dirty="0"/>
+              <a:t>ボス</a:t>
+            </a:r>
+            <a:r>
+              <a:rPr lang="en-US" altLang="ja-JP" dirty="0"/>
+              <a:t>2</a:t>
+            </a:r>
+            <a:r>
+              <a:rPr lang="ja-JP" altLang="en-US" dirty="0"/>
+              <a:t/>
+            </a:r>
+            <a:br>
+              <a:rPr lang="ja-JP" altLang="en-US" dirty="0"/>
+            </a:br>
+            <a:r>
+              <a:rPr lang="en-US" altLang="ja-JP" dirty="0"/>
+              <a:t>3</a:t>
+            </a:r>
+            <a:r>
+              <a:rPr lang="ja-JP" altLang="en-US" dirty="0"/>
+              <a:t>年生ではとりまき</a:t>
+            </a:r>
+            <a:r>
+              <a:rPr lang="en-US" altLang="ja-JP" dirty="0"/>
+              <a:t>10~20+</a:t>
+            </a:r>
+            <a:r>
+              <a:rPr lang="ja-JP" altLang="en-US" dirty="0"/>
+              <a:t>ボス</a:t>
+            </a:r>
+            <a:r>
+              <a:rPr lang="en-US" altLang="ja-JP" dirty="0"/>
+              <a:t>3</a:t>
+            </a:r>
+            <a:endParaRPr kumimoji="1" lang="ja-JP" altLang="en-US" dirty="0"/>
           </a:p>
         </p:txBody>
       </p:sp>
     </p:spTree>
     <p:extLst>
       <p:ext uri="{BB962C8B-B14F-4D97-AF65-F5344CB8AC3E}">
-        <p14:creationId xmlns:p14="http://schemas.microsoft.com/office/powerpoint/2010/main" val="2730246539"/>
+        <p14:creationId xmlns:p14="http://schemas.microsoft.com/office/powerpoint/2010/main" val="655312245"/>
       </p:ext>
     </p:extLst>
   </p:cSld>
@@ -3876,20 +4213,12 @@
           <a:lstStyle/>
           <a:p>
             <a:r>
-              <a:rPr lang="en-US" altLang="ja-JP" dirty="0" smtClean="0"/>
-              <a:t>T</a:t>
-            </a:r>
-            <a:r>
               <a:rPr lang="ja-JP" altLang="en-US" dirty="0" smtClean="0"/>
-              <a:t>・</a:t>
-            </a:r>
-            <a:r>
-              <a:rPr lang="en-US" altLang="ja-JP" dirty="0" err="1" smtClean="0"/>
-              <a:t>FiP</a:t>
-            </a:r>
-            <a:r>
-              <a:rPr lang="ja-JP" altLang="en-US" dirty="0" smtClean="0"/>
-              <a:t>システム</a:t>
+              <a:t>エネミー</a:t>
+            </a:r>
+            <a:r>
+              <a:rPr lang="ja-JP" altLang="en-US" dirty="0"/>
+              <a:t>発生</a:t>
             </a:r>
             <a:endParaRPr kumimoji="1" lang="ja-JP" altLang="en-US" dirty="0"/>
           </a:p>
@@ -3942,68 +4271,48 @@
               </a:lnSpc>
             </a:pPr>
             <a:r>
-              <a:rPr lang="en-US" altLang="ja-JP" sz="2400" dirty="0" smtClean="0"/>
-              <a:t>T </a:t>
-            </a:r>
-            <a:r>
-              <a:rPr lang="ja-JP" altLang="en-US" sz="2400" dirty="0" smtClean="0"/>
-              <a:t>ゲージ：　</a:t>
-            </a:r>
-            <a:r>
-              <a:rPr lang="en-US" altLang="ja-JP" sz="2400" dirty="0" smtClean="0"/>
-              <a:t>BMI </a:t>
-            </a:r>
-            <a:r>
-              <a:rPr lang="ja-JP" altLang="en-US" sz="2400" dirty="0" smtClean="0"/>
-              <a:t>（脂肪）を力に更生力（攻撃力）に変換（初期値</a:t>
-            </a:r>
-            <a:r>
-              <a:rPr lang="en-US" altLang="ja-JP" sz="2400" dirty="0" smtClean="0"/>
-              <a:t>0</a:t>
-            </a:r>
-            <a:r>
-              <a:rPr lang="ja-JP" altLang="en-US" sz="2400" dirty="0" smtClean="0"/>
-              <a:t>）</a:t>
-            </a:r>
-            <a:endParaRPr lang="en-US" altLang="ja-JP" sz="2400" dirty="0" smtClean="0"/>
-          </a:p>
-          <a:p>
-            <a:pPr>
-              <a:lnSpc>
-                <a:spcPct val="100000"/>
-              </a:lnSpc>
-            </a:pPr>
-            <a:r>
-              <a:rPr lang="en-US" altLang="ja-JP" sz="2400" dirty="0" smtClean="0"/>
-              <a:t>T </a:t>
-            </a:r>
-            <a:r>
-              <a:rPr lang="ja-JP" altLang="en-US" sz="2400" dirty="0" smtClean="0"/>
-              <a:t>レベル：　更生力を</a:t>
-            </a:r>
+              <a:rPr lang="ja-JP" altLang="en-US" sz="2400" dirty="0" smtClean="0"/>
+              <a:t>ミーハー</a:t>
+            </a:r>
+            <a:endParaRPr lang="en-US" altLang="ja-JP" sz="2400" dirty="0" smtClean="0"/>
+          </a:p>
+          <a:p>
+            <a:pPr>
+              <a:lnSpc>
+                <a:spcPct val="100000"/>
+              </a:lnSpc>
+            </a:pPr>
             <a:r>
               <a:rPr lang="en-US" altLang="ja-JP" sz="2400" dirty="0" smtClean="0"/>
               <a:t>1</a:t>
             </a:r>
             <a:r>
               <a:rPr lang="ja-JP" altLang="en-US" sz="2400" dirty="0" smtClean="0"/>
-              <a:t>～</a:t>
-            </a:r>
-            <a:r>
-              <a:rPr lang="en-US" altLang="ja-JP" sz="2400" dirty="0" smtClean="0"/>
-              <a:t>3</a:t>
-            </a:r>
-            <a:r>
-              <a:rPr lang="ja-JP" altLang="en-US" sz="2400" dirty="0" smtClean="0"/>
-              <a:t>のレベルで表現（</a:t>
-            </a:r>
-            <a:r>
-              <a:rPr lang="en-US" altLang="ja-JP" sz="2400" dirty="0" smtClean="0"/>
-              <a:t>BMI 10</a:t>
-            </a:r>
-            <a:r>
-              <a:rPr lang="ja-JP" altLang="en-US" sz="2400" dirty="0" smtClean="0"/>
-              <a:t>→レベル</a:t>
+              <a:t>体目：　最初からいる</a:t>
+            </a:r>
+            <a:endParaRPr lang="en-US" altLang="ja-JP" sz="2400" dirty="0" smtClean="0"/>
+          </a:p>
+          <a:p>
+            <a:pPr>
+              <a:lnSpc>
+                <a:spcPct val="100000"/>
+              </a:lnSpc>
+            </a:pPr>
+            <a:r>
+              <a:rPr lang="en-US" altLang="ja-JP" sz="2400" dirty="0" smtClean="0"/>
+              <a:t>2</a:t>
+            </a:r>
+            <a:r>
+              <a:rPr lang="ja-JP" altLang="en-US" sz="2400" dirty="0" smtClean="0"/>
+              <a:t>体目以降：　</a:t>
+            </a:r>
+            <a:r>
+              <a:rPr lang="en-US" altLang="ja-JP" sz="2400" dirty="0" smtClean="0"/>
+              <a:t>5</a:t>
+            </a:r>
+            <a:r>
+              <a:rPr lang="ja-JP" altLang="en-US" sz="2400" dirty="0" smtClean="0"/>
+              <a:t>秒ごとに</a:t>
             </a:r>
             <a:r>
               <a:rPr lang="en-US" altLang="ja-JP" sz="2400" dirty="0" smtClean="0"/>
@@ -4011,43 +4320,7 @@
             </a:r>
             <a:r>
               <a:rPr lang="ja-JP" altLang="en-US" sz="2400" dirty="0" smtClean="0"/>
-              <a:t>→</a:t>
-            </a:r>
-            <a:r>
-              <a:rPr lang="en-US" altLang="ja-JP" sz="2400" dirty="0" smtClean="0"/>
-              <a:t>BMI50</a:t>
-            </a:r>
-            <a:r>
-              <a:rPr lang="ja-JP" altLang="en-US" sz="2400" dirty="0" smtClean="0"/>
-              <a:t>消費）</a:t>
-            </a:r>
-            <a:endParaRPr lang="en-US" altLang="ja-JP" sz="2400" dirty="0" smtClean="0"/>
-          </a:p>
-          <a:p>
-            <a:pPr>
-              <a:lnSpc>
-                <a:spcPct val="100000"/>
-              </a:lnSpc>
-            </a:pPr>
-            <a:r>
-              <a:rPr lang="ja-JP" altLang="en-US" sz="2400" dirty="0" smtClean="0"/>
-              <a:t>変換値  ：　</a:t>
-            </a:r>
-            <a:r>
-              <a:rPr lang="en-US" altLang="ja-JP" sz="2400" dirty="0" smtClean="0"/>
-              <a:t>BMI </a:t>
-            </a:r>
-            <a:r>
-              <a:rPr lang="ja-JP" altLang="en-US" sz="2400" dirty="0" smtClean="0"/>
-              <a:t>を</a:t>
-            </a:r>
-            <a:r>
-              <a:rPr lang="en-US" altLang="ja-JP" sz="2400" dirty="0" smtClean="0"/>
-              <a:t>5</a:t>
-            </a:r>
-            <a:r>
-              <a:rPr lang="ja-JP" altLang="en-US" sz="2400" dirty="0" smtClean="0"/>
-              <a:t>消費して更生力を</a:t>
+              <a:t>体・更生させる毎に</a:t>
             </a:r>
             <a:r>
               <a:rPr lang="en-US" altLang="ja-JP" sz="2400" dirty="0" smtClean="0"/>
@@ -4055,71 +4328,119 @@
             </a:r>
             <a:r>
               <a:rPr lang="ja-JP" altLang="en-US" sz="2400" dirty="0" smtClean="0"/>
-              <a:t>あげる（</a:t>
-            </a:r>
-            <a:r>
-              <a:rPr lang="en-US" altLang="ja-JP" sz="2400" dirty="0" smtClean="0"/>
-              <a:t>1</a:t>
-            </a:r>
-            <a:r>
-              <a:rPr lang="ja-JP" altLang="en-US" sz="2400" dirty="0" smtClean="0"/>
-              <a:t>秒で</a:t>
-            </a:r>
-            <a:r>
-              <a:rPr lang="en-US" altLang="ja-JP" sz="2400" dirty="0" smtClean="0"/>
-              <a:t>50</a:t>
-            </a:r>
-            <a:r>
-              <a:rPr lang="ja-JP" altLang="en-US" sz="2400" dirty="0" smtClean="0"/>
-              <a:t>変換）</a:t>
-            </a:r>
-            <a:endParaRPr lang="en-US" altLang="ja-JP" sz="2400" dirty="0" smtClean="0"/>
-          </a:p>
-          <a:p>
-            <a:pPr>
-              <a:lnSpc>
-                <a:spcPct val="100000"/>
-              </a:lnSpc>
-            </a:pPr>
-            <a:r>
-              <a:rPr lang="ja-JP" altLang="en-US" sz="2400" dirty="0" smtClean="0"/>
-              <a:t>変換中  ：　力を溜めるモーションで無防備</a:t>
-            </a:r>
-            <a:endParaRPr lang="en-US" altLang="ja-JP" sz="2400" dirty="0" smtClean="0"/>
-          </a:p>
-          <a:p>
-            <a:pPr>
-              <a:lnSpc>
-                <a:spcPct val="100000"/>
-              </a:lnSpc>
-            </a:pPr>
-            <a:r>
-              <a:rPr lang="ja-JP" altLang="en-US" sz="2400" dirty="0" smtClean="0"/>
-              <a:t>エフェクト：　変換モーション中プレイヤー周囲に波動エフェクト・レベルが上がると激しくなる・レベル</a:t>
-            </a:r>
-            <a:r>
-              <a:rPr lang="en-US" altLang="ja-JP" sz="2400" dirty="0" smtClean="0"/>
-              <a:t>Max</a:t>
-            </a:r>
-            <a:r>
-              <a:rPr lang="ja-JP" altLang="en-US" sz="2400" dirty="0" smtClean="0"/>
-              <a:t>で解放モーション＋解放エフェクト</a:t>
-            </a:r>
-            <a:endParaRPr lang="en-US" altLang="ja-JP" sz="2400" dirty="0" smtClean="0"/>
-          </a:p>
-          <a:p>
-            <a:pPr>
-              <a:lnSpc>
-                <a:spcPct val="100000"/>
-              </a:lnSpc>
-            </a:pPr>
-            <a:r>
-              <a:rPr lang="en-US" altLang="ja-JP" sz="2400" dirty="0" smtClean="0"/>
-              <a:t>GUI        </a:t>
-            </a:r>
-            <a:r>
-              <a:rPr lang="ja-JP" altLang="en-US" sz="2400" dirty="0" smtClean="0"/>
-              <a:t>：　コントローラーとは別に設ける</a:t>
+              <a:t>体</a:t>
+            </a:r>
+            <a:endParaRPr lang="en-US" altLang="ja-JP" sz="2400" dirty="0" smtClean="0"/>
+          </a:p>
+          <a:p>
+            <a:pPr>
+              <a:lnSpc>
+                <a:spcPct val="100000"/>
+              </a:lnSpc>
+            </a:pPr>
+            <a:r>
+              <a:rPr lang="ja-JP" altLang="en-US" sz="2400" dirty="0" smtClean="0"/>
+              <a:t>発生の際は光るエフェクトいれる</a:t>
+            </a:r>
+            <a:endParaRPr lang="en-US" altLang="ja-JP" sz="2400" dirty="0" smtClean="0"/>
+          </a:p>
+          <a:p>
+            <a:pPr>
+              <a:lnSpc>
+                <a:spcPct val="100000"/>
+              </a:lnSpc>
+            </a:pPr>
+            <a:r>
+              <a:rPr lang="ja-JP" altLang="en-US" sz="2400" dirty="0"/>
+              <a:t>更生</a:t>
+            </a:r>
+            <a:r>
+              <a:rPr lang="ja-JP" altLang="en-US" sz="2400" dirty="0" smtClean="0"/>
+              <a:t>したらキラキラしながらステージ外に走り去る</a:t>
+            </a:r>
+            <a:endParaRPr lang="en-US" altLang="ja-JP" sz="2400" dirty="0" smtClean="0"/>
+          </a:p>
+          <a:p>
+            <a:pPr>
+              <a:lnSpc>
+                <a:spcPct val="100000"/>
+              </a:lnSpc>
+            </a:pPr>
+            <a:endParaRPr lang="en-US" altLang="ja-JP" sz="2400" dirty="0"/>
+          </a:p>
+          <a:p>
+            <a:pPr>
+              <a:lnSpc>
+                <a:spcPct val="100000"/>
+              </a:lnSpc>
+            </a:pPr>
+            <a:r>
+              <a:rPr lang="ja-JP" altLang="en-US" sz="2400" dirty="0" smtClean="0"/>
+              <a:t>リーダー</a:t>
+            </a:r>
+            <a:endParaRPr lang="en-US" altLang="ja-JP" sz="2400" dirty="0" smtClean="0"/>
+          </a:p>
+          <a:p>
+            <a:pPr>
+              <a:lnSpc>
+                <a:spcPct val="100000"/>
+              </a:lnSpc>
+            </a:pPr>
+            <a:r>
+              <a:rPr lang="ja-JP" altLang="en-US" sz="2400" dirty="0" smtClean="0"/>
+              <a:t>全ミーハー更生で発生</a:t>
+            </a:r>
+            <a:endParaRPr lang="en-US" altLang="ja-JP" sz="2400" dirty="0" smtClean="0"/>
+          </a:p>
+          <a:p>
+            <a:pPr>
+              <a:lnSpc>
+                <a:spcPct val="100000"/>
+              </a:lnSpc>
+            </a:pPr>
+            <a:r>
+              <a:rPr lang="ja-JP" altLang="en-US" sz="2400" dirty="0" smtClean="0"/>
+              <a:t>発生演出入れるかは未定</a:t>
+            </a:r>
+            <a:endParaRPr lang="en-US" altLang="ja-JP" sz="2400" dirty="0" smtClean="0"/>
+          </a:p>
+          <a:p>
+            <a:pPr>
+              <a:lnSpc>
+                <a:spcPct val="100000"/>
+              </a:lnSpc>
+            </a:pPr>
+            <a:r>
+              <a:rPr lang="ja-JP" altLang="en-US" sz="2400" dirty="0" smtClean="0"/>
+              <a:t>更生したらキラキラしながらステージ外に走り去る</a:t>
+            </a:r>
+            <a:endParaRPr lang="en-US" altLang="ja-JP" sz="2400" dirty="0" smtClean="0"/>
+          </a:p>
+          <a:p>
+            <a:pPr>
+              <a:lnSpc>
+                <a:spcPct val="100000"/>
+              </a:lnSpc>
+            </a:pPr>
+            <a:endParaRPr lang="en-US" altLang="ja-JP" sz="2400" dirty="0" smtClean="0"/>
+          </a:p>
+          <a:p>
+            <a:pPr>
+              <a:lnSpc>
+                <a:spcPct val="100000"/>
+              </a:lnSpc>
+            </a:pPr>
+            <a:endParaRPr lang="en-US" altLang="ja-JP" sz="2400" dirty="0"/>
+          </a:p>
+          <a:p>
+            <a:pPr>
+              <a:lnSpc>
+                <a:spcPct val="100000"/>
+              </a:lnSpc>
+            </a:pPr>
+            <a:r>
+              <a:rPr lang="ja-JP" altLang="en-US" sz="2400" dirty="0" smtClean="0"/>
+              <a:t>エクストラステージ：　委員長の更生</a:t>
             </a:r>
             <a:endParaRPr lang="en-US" altLang="ja-JP" sz="2400" dirty="0" smtClean="0"/>
           </a:p>
@@ -4128,7 +4449,7 @@
     </p:spTree>
     <p:extLst>
       <p:ext uri="{BB962C8B-B14F-4D97-AF65-F5344CB8AC3E}">
-        <p14:creationId xmlns:p14="http://schemas.microsoft.com/office/powerpoint/2010/main" val="3141349564"/>
+        <p14:creationId xmlns:p14="http://schemas.microsoft.com/office/powerpoint/2010/main" val="2730246539"/>
       </p:ext>
     </p:extLst>
   </p:cSld>
@@ -4171,8 +4492,20 @@
           <a:lstStyle/>
           <a:p>
             <a:r>
+              <a:rPr lang="en-US" altLang="ja-JP" dirty="0" smtClean="0"/>
+              <a:t>T</a:t>
+            </a:r>
+            <a:r>
               <a:rPr lang="ja-JP" altLang="en-US" dirty="0" smtClean="0"/>
-              <a:t>アイテム</a:t>
+              <a:t>・</a:t>
+            </a:r>
+            <a:r>
+              <a:rPr lang="en-US" altLang="ja-JP" dirty="0" err="1" smtClean="0"/>
+              <a:t>FiP</a:t>
+            </a:r>
+            <a:r>
+              <a:rPr lang="ja-JP" altLang="en-US" dirty="0" smtClean="0"/>
+              <a:t>システム</a:t>
             </a:r>
             <a:endParaRPr kumimoji="1" lang="ja-JP" altLang="en-US" dirty="0"/>
           </a:p>
@@ -4225,16 +4558,104 @@
               </a:lnSpc>
             </a:pPr>
             <a:r>
-              <a:rPr lang="ja-JP" altLang="en-US" sz="2400" dirty="0" smtClean="0"/>
-              <a:t>おむすび：　</a:t>
-            </a:r>
-            <a:r>
-              <a:rPr lang="en-US" altLang="ja-JP" sz="2400" dirty="0" smtClean="0"/>
-              <a:t>BMI</a:t>
-            </a:r>
-            <a:r>
-              <a:rPr lang="ja-JP" altLang="en-US" sz="2400" dirty="0" smtClean="0"/>
-              <a:t>が</a:t>
+              <a:rPr lang="en-US" altLang="ja-JP" sz="2400" dirty="0" smtClean="0"/>
+              <a:t>T </a:t>
+            </a:r>
+            <a:r>
+              <a:rPr lang="ja-JP" altLang="en-US" sz="2400" dirty="0" smtClean="0"/>
+              <a:t>ゲージ：　</a:t>
+            </a:r>
+            <a:r>
+              <a:rPr lang="en-US" altLang="ja-JP" sz="2400" dirty="0" smtClean="0"/>
+              <a:t>BMI </a:t>
+            </a:r>
+            <a:r>
+              <a:rPr lang="ja-JP" altLang="en-US" sz="2400" dirty="0" smtClean="0"/>
+              <a:t>（脂肪）を力に更生力（攻撃力）に変換（初期値</a:t>
+            </a:r>
+            <a:r>
+              <a:rPr lang="en-US" altLang="ja-JP" sz="2400" dirty="0" smtClean="0"/>
+              <a:t>0</a:t>
+            </a:r>
+            <a:r>
+              <a:rPr lang="ja-JP" altLang="en-US" sz="2400" dirty="0" smtClean="0"/>
+              <a:t>）</a:t>
+            </a:r>
+            <a:endParaRPr lang="en-US" altLang="ja-JP" sz="2400" dirty="0" smtClean="0"/>
+          </a:p>
+          <a:p>
+            <a:pPr>
+              <a:lnSpc>
+                <a:spcPct val="100000"/>
+              </a:lnSpc>
+            </a:pPr>
+            <a:r>
+              <a:rPr lang="en-US" altLang="ja-JP" sz="2400" dirty="0" smtClean="0"/>
+              <a:t>T </a:t>
+            </a:r>
+            <a:r>
+              <a:rPr lang="ja-JP" altLang="en-US" sz="2400" dirty="0" smtClean="0"/>
+              <a:t>レベル：　更生力を</a:t>
+            </a:r>
+            <a:r>
+              <a:rPr lang="en-US" altLang="ja-JP" sz="2400" dirty="0" smtClean="0"/>
+              <a:t>1</a:t>
+            </a:r>
+            <a:r>
+              <a:rPr lang="ja-JP" altLang="en-US" sz="2400" dirty="0" smtClean="0"/>
+              <a:t>～</a:t>
+            </a:r>
+            <a:r>
+              <a:rPr lang="en-US" altLang="ja-JP" sz="2400" dirty="0" smtClean="0"/>
+              <a:t>3</a:t>
+            </a:r>
+            <a:r>
+              <a:rPr lang="ja-JP" altLang="en-US" sz="2400" dirty="0" smtClean="0"/>
+              <a:t>のレベルで表現（</a:t>
+            </a:r>
+            <a:r>
+              <a:rPr lang="en-US" altLang="ja-JP" sz="2400" dirty="0" smtClean="0"/>
+              <a:t>BMI 10</a:t>
+            </a:r>
+            <a:r>
+              <a:rPr lang="ja-JP" altLang="en-US" sz="2400" dirty="0" smtClean="0"/>
+              <a:t>→レベル</a:t>
+            </a:r>
+            <a:r>
+              <a:rPr lang="en-US" altLang="ja-JP" sz="2400" dirty="0" smtClean="0"/>
+              <a:t>1</a:t>
+            </a:r>
+            <a:r>
+              <a:rPr lang="ja-JP" altLang="en-US" sz="2400" dirty="0" smtClean="0"/>
+              <a:t>→</a:t>
+            </a:r>
+            <a:r>
+              <a:rPr lang="en-US" altLang="ja-JP" sz="2400" dirty="0" smtClean="0"/>
+              <a:t>BMI50</a:t>
+            </a:r>
+            <a:r>
+              <a:rPr lang="ja-JP" altLang="en-US" sz="2400" dirty="0" smtClean="0"/>
+              <a:t>消費）</a:t>
+            </a:r>
+            <a:endParaRPr lang="en-US" altLang="ja-JP" sz="2400" dirty="0" smtClean="0"/>
+          </a:p>
+          <a:p>
+            <a:pPr>
+              <a:lnSpc>
+                <a:spcPct val="100000"/>
+              </a:lnSpc>
+            </a:pPr>
+            <a:r>
+              <a:rPr lang="ja-JP" altLang="en-US" sz="2400" dirty="0" smtClean="0"/>
+              <a:t>変換値  ：　</a:t>
+            </a:r>
+            <a:r>
+              <a:rPr lang="en-US" altLang="ja-JP" sz="2400" dirty="0" smtClean="0"/>
+              <a:t>BMI </a:t>
+            </a:r>
+            <a:r>
+              <a:rPr lang="ja-JP" altLang="en-US" sz="2400" dirty="0" smtClean="0"/>
+              <a:t>を</a:t>
             </a:r>
             <a:r>
               <a:rPr lang="en-US" altLang="ja-JP" sz="2400" dirty="0" smtClean="0"/>
@@ -4242,119 +4663,23 @@
             </a:r>
             <a:r>
               <a:rPr lang="ja-JP" altLang="en-US" sz="2400" dirty="0" smtClean="0"/>
-              <a:t>回復する</a:t>
-            </a:r>
-            <a:endParaRPr lang="en-US" altLang="ja-JP" sz="2400" dirty="0" smtClean="0"/>
-          </a:p>
-          <a:p>
-            <a:pPr>
-              <a:lnSpc>
-                <a:spcPct val="100000"/>
-              </a:lnSpc>
-            </a:pPr>
-            <a:r>
-              <a:rPr lang="ja-JP" altLang="en-US" sz="2400" dirty="0" smtClean="0"/>
-              <a:t>コーラ：　</a:t>
-            </a:r>
-            <a:r>
-              <a:rPr lang="en-US" altLang="ja-JP" sz="2400" dirty="0" smtClean="0"/>
-              <a:t>BMI</a:t>
-            </a:r>
-            <a:r>
-              <a:rPr lang="ja-JP" altLang="en-US" sz="2400" dirty="0" smtClean="0"/>
-              <a:t>が</a:t>
-            </a:r>
-            <a:r>
-              <a:rPr lang="en-US" altLang="ja-JP" sz="2400" dirty="0" smtClean="0"/>
-              <a:t>10</a:t>
-            </a:r>
-            <a:r>
-              <a:rPr lang="ja-JP" altLang="en-US" sz="2400" dirty="0" smtClean="0"/>
-              <a:t>回復する</a:t>
-            </a:r>
-            <a:endParaRPr lang="en-US" altLang="ja-JP" sz="2400" dirty="0" smtClean="0"/>
-          </a:p>
-          <a:p>
-            <a:pPr>
-              <a:lnSpc>
-                <a:spcPct val="100000"/>
-              </a:lnSpc>
-            </a:pPr>
-            <a:r>
-              <a:rPr lang="ja-JP" altLang="en-US" sz="2400" dirty="0" smtClean="0"/>
-              <a:t>ポテトチップス：　</a:t>
-            </a:r>
-            <a:r>
-              <a:rPr lang="en-US" altLang="ja-JP" sz="2400" dirty="0" smtClean="0"/>
-              <a:t>BMI</a:t>
-            </a:r>
-            <a:r>
-              <a:rPr lang="ja-JP" altLang="en-US" sz="2400" dirty="0" smtClean="0"/>
-              <a:t>が</a:t>
-            </a:r>
-            <a:r>
-              <a:rPr lang="en-US" altLang="ja-JP" sz="2400" dirty="0" smtClean="0"/>
-              <a:t>20</a:t>
-            </a:r>
-            <a:r>
-              <a:rPr lang="ja-JP" altLang="en-US" sz="2400" dirty="0" smtClean="0"/>
-              <a:t>回復する</a:t>
-            </a:r>
-            <a:endParaRPr lang="en-US" altLang="ja-JP" sz="2400" dirty="0" smtClean="0"/>
-          </a:p>
-          <a:p>
-            <a:pPr>
-              <a:lnSpc>
-                <a:spcPct val="100000"/>
-              </a:lnSpc>
-            </a:pPr>
-            <a:r>
-              <a:rPr lang="ja-JP" altLang="en-US" sz="2400" dirty="0"/>
-              <a:t>肉</a:t>
-            </a:r>
-            <a:r>
-              <a:rPr lang="ja-JP" altLang="en-US" sz="2400" dirty="0" err="1" smtClean="0"/>
-              <a:t>まん</a:t>
-            </a:r>
-            <a:r>
-              <a:rPr lang="ja-JP" altLang="en-US" sz="2400" dirty="0" smtClean="0"/>
-              <a:t>：　</a:t>
-            </a:r>
-            <a:r>
-              <a:rPr lang="en-US" altLang="ja-JP" sz="2400" dirty="0" smtClean="0"/>
-              <a:t>BMI</a:t>
-            </a:r>
-            <a:r>
-              <a:rPr lang="ja-JP" altLang="en-US" sz="2400" dirty="0" smtClean="0"/>
-              <a:t>が</a:t>
-            </a:r>
-            <a:r>
-              <a:rPr lang="en-US" altLang="ja-JP" sz="2400" dirty="0" smtClean="0"/>
-              <a:t>30</a:t>
-            </a:r>
-            <a:r>
-              <a:rPr lang="ja-JP" altLang="en-US" sz="2400" dirty="0" smtClean="0"/>
-              <a:t>回復する</a:t>
-            </a:r>
-            <a:endParaRPr lang="en-US" altLang="ja-JP" sz="2400" dirty="0" smtClean="0"/>
-          </a:p>
-          <a:p>
-            <a:pPr>
-              <a:lnSpc>
-                <a:spcPct val="100000"/>
-              </a:lnSpc>
-            </a:pPr>
-            <a:r>
-              <a:rPr lang="ja-JP" altLang="en-US" sz="2400" dirty="0" smtClean="0"/>
-              <a:t>ピザ：　</a:t>
-            </a:r>
-            <a:r>
-              <a:rPr lang="en-US" altLang="ja-JP" sz="2400" dirty="0" smtClean="0"/>
-              <a:t>BMI</a:t>
-            </a:r>
-            <a:r>
-              <a:rPr lang="ja-JP" altLang="en-US" sz="2400" dirty="0" smtClean="0"/>
-              <a:t>が</a:t>
+              <a:t>消費して更生力を</a:t>
+            </a:r>
+            <a:r>
+              <a:rPr lang="en-US" altLang="ja-JP" sz="2400" dirty="0" smtClean="0"/>
+              <a:t>1</a:t>
+            </a:r>
+            <a:r>
+              <a:rPr lang="ja-JP" altLang="en-US" sz="2400" dirty="0" smtClean="0"/>
+              <a:t>あげる（</a:t>
+            </a:r>
+            <a:r>
+              <a:rPr lang="en-US" altLang="ja-JP" sz="2400" dirty="0" smtClean="0"/>
+              <a:t>1</a:t>
+            </a:r>
+            <a:r>
+              <a:rPr lang="ja-JP" altLang="en-US" sz="2400" dirty="0" smtClean="0"/>
+              <a:t>秒で</a:t>
             </a:r>
             <a:r>
               <a:rPr lang="en-US" altLang="ja-JP" sz="2400" dirty="0" smtClean="0"/>
@@ -4362,11 +4687,55 @@
             </a:r>
             <a:r>
               <a:rPr lang="ja-JP" altLang="en-US" sz="2400" dirty="0" smtClean="0"/>
-              <a:t>回復す</a:t>
-            </a:r>
-            <a:r>
-              <a:rPr lang="ja-JP" altLang="en-US" sz="2400" dirty="0"/>
-              <a:t>る</a:t>
+              <a:t>変換）</a:t>
+            </a:r>
+            <a:endParaRPr lang="en-US" altLang="ja-JP" sz="2400" dirty="0" smtClean="0"/>
+          </a:p>
+          <a:p>
+            <a:pPr>
+              <a:lnSpc>
+                <a:spcPct val="100000"/>
+              </a:lnSpc>
+            </a:pPr>
+            <a:r>
+              <a:rPr lang="ja-JP" altLang="en-US" sz="2400" dirty="0" smtClean="0"/>
+              <a:t>変換中  ：　力を溜めるモーションで無防備</a:t>
+            </a:r>
+            <a:endParaRPr lang="en-US" altLang="ja-JP" sz="2400" dirty="0" smtClean="0"/>
+          </a:p>
+          <a:p>
+            <a:pPr>
+              <a:lnSpc>
+                <a:spcPct val="100000"/>
+              </a:lnSpc>
+            </a:pPr>
+            <a:r>
+              <a:rPr lang="ja-JP" altLang="en-US" sz="2400" dirty="0" smtClean="0"/>
+              <a:t>エフェクト：　変換モーション中プレイヤー周囲に波動エフェクト・レベルが上がると激しくなる・レベル</a:t>
+            </a:r>
+            <a:r>
+              <a:rPr lang="en-US" altLang="ja-JP" sz="2400" dirty="0" smtClean="0"/>
+              <a:t>Max</a:t>
+            </a:r>
+            <a:r>
+              <a:rPr lang="ja-JP" altLang="en-US" sz="2400" dirty="0" smtClean="0"/>
+              <a:t>で解放モーション＋解放エフェクト</a:t>
+            </a:r>
+            <a:endParaRPr lang="en-US" altLang="ja-JP" sz="2400" dirty="0" smtClean="0"/>
+          </a:p>
+          <a:p>
+            <a:pPr>
+              <a:lnSpc>
+                <a:spcPct val="100000"/>
+              </a:lnSpc>
+            </a:pPr>
+            <a:r>
+              <a:rPr lang="en-US" altLang="ja-JP" sz="2400" dirty="0" smtClean="0"/>
+              <a:t>GUI        </a:t>
+            </a:r>
+            <a:r>
+              <a:rPr lang="ja-JP" altLang="en-US" sz="2400" dirty="0" smtClean="0"/>
+              <a:t>：　コントローラーとは別に設ける</a:t>
             </a:r>
             <a:endParaRPr lang="en-US" altLang="ja-JP" sz="2400" dirty="0" smtClean="0"/>
           </a:p>
@@ -4375,7 +4744,7 @@
     </p:spTree>
     <p:extLst>
       <p:ext uri="{BB962C8B-B14F-4D97-AF65-F5344CB8AC3E}">
-        <p14:creationId xmlns:p14="http://schemas.microsoft.com/office/powerpoint/2010/main" val="1367083413"/>
+        <p14:creationId xmlns:p14="http://schemas.microsoft.com/office/powerpoint/2010/main" val="3141349564"/>
       </p:ext>
     </p:extLst>
   </p:cSld>
@@ -4419,7 +4788,7 @@
           <a:p>
             <a:r>
               <a:rPr lang="ja-JP" altLang="en-US" dirty="0" smtClean="0"/>
-              <a:t>ゲームオーバー条件</a:t>
+              <a:t>アイテム</a:t>
             </a:r>
             <a:endParaRPr kumimoji="1" lang="ja-JP" altLang="en-US" dirty="0"/>
           </a:p>
@@ -4472,6 +4841,253 @@
               </a:lnSpc>
             </a:pPr>
             <a:r>
+              <a:rPr lang="ja-JP" altLang="en-US" sz="2400" dirty="0" smtClean="0"/>
+              <a:t>おむすび：　</a:t>
+            </a:r>
+            <a:r>
+              <a:rPr lang="en-US" altLang="ja-JP" sz="2400" dirty="0" smtClean="0"/>
+              <a:t>BMI</a:t>
+            </a:r>
+            <a:r>
+              <a:rPr lang="ja-JP" altLang="en-US" sz="2400" dirty="0" smtClean="0"/>
+              <a:t>が</a:t>
+            </a:r>
+            <a:r>
+              <a:rPr lang="en-US" altLang="ja-JP" sz="2400" dirty="0" smtClean="0"/>
+              <a:t>5</a:t>
+            </a:r>
+            <a:r>
+              <a:rPr lang="ja-JP" altLang="en-US" sz="2400" dirty="0" smtClean="0"/>
+              <a:t>回復する</a:t>
+            </a:r>
+            <a:endParaRPr lang="en-US" altLang="ja-JP" sz="2400" dirty="0" smtClean="0"/>
+          </a:p>
+          <a:p>
+            <a:pPr>
+              <a:lnSpc>
+                <a:spcPct val="100000"/>
+              </a:lnSpc>
+            </a:pPr>
+            <a:r>
+              <a:rPr lang="ja-JP" altLang="en-US" sz="2400" dirty="0" smtClean="0"/>
+              <a:t>コーラ：　</a:t>
+            </a:r>
+            <a:r>
+              <a:rPr lang="en-US" altLang="ja-JP" sz="2400" dirty="0" smtClean="0"/>
+              <a:t>BMI</a:t>
+            </a:r>
+            <a:r>
+              <a:rPr lang="ja-JP" altLang="en-US" sz="2400" dirty="0" smtClean="0"/>
+              <a:t>が</a:t>
+            </a:r>
+            <a:r>
+              <a:rPr lang="en-US" altLang="ja-JP" sz="2400" dirty="0" smtClean="0"/>
+              <a:t>10</a:t>
+            </a:r>
+            <a:r>
+              <a:rPr lang="ja-JP" altLang="en-US" sz="2400" dirty="0" smtClean="0"/>
+              <a:t>回復する</a:t>
+            </a:r>
+            <a:endParaRPr lang="en-US" altLang="ja-JP" sz="2400" dirty="0" smtClean="0"/>
+          </a:p>
+          <a:p>
+            <a:pPr>
+              <a:lnSpc>
+                <a:spcPct val="100000"/>
+              </a:lnSpc>
+            </a:pPr>
+            <a:r>
+              <a:rPr lang="ja-JP" altLang="en-US" sz="2400" dirty="0" smtClean="0"/>
+              <a:t>ポテトチップス：　</a:t>
+            </a:r>
+            <a:r>
+              <a:rPr lang="en-US" altLang="ja-JP" sz="2400" dirty="0" smtClean="0"/>
+              <a:t>BMI</a:t>
+            </a:r>
+            <a:r>
+              <a:rPr lang="ja-JP" altLang="en-US" sz="2400" dirty="0" smtClean="0"/>
+              <a:t>が</a:t>
+            </a:r>
+            <a:r>
+              <a:rPr lang="en-US" altLang="ja-JP" sz="2400" dirty="0" smtClean="0"/>
+              <a:t>20</a:t>
+            </a:r>
+            <a:r>
+              <a:rPr lang="ja-JP" altLang="en-US" sz="2400" dirty="0" smtClean="0"/>
+              <a:t>回復する</a:t>
+            </a:r>
+            <a:endParaRPr lang="en-US" altLang="ja-JP" sz="2400" dirty="0" smtClean="0"/>
+          </a:p>
+          <a:p>
+            <a:pPr>
+              <a:lnSpc>
+                <a:spcPct val="100000"/>
+              </a:lnSpc>
+            </a:pPr>
+            <a:r>
+              <a:rPr lang="ja-JP" altLang="en-US" sz="2400" dirty="0"/>
+              <a:t>肉</a:t>
+            </a:r>
+            <a:r>
+              <a:rPr lang="ja-JP" altLang="en-US" sz="2400" dirty="0" err="1" smtClean="0"/>
+              <a:t>まん</a:t>
+            </a:r>
+            <a:r>
+              <a:rPr lang="ja-JP" altLang="en-US" sz="2400" dirty="0" smtClean="0"/>
+              <a:t>：　</a:t>
+            </a:r>
+            <a:r>
+              <a:rPr lang="en-US" altLang="ja-JP" sz="2400" dirty="0" smtClean="0"/>
+              <a:t>BMI</a:t>
+            </a:r>
+            <a:r>
+              <a:rPr lang="ja-JP" altLang="en-US" sz="2400" dirty="0" smtClean="0"/>
+              <a:t>が</a:t>
+            </a:r>
+            <a:r>
+              <a:rPr lang="en-US" altLang="ja-JP" sz="2400" dirty="0" smtClean="0"/>
+              <a:t>30</a:t>
+            </a:r>
+            <a:r>
+              <a:rPr lang="ja-JP" altLang="en-US" sz="2400" dirty="0" smtClean="0"/>
+              <a:t>回復する</a:t>
+            </a:r>
+            <a:endParaRPr lang="en-US" altLang="ja-JP" sz="2400" dirty="0" smtClean="0"/>
+          </a:p>
+          <a:p>
+            <a:pPr>
+              <a:lnSpc>
+                <a:spcPct val="100000"/>
+              </a:lnSpc>
+            </a:pPr>
+            <a:r>
+              <a:rPr lang="ja-JP" altLang="en-US" sz="2400" dirty="0" smtClean="0"/>
+              <a:t>ピザ：　</a:t>
+            </a:r>
+            <a:r>
+              <a:rPr lang="en-US" altLang="ja-JP" sz="2400" dirty="0" smtClean="0"/>
+              <a:t>BMI</a:t>
+            </a:r>
+            <a:r>
+              <a:rPr lang="ja-JP" altLang="en-US" sz="2400" dirty="0" smtClean="0"/>
+              <a:t>が</a:t>
+            </a:r>
+            <a:r>
+              <a:rPr lang="en-US" altLang="ja-JP" sz="2400" dirty="0" smtClean="0"/>
+              <a:t>50</a:t>
+            </a:r>
+            <a:r>
+              <a:rPr lang="ja-JP" altLang="en-US" sz="2400" dirty="0" smtClean="0"/>
+              <a:t>回復す</a:t>
+            </a:r>
+            <a:r>
+              <a:rPr lang="ja-JP" altLang="en-US" sz="2400" dirty="0"/>
+              <a:t>る</a:t>
+            </a:r>
+            <a:endParaRPr lang="en-US" altLang="ja-JP" sz="2400" dirty="0" smtClean="0"/>
+          </a:p>
+        </p:txBody>
+      </p:sp>
+    </p:spTree>
+    <p:extLst>
+      <p:ext uri="{BB962C8B-B14F-4D97-AF65-F5344CB8AC3E}">
+        <p14:creationId xmlns:p14="http://schemas.microsoft.com/office/powerpoint/2010/main" val="1367083413"/>
+      </p:ext>
+    </p:extLst>
+  </p:cSld>
+  <p:clrMapOvr>
+    <a:masterClrMapping/>
+  </p:clrMapOvr>
+</p:sld>
+</file>
+
+<file path=ppt/slides/slide14.xml><?xml version="1.0" encoding="utf-8"?>
+<p:sld xmlns:a="http://schemas.openxmlformats.org/drawingml/2006/main" xmlns:r="http://schemas.openxmlformats.org/officeDocument/2006/relationships" xmlns:p="http://schemas.openxmlformats.org/presentationml/2006/main">
+  <p:cSld>
+    <p:spTree>
+      <p:nvGrpSpPr>
+        <p:cNvPr id="1" name=""/>
+        <p:cNvGrpSpPr/>
+        <p:nvPr/>
+      </p:nvGrpSpPr>
+      <p:grpSpPr>
+        <a:xfrm>
+          <a:off x="0" y="0"/>
+          <a:ext cx="0" cy="0"/>
+          <a:chOff x="0" y="0"/>
+          <a:chExt cx="0" cy="0"/>
+        </a:xfrm>
+      </p:grpSpPr>
+      <p:sp>
+        <p:nvSpPr>
+          <p:cNvPr id="2" name="タイトル 1"/>
+          <p:cNvSpPr>
+            <a:spLocks noGrp="1"/>
+          </p:cNvSpPr>
+          <p:nvPr>
+            <p:ph type="title"/>
+          </p:nvPr>
+        </p:nvSpPr>
+        <p:spPr/>
+        <p:txBody>
+          <a:bodyPr/>
+          <a:lstStyle/>
+          <a:p>
+            <a:r>
+              <a:rPr lang="ja-JP" altLang="en-US" dirty="0" smtClean="0"/>
+              <a:t>ゲームオーバー条件</a:t>
+            </a:r>
+            <a:endParaRPr kumimoji="1" lang="ja-JP" altLang="en-US" dirty="0"/>
+          </a:p>
+        </p:txBody>
+      </p:sp>
+      <p:sp>
+        <p:nvSpPr>
+          <p:cNvPr id="3" name="タイトル 1"/>
+          <p:cNvSpPr txBox="1">
+            <a:spLocks/>
+          </p:cNvSpPr>
+          <p:nvPr/>
+        </p:nvSpPr>
+        <p:spPr>
+          <a:xfrm>
+            <a:off x="838200" y="1690688"/>
+            <a:ext cx="10515600" cy="4950744"/>
+          </a:xfrm>
+          <a:prstGeom prst="rect">
+            <a:avLst/>
+          </a:prstGeom>
+        </p:spPr>
+        <p:txBody>
+          <a:bodyPr vert="horz" lIns="91440" tIns="45720" rIns="91440" bIns="45720" rtlCol="0" anchor="ctr">
+            <a:normAutofit/>
+          </a:bodyPr>
+          <a:lstStyle>
+            <a:lvl1pPr algn="l" defTabSz="914400" rtl="0" eaLnBrk="1" latinLnBrk="0" hangingPunct="1">
+              <a:lnSpc>
+                <a:spcPct val="90000"/>
+              </a:lnSpc>
+              <a:spcBef>
+                <a:spcPct val="0"/>
+              </a:spcBef>
+              <a:buNone/>
+              <a:defRPr kumimoji="1" sz="4400" kern="1200">
+                <a:solidFill>
+                  <a:schemeClr val="tx1"/>
+                </a:solidFill>
+                <a:latin typeface="+mj-lt"/>
+                <a:ea typeface="+mj-ea"/>
+                <a:cs typeface="+mj-cs"/>
+              </a:defRPr>
+            </a:lvl1pPr>
+          </a:lstStyle>
+          <a:p>
+            <a:pPr>
+              <a:lnSpc>
+                <a:spcPct val="100000"/>
+              </a:lnSpc>
+            </a:pPr>
+            <a:r>
               <a:rPr lang="en-US" altLang="ja-JP" sz="2400" dirty="0" smtClean="0"/>
               <a:t>1.BMI</a:t>
             </a:r>
@@ -4568,7 +5184,7 @@
 </p:sld>
 </file>
 
-<file path=ppt/slides/slide14.xml><?xml version="1.0" encoding="utf-8"?>
+<file path=ppt/slides/slide15.xml><?xml version="1.0" encoding="utf-8"?>
 <p:sld xmlns:a="http://schemas.openxmlformats.org/drawingml/2006/main" xmlns:r="http://schemas.openxmlformats.org/officeDocument/2006/relationships" xmlns:p="http://schemas.openxmlformats.org/presentationml/2006/main">
   <p:cSld>
     <p:spTree>
@@ -5286,7 +5902,7 @@
 </p:sld>
 </file>
 
-<file path=ppt/slides/slide15.xml><?xml version="1.0" encoding="utf-8"?>
+<file path=ppt/slides/slide16.xml><?xml version="1.0" encoding="utf-8"?>
 <p:sld xmlns:a="http://schemas.openxmlformats.org/drawingml/2006/main" xmlns:r="http://schemas.openxmlformats.org/officeDocument/2006/relationships" xmlns:p="http://schemas.openxmlformats.org/presentationml/2006/main">
   <p:cSld>
     <p:spTree>
@@ -5979,6 +6595,186 @@
           <a:lstStyle/>
           <a:p>
             <a:r>
+              <a:rPr lang="ja-JP" altLang="en-US" dirty="0" smtClean="0"/>
+              <a:t>世界設定</a:t>
+            </a:r>
+            <a:r>
+              <a:rPr lang="ja-JP" altLang="en-US" dirty="0" smtClean="0"/>
+              <a:t>（</a:t>
+            </a:r>
+            <a:r>
+              <a:rPr lang="ja-JP" altLang="en-US" dirty="0"/>
+              <a:t>ベルト</a:t>
+            </a:r>
+            <a:r>
+              <a:rPr lang="ja-JP" altLang="en-US" dirty="0" smtClean="0"/>
+              <a:t>）</a:t>
+            </a:r>
+            <a:endParaRPr kumimoji="1" lang="ja-JP" altLang="en-US" dirty="0"/>
+          </a:p>
+        </p:txBody>
+      </p:sp>
+      <p:sp>
+        <p:nvSpPr>
+          <p:cNvPr id="3" name="タイトル 1"/>
+          <p:cNvSpPr txBox="1">
+            <a:spLocks/>
+          </p:cNvSpPr>
+          <p:nvPr/>
+        </p:nvSpPr>
+        <p:spPr>
+          <a:xfrm>
+            <a:off x="838200" y="1690688"/>
+            <a:ext cx="10515600" cy="1902744"/>
+          </a:xfrm>
+          <a:prstGeom prst="rect">
+            <a:avLst/>
+          </a:prstGeom>
+        </p:spPr>
+        <p:txBody>
+          <a:bodyPr vert="horz" lIns="91440" tIns="45720" rIns="91440" bIns="45720" rtlCol="0" anchor="ctr">
+            <a:normAutofit/>
+          </a:bodyPr>
+          <a:lstStyle>
+            <a:lvl1pPr algn="l" defTabSz="914400" rtl="0" eaLnBrk="1" latinLnBrk="0" hangingPunct="1">
+              <a:lnSpc>
+                <a:spcPct val="90000"/>
+              </a:lnSpc>
+              <a:spcBef>
+                <a:spcPct val="0"/>
+              </a:spcBef>
+              <a:buNone/>
+              <a:defRPr kumimoji="1" sz="4400" kern="1200">
+                <a:solidFill>
+                  <a:schemeClr val="tx1"/>
+                </a:solidFill>
+                <a:latin typeface="+mj-lt"/>
+                <a:ea typeface="+mj-ea"/>
+                <a:cs typeface="+mj-cs"/>
+              </a:defRPr>
+            </a:lvl1pPr>
+          </a:lstStyle>
+          <a:p>
+            <a:pPr>
+              <a:lnSpc>
+                <a:spcPct val="100000"/>
+              </a:lnSpc>
+            </a:pPr>
+            <a:r>
+              <a:rPr lang="ja-JP" altLang="en-US" sz="2400" dirty="0" smtClean="0"/>
+              <a:t>ベルトっぽい形になっている。</a:t>
+            </a:r>
+            <a:endParaRPr lang="en-US" altLang="ja-JP" sz="2400" dirty="0" smtClean="0"/>
+          </a:p>
+          <a:p>
+            <a:pPr>
+              <a:lnSpc>
+                <a:spcPct val="100000"/>
+              </a:lnSpc>
+            </a:pPr>
+            <a:r>
+              <a:rPr lang="ja-JP" altLang="en-US" sz="2400" dirty="0" smtClean="0"/>
+              <a:t>お</a:t>
+            </a:r>
+            <a:r>
+              <a:rPr lang="ja-JP" altLang="en-US" sz="2400" dirty="0"/>
+              <a:t>腹</a:t>
+            </a:r>
+            <a:r>
+              <a:rPr lang="ja-JP" altLang="en-US" sz="2400" dirty="0" smtClean="0"/>
+              <a:t>にあてると勝手にベルトがまかれる。</a:t>
+            </a:r>
+            <a:endParaRPr lang="en-US" altLang="ja-JP" sz="2400" dirty="0" smtClean="0"/>
+          </a:p>
+        </p:txBody>
+      </p:sp>
+      <p:sp>
+        <p:nvSpPr>
+          <p:cNvPr id="4" name="フローチャート: 処理 3"/>
+          <p:cNvSpPr/>
+          <p:nvPr/>
+        </p:nvSpPr>
+        <p:spPr>
+          <a:xfrm>
+            <a:off x="3826041" y="3574256"/>
+            <a:ext cx="3529263" cy="465221"/>
+          </a:xfrm>
+          <a:prstGeom prst="flowChartProcess">
+            <a:avLst/>
+          </a:prstGeom>
+          <a:ln>
+            <a:noFill/>
+          </a:ln>
+        </p:spPr>
+        <p:style>
+          <a:lnRef idx="2">
+            <a:schemeClr val="accent6"/>
+          </a:lnRef>
+          <a:fillRef idx="1">
+            <a:schemeClr val="lt1"/>
+          </a:fillRef>
+          <a:effectRef idx="0">
+            <a:schemeClr val="accent6"/>
+          </a:effectRef>
+          <a:fontRef idx="minor">
+            <a:schemeClr val="dk1"/>
+          </a:fontRef>
+        </p:style>
+        <p:txBody>
+          <a:bodyPr rtlCol="0" anchor="ctr"/>
+          <a:lstStyle/>
+          <a:p>
+            <a:pPr algn="ctr"/>
+            <a:endParaRPr kumimoji="1" lang="ja-JP" altLang="en-US" dirty="0"/>
+          </a:p>
+        </p:txBody>
+      </p:sp>
+    </p:spTree>
+    <p:extLst>
+      <p:ext uri="{BB962C8B-B14F-4D97-AF65-F5344CB8AC3E}">
+        <p14:creationId xmlns:p14="http://schemas.microsoft.com/office/powerpoint/2010/main" val="3378246907"/>
+      </p:ext>
+    </p:extLst>
+  </p:cSld>
+  <p:clrMapOvr>
+    <a:masterClrMapping/>
+  </p:clrMapOvr>
+</p:sld>
+</file>
+
+<file path=ppt/slides/slide4.xml><?xml version="1.0" encoding="utf-8"?>
+<p:sld xmlns:a="http://schemas.openxmlformats.org/drawingml/2006/main" xmlns:r="http://schemas.openxmlformats.org/officeDocument/2006/relationships" xmlns:p="http://schemas.openxmlformats.org/presentationml/2006/main">
+  <p:cSld>
+    <p:spTree>
+      <p:nvGrpSpPr>
+        <p:cNvPr id="1" name=""/>
+        <p:cNvGrpSpPr/>
+        <p:nvPr/>
+      </p:nvGrpSpPr>
+      <p:grpSpPr>
+        <a:xfrm>
+          <a:off x="0" y="0"/>
+          <a:ext cx="0" cy="0"/>
+          <a:chOff x="0" y="0"/>
+          <a:chExt cx="0" cy="0"/>
+        </a:xfrm>
+      </p:grpSpPr>
+      <p:sp>
+        <p:nvSpPr>
+          <p:cNvPr id="2" name="タイトル 1"/>
+          <p:cNvSpPr>
+            <a:spLocks noGrp="1"/>
+          </p:cNvSpPr>
+          <p:nvPr>
+            <p:ph type="title"/>
+          </p:nvPr>
+        </p:nvSpPr>
+        <p:spPr/>
+        <p:txBody>
+          <a:bodyPr/>
+          <a:lstStyle/>
+          <a:p>
+            <a:r>
               <a:rPr kumimoji="1" lang="ja-JP" altLang="en-US" dirty="0" smtClean="0"/>
               <a:t>フロー</a:t>
             </a:r>
@@ -6743,7 +7539,7 @@
 </p:sld>
 </file>
 
-<file path=ppt/slides/slide4.xml><?xml version="1.0" encoding="utf-8"?>
+<file path=ppt/slides/slide5.xml><?xml version="1.0" encoding="utf-8"?>
 <p:sld xmlns:a="http://schemas.openxmlformats.org/drawingml/2006/main" xmlns:r="http://schemas.openxmlformats.org/officeDocument/2006/relationships" xmlns:p="http://schemas.openxmlformats.org/presentationml/2006/main">
   <p:cSld>
     <p:spTree>
@@ -7176,231 +7972,6 @@
 </p:sld>
 </file>
 
-<file path=ppt/slides/slide5.xml><?xml version="1.0" encoding="utf-8"?>
-<p:sld xmlns:a="http://schemas.openxmlformats.org/drawingml/2006/main" xmlns:r="http://schemas.openxmlformats.org/officeDocument/2006/relationships" xmlns:p="http://schemas.openxmlformats.org/presentationml/2006/main">
-  <p:cSld>
-    <p:spTree>
-      <p:nvGrpSpPr>
-        <p:cNvPr id="1" name=""/>
-        <p:cNvGrpSpPr/>
-        <p:nvPr/>
-      </p:nvGrpSpPr>
-      <p:grpSpPr>
-        <a:xfrm>
-          <a:off x="0" y="0"/>
-          <a:ext cx="0" cy="0"/>
-          <a:chOff x="0" y="0"/>
-          <a:chExt cx="0" cy="0"/>
-        </a:xfrm>
-      </p:grpSpPr>
-      <p:sp>
-        <p:nvSpPr>
-          <p:cNvPr id="2" name="タイトル 1"/>
-          <p:cNvSpPr>
-            <a:spLocks noGrp="1"/>
-          </p:cNvSpPr>
-          <p:nvPr>
-            <p:ph type="title"/>
-          </p:nvPr>
-        </p:nvSpPr>
-        <p:spPr/>
-        <p:txBody>
-          <a:bodyPr/>
-          <a:lstStyle/>
-          <a:p>
-            <a:r>
-              <a:rPr kumimoji="1" lang="ja-JP" altLang="en-US" dirty="0" smtClean="0"/>
-              <a:t>エネミー種類・体力</a:t>
-            </a:r>
-            <a:endParaRPr kumimoji="1" lang="ja-JP" altLang="en-US" dirty="0"/>
-          </a:p>
-        </p:txBody>
-      </p:sp>
-      <p:sp>
-        <p:nvSpPr>
-          <p:cNvPr id="3" name="タイトル 1"/>
-          <p:cNvSpPr txBox="1">
-            <a:spLocks/>
-          </p:cNvSpPr>
-          <p:nvPr/>
-        </p:nvSpPr>
-        <p:spPr>
-          <a:xfrm>
-            <a:off x="838200" y="1690688"/>
-            <a:ext cx="10515600" cy="4950744"/>
-          </a:xfrm>
-          <a:prstGeom prst="rect">
-            <a:avLst/>
-          </a:prstGeom>
-        </p:spPr>
-        <p:txBody>
-          <a:bodyPr vert="horz" lIns="91440" tIns="45720" rIns="91440" bIns="45720" rtlCol="0" anchor="ctr">
-            <a:normAutofit/>
-          </a:bodyPr>
-          <a:lstStyle>
-            <a:lvl1pPr algn="l" defTabSz="914400" rtl="0" eaLnBrk="1" latinLnBrk="0" hangingPunct="1">
-              <a:lnSpc>
-                <a:spcPct val="90000"/>
-              </a:lnSpc>
-              <a:spcBef>
-                <a:spcPct val="0"/>
-              </a:spcBef>
-              <a:buNone/>
-              <a:defRPr kumimoji="1" sz="4400" kern="1200">
-                <a:solidFill>
-                  <a:schemeClr val="tx1"/>
-                </a:solidFill>
-                <a:latin typeface="+mj-lt"/>
-                <a:ea typeface="+mj-ea"/>
-                <a:cs typeface="+mj-cs"/>
-              </a:defRPr>
-            </a:lvl1pPr>
-          </a:lstStyle>
-          <a:p>
-            <a:pPr>
-              <a:lnSpc>
-                <a:spcPct val="100000"/>
-              </a:lnSpc>
-            </a:pPr>
-            <a:r>
-              <a:rPr lang="ja-JP" altLang="en-US" sz="2400" dirty="0" smtClean="0"/>
-              <a:t>エネミーは体力が</a:t>
-            </a:r>
-            <a:r>
-              <a:rPr lang="en-US" altLang="ja-JP" sz="2400" dirty="0" smtClean="0"/>
-              <a:t>0</a:t>
-            </a:r>
-            <a:r>
-              <a:rPr lang="ja-JP" altLang="en-US" sz="2400" dirty="0" smtClean="0"/>
-              <a:t>になると更生する。（倒すとかではない）</a:t>
-            </a:r>
-            <a:endParaRPr lang="en-US" altLang="ja-JP" sz="2400" dirty="0" smtClean="0"/>
-          </a:p>
-          <a:p>
-            <a:pPr>
-              <a:lnSpc>
-                <a:spcPct val="100000"/>
-              </a:lnSpc>
-            </a:pPr>
-            <a:endParaRPr lang="en-US" altLang="ja-JP" sz="2400" dirty="0"/>
-          </a:p>
-          <a:p>
-            <a:pPr>
-              <a:lnSpc>
-                <a:spcPct val="100000"/>
-              </a:lnSpc>
-            </a:pPr>
-            <a:r>
-              <a:rPr lang="ja-JP" altLang="en-US" sz="2400" dirty="0" smtClean="0"/>
-              <a:t>ミーハー（雑魚）：　いじめっこ（とりまき）</a:t>
-            </a:r>
-            <a:endParaRPr lang="en-US" altLang="ja-JP" sz="2400" dirty="0" smtClean="0"/>
-          </a:p>
-          <a:p>
-            <a:pPr>
-              <a:lnSpc>
-                <a:spcPct val="100000"/>
-              </a:lnSpc>
-            </a:pPr>
-            <a:r>
-              <a:rPr lang="en-US" altLang="ja-JP" sz="2400" dirty="0" smtClean="0"/>
-              <a:t>2</a:t>
-            </a:r>
-            <a:r>
-              <a:rPr lang="en-US" altLang="ja-JP" sz="2400" dirty="0"/>
-              <a:t>5</a:t>
-            </a:r>
-            <a:endParaRPr lang="en-US" altLang="ja-JP" sz="2400" dirty="0" smtClean="0"/>
-          </a:p>
-          <a:p>
-            <a:pPr>
-              <a:lnSpc>
-                <a:spcPct val="100000"/>
-              </a:lnSpc>
-            </a:pPr>
-            <a:endParaRPr lang="en-US" altLang="ja-JP" sz="2400" dirty="0"/>
-          </a:p>
-          <a:p>
-            <a:pPr>
-              <a:lnSpc>
-                <a:spcPct val="100000"/>
-              </a:lnSpc>
-            </a:pPr>
-            <a:r>
-              <a:rPr lang="ja-JP" altLang="en-US" sz="2400" dirty="0" smtClean="0"/>
-              <a:t>リーダー（ステージボス）：　いじめっこ（ボス）</a:t>
-            </a:r>
-            <a:endParaRPr lang="en-US" altLang="ja-JP" sz="2400" dirty="0" smtClean="0"/>
-          </a:p>
-          <a:p>
-            <a:pPr>
-              <a:lnSpc>
-                <a:spcPct val="100000"/>
-              </a:lnSpc>
-            </a:pPr>
-            <a:r>
-              <a:rPr lang="en-US" altLang="ja-JP" sz="2400" dirty="0" smtClean="0"/>
-              <a:t>100</a:t>
-            </a:r>
-          </a:p>
-          <a:p>
-            <a:pPr>
-              <a:lnSpc>
-                <a:spcPct val="100000"/>
-              </a:lnSpc>
-            </a:pPr>
-            <a:endParaRPr lang="en-US" altLang="ja-JP" sz="2400" dirty="0"/>
-          </a:p>
-          <a:p>
-            <a:pPr>
-              <a:lnSpc>
-                <a:spcPct val="100000"/>
-              </a:lnSpc>
-            </a:pPr>
-            <a:r>
-              <a:rPr lang="ja-JP" altLang="en-US" sz="2400" dirty="0" smtClean="0"/>
-              <a:t>委員長（ラスボス）：　いじめっこ（黒幕）</a:t>
-            </a:r>
-            <a:endParaRPr lang="en-US" altLang="ja-JP" sz="2400" dirty="0" smtClean="0"/>
-          </a:p>
-          <a:p>
-            <a:pPr>
-              <a:lnSpc>
-                <a:spcPct val="100000"/>
-              </a:lnSpc>
-            </a:pPr>
-            <a:r>
-              <a:rPr lang="en-US" altLang="ja-JP" sz="2400" dirty="0" smtClean="0"/>
-              <a:t>1000</a:t>
-            </a:r>
-            <a:r>
-              <a:rPr lang="en-US" altLang="ja-JP" sz="2400" dirty="0"/>
-              <a:t>0</a:t>
-            </a:r>
-          </a:p>
-          <a:p>
-            <a:pPr>
-              <a:lnSpc>
-                <a:spcPct val="100000"/>
-              </a:lnSpc>
-            </a:pPr>
-            <a:endParaRPr lang="en-US" altLang="ja-JP" sz="2400" dirty="0" smtClean="0"/>
-          </a:p>
-        </p:txBody>
-      </p:sp>
-    </p:spTree>
-    <p:extLst>
-      <p:ext uri="{BB962C8B-B14F-4D97-AF65-F5344CB8AC3E}">
-        <p14:creationId xmlns:p14="http://schemas.microsoft.com/office/powerpoint/2010/main" val="2408991993"/>
-      </p:ext>
-    </p:extLst>
-  </p:cSld>
-  <p:clrMapOvr>
-    <a:masterClrMapping/>
-  </p:clrMapOvr>
-</p:sld>
-</file>
-
 <file path=ppt/slides/slide6.xml><?xml version="1.0" encoding="utf-8"?>
 <p:sld xmlns:a="http://schemas.openxmlformats.org/drawingml/2006/main" xmlns:r="http://schemas.openxmlformats.org/officeDocument/2006/relationships" xmlns:p="http://schemas.openxmlformats.org/presentationml/2006/main">
   <p:cSld>
@@ -7435,7 +8006,7 @@
           <a:p>
             <a:r>
               <a:rPr kumimoji="1" lang="ja-JP" altLang="en-US" dirty="0" smtClean="0"/>
-              <a:t>プレイヤー更生力（攻撃力）</a:t>
+              <a:t>エネミー種類・体力</a:t>
             </a:r>
             <a:endParaRPr kumimoji="1" lang="ja-JP" altLang="en-US" dirty="0"/>
           </a:p>
@@ -7489,165 +8060,119 @@
             </a:pPr>
             <a:r>
               <a:rPr lang="ja-JP" altLang="en-US" sz="2400" dirty="0" smtClean="0"/>
-              <a:t>攻撃パターン：　ジャブ→ジャブ→ストレート</a:t>
-            </a:r>
-            <a:endParaRPr lang="en-US" altLang="ja-JP" sz="2400" dirty="0" smtClean="0"/>
-          </a:p>
-          <a:p>
-            <a:pPr>
-              <a:lnSpc>
-                <a:spcPct val="100000"/>
-              </a:lnSpc>
-            </a:pPr>
-            <a:r>
-              <a:rPr lang="ja-JP" altLang="en-US" sz="2400" dirty="0" smtClean="0"/>
-              <a:t>攻撃レベル</a:t>
-            </a:r>
-            <a:r>
-              <a:rPr lang="en-US" altLang="ja-JP" sz="2400" dirty="0" smtClean="0"/>
-              <a:t>1</a:t>
-            </a:r>
-            <a:r>
-              <a:rPr lang="ja-JP" altLang="en-US" sz="2400" dirty="0" smtClean="0"/>
-              <a:t>：　</a:t>
-            </a:r>
-            <a:r>
-              <a:rPr lang="en-US" altLang="ja-JP" sz="2400" dirty="0" smtClean="0"/>
-              <a:t>1</a:t>
-            </a:r>
-            <a:r>
-              <a:rPr lang="ja-JP" altLang="en-US" sz="2400" dirty="0" smtClean="0"/>
-              <a:t>→</a:t>
-            </a:r>
-            <a:r>
-              <a:rPr lang="en-US" altLang="ja-JP" sz="2400" dirty="0" smtClean="0"/>
-              <a:t>1</a:t>
-            </a:r>
-            <a:r>
-              <a:rPr lang="ja-JP" altLang="en-US" sz="2400" dirty="0" smtClean="0"/>
-              <a:t>→</a:t>
-            </a:r>
-            <a:r>
-              <a:rPr lang="en-US" altLang="ja-JP" sz="2400" dirty="0" smtClean="0"/>
-              <a:t>3</a:t>
-            </a:r>
-            <a:r>
-              <a:rPr lang="ja-JP" altLang="en-US" sz="2400" dirty="0" smtClean="0"/>
-              <a:t>　（合計：</a:t>
-            </a:r>
-            <a:r>
-              <a:rPr lang="en-US" altLang="ja-JP" sz="2400" dirty="0" smtClean="0"/>
+              <a:t>エネミーは体力が</a:t>
+            </a:r>
+            <a:r>
+              <a:rPr lang="en-US" altLang="ja-JP" sz="2400" dirty="0" smtClean="0"/>
+              <a:t>0</a:t>
+            </a:r>
+            <a:r>
+              <a:rPr lang="ja-JP" altLang="en-US" sz="2400" dirty="0" smtClean="0"/>
+              <a:t>になると更生する。（倒すとかではない）</a:t>
+            </a:r>
+            <a:endParaRPr lang="en-US" altLang="ja-JP" sz="2400" dirty="0" smtClean="0"/>
+          </a:p>
+          <a:p>
+            <a:pPr>
+              <a:lnSpc>
+                <a:spcPct val="100000"/>
+              </a:lnSpc>
+            </a:pPr>
+            <a:endParaRPr lang="en-US" altLang="ja-JP" sz="2400" dirty="0"/>
+          </a:p>
+          <a:p>
+            <a:pPr>
+              <a:lnSpc>
+                <a:spcPct val="100000"/>
+              </a:lnSpc>
+            </a:pPr>
+            <a:r>
+              <a:rPr lang="ja-JP" altLang="en-US" sz="2400" dirty="0" smtClean="0"/>
+              <a:t>ミーハー（雑魚）：　いじめっこ（とりまき）</a:t>
+            </a:r>
+            <a:endParaRPr lang="en-US" altLang="ja-JP" sz="2400" dirty="0" smtClean="0"/>
+          </a:p>
+          <a:p>
+            <a:pPr>
+              <a:lnSpc>
+                <a:spcPct val="100000"/>
+              </a:lnSpc>
+            </a:pPr>
+            <a:r>
+              <a:rPr lang="en-US" altLang="ja-JP" sz="2400" dirty="0" smtClean="0"/>
+              <a:t>2</a:t>
+            </a:r>
+            <a:r>
+              <a:rPr lang="en-US" altLang="ja-JP" sz="2400" dirty="0"/>
               <a:t>5</a:t>
             </a:r>
-            <a:r>
-              <a:rPr lang="ja-JP" altLang="en-US" sz="2400" dirty="0" smtClean="0"/>
-              <a:t>）</a:t>
-            </a:r>
-            <a:endParaRPr lang="en-US" altLang="ja-JP" sz="2400" dirty="0" smtClean="0"/>
-          </a:p>
-          <a:p>
-            <a:pPr>
-              <a:lnSpc>
-                <a:spcPct val="100000"/>
-              </a:lnSpc>
-            </a:pPr>
-            <a:r>
-              <a:rPr lang="ja-JP" altLang="en-US" sz="2400" dirty="0" smtClean="0"/>
-              <a:t>攻撃レベル</a:t>
-            </a:r>
-            <a:r>
-              <a:rPr lang="en-US" altLang="ja-JP" sz="2400" dirty="0" smtClean="0"/>
-              <a:t>2</a:t>
-            </a:r>
-            <a:r>
-              <a:rPr lang="ja-JP" altLang="en-US" sz="2400" dirty="0" smtClean="0"/>
-              <a:t>：　</a:t>
-            </a:r>
-            <a:r>
-              <a:rPr lang="en-US" altLang="ja-JP" sz="2400" dirty="0" smtClean="0"/>
-              <a:t>2</a:t>
-            </a:r>
-            <a:r>
-              <a:rPr lang="ja-JP" altLang="en-US" sz="2400" dirty="0" smtClean="0"/>
-              <a:t>→</a:t>
-            </a:r>
-            <a:r>
-              <a:rPr lang="en-US" altLang="ja-JP" sz="2400" dirty="0" smtClean="0"/>
-              <a:t>2</a:t>
-            </a:r>
-            <a:r>
-              <a:rPr lang="ja-JP" altLang="en-US" sz="2400" dirty="0" smtClean="0"/>
-              <a:t>→</a:t>
-            </a:r>
-            <a:r>
-              <a:rPr lang="en-US" altLang="ja-JP" sz="2400" dirty="0" smtClean="0"/>
-              <a:t>6</a:t>
-            </a:r>
-            <a:r>
-              <a:rPr lang="ja-JP" altLang="en-US" sz="2400" dirty="0" smtClean="0"/>
-              <a:t>　（合計：</a:t>
-            </a:r>
-            <a:r>
-              <a:rPr lang="en-US" altLang="ja-JP" sz="2400" dirty="0" smtClean="0"/>
-              <a:t>10</a:t>
-            </a:r>
-            <a:r>
-              <a:rPr lang="ja-JP" altLang="en-US" sz="2400" dirty="0" smtClean="0"/>
-              <a:t>）</a:t>
-            </a:r>
-            <a:endParaRPr lang="en-US" altLang="ja-JP" sz="2400" dirty="0" smtClean="0"/>
-          </a:p>
-          <a:p>
-            <a:pPr>
-              <a:lnSpc>
-                <a:spcPct val="100000"/>
-              </a:lnSpc>
-            </a:pPr>
-            <a:r>
-              <a:rPr lang="ja-JP" altLang="en-US" sz="2400" dirty="0" smtClean="0"/>
-              <a:t>攻撃レベル</a:t>
-            </a:r>
-            <a:r>
-              <a:rPr lang="en-US" altLang="ja-JP" sz="2400" dirty="0" smtClean="0"/>
-              <a:t>3</a:t>
-            </a:r>
-            <a:r>
-              <a:rPr lang="ja-JP" altLang="en-US" sz="2400" dirty="0" smtClean="0"/>
-              <a:t>：　</a:t>
-            </a:r>
-            <a:r>
-              <a:rPr lang="en-US" altLang="ja-JP" sz="2400" dirty="0" smtClean="0"/>
-              <a:t>5</a:t>
-            </a:r>
-            <a:r>
-              <a:rPr lang="ja-JP" altLang="en-US" sz="2400" dirty="0" smtClean="0"/>
-              <a:t>→</a:t>
-            </a:r>
-            <a:r>
-              <a:rPr lang="en-US" altLang="ja-JP" sz="2400" dirty="0" smtClean="0"/>
-              <a:t>5</a:t>
-            </a:r>
-            <a:r>
-              <a:rPr lang="ja-JP" altLang="en-US" sz="2400" dirty="0" smtClean="0"/>
-              <a:t>→</a:t>
-            </a:r>
-            <a:r>
-              <a:rPr lang="en-US" altLang="ja-JP" sz="2400" dirty="0" smtClean="0"/>
-              <a:t>10 </a:t>
-            </a:r>
-            <a:r>
-              <a:rPr lang="ja-JP" altLang="en-US" sz="2400" dirty="0" smtClean="0"/>
-              <a:t>（合計：</a:t>
-            </a:r>
-            <a:r>
-              <a:rPr lang="en-US" altLang="ja-JP" sz="2400" dirty="0" smtClean="0"/>
-              <a:t>20</a:t>
-            </a:r>
-            <a:r>
-              <a:rPr lang="ja-JP" altLang="en-US" sz="2400" dirty="0" smtClean="0"/>
-              <a:t>）</a:t>
-            </a:r>
+            <a:endParaRPr lang="en-US" altLang="ja-JP" sz="2400" dirty="0" smtClean="0"/>
+          </a:p>
+          <a:p>
+            <a:pPr>
+              <a:lnSpc>
+                <a:spcPct val="100000"/>
+              </a:lnSpc>
+            </a:pPr>
             <a:endParaRPr lang="en-US" altLang="ja-JP" sz="2400" dirty="0"/>
+          </a:p>
+          <a:p>
+            <a:pPr>
+              <a:lnSpc>
+                <a:spcPct val="100000"/>
+              </a:lnSpc>
+            </a:pPr>
+            <a:r>
+              <a:rPr lang="ja-JP" altLang="en-US" sz="2400" dirty="0" smtClean="0"/>
+              <a:t>リーダー（ステージボス）：　いじめっこ（ボス）</a:t>
+            </a:r>
+            <a:endParaRPr lang="en-US" altLang="ja-JP" sz="2400" dirty="0" smtClean="0"/>
+          </a:p>
+          <a:p>
+            <a:pPr>
+              <a:lnSpc>
+                <a:spcPct val="100000"/>
+              </a:lnSpc>
+            </a:pPr>
+            <a:r>
+              <a:rPr lang="en-US" altLang="ja-JP" sz="2400" dirty="0" smtClean="0"/>
+              <a:t>100</a:t>
+            </a:r>
+          </a:p>
+          <a:p>
+            <a:pPr>
+              <a:lnSpc>
+                <a:spcPct val="100000"/>
+              </a:lnSpc>
+            </a:pPr>
+            <a:endParaRPr lang="en-US" altLang="ja-JP" sz="2400" dirty="0"/>
+          </a:p>
+          <a:p>
+            <a:pPr>
+              <a:lnSpc>
+                <a:spcPct val="100000"/>
+              </a:lnSpc>
+            </a:pPr>
+            <a:r>
+              <a:rPr lang="ja-JP" altLang="en-US" sz="2400" dirty="0" smtClean="0"/>
+              <a:t>委員長（ラスボス）：　いじめっこ（黒幕）</a:t>
+            </a:r>
+            <a:endParaRPr lang="en-US" altLang="ja-JP" sz="2400" dirty="0" smtClean="0"/>
+          </a:p>
+          <a:p>
+            <a:pPr>
+              <a:lnSpc>
+                <a:spcPct val="100000"/>
+              </a:lnSpc>
+            </a:pPr>
+            <a:r>
+              <a:rPr lang="en-US" altLang="ja-JP" sz="2400" dirty="0" smtClean="0"/>
+              <a:t>1000</a:t>
+            </a:r>
+            <a:r>
+              <a:rPr lang="en-US" altLang="ja-JP" sz="2400" dirty="0"/>
+              <a:t>0</a:t>
+            </a:r>
           </a:p>
           <a:p>
             <a:pPr>
@@ -7662,7 +8187,7 @@
     </p:spTree>
     <p:extLst>
       <p:ext uri="{BB962C8B-B14F-4D97-AF65-F5344CB8AC3E}">
-        <p14:creationId xmlns:p14="http://schemas.microsoft.com/office/powerpoint/2010/main" val="2459265329"/>
+        <p14:creationId xmlns:p14="http://schemas.microsoft.com/office/powerpoint/2010/main" val="2408991993"/>
       </p:ext>
     </p:extLst>
   </p:cSld>
@@ -7706,7 +8231,7 @@
           <a:p>
             <a:r>
               <a:rPr kumimoji="1" lang="ja-JP" altLang="en-US" dirty="0" smtClean="0"/>
-              <a:t>プレイヤー攻撃力</a:t>
+              <a:t>プレイヤー更生力（攻撃力）</a:t>
             </a:r>
             <a:endParaRPr kumimoji="1" lang="ja-JP" altLang="en-US" dirty="0"/>
           </a:p>
@@ -7933,7 +8458,7 @@
     </p:spTree>
     <p:extLst>
       <p:ext uri="{BB962C8B-B14F-4D97-AF65-F5344CB8AC3E}">
-        <p14:creationId xmlns:p14="http://schemas.microsoft.com/office/powerpoint/2010/main" val="3443302226"/>
+        <p14:creationId xmlns:p14="http://schemas.microsoft.com/office/powerpoint/2010/main" val="2459265329"/>
       </p:ext>
     </p:extLst>
   </p:cSld>
@@ -7977,7 +8502,7 @@
           <a:p>
             <a:r>
               <a:rPr kumimoji="1" lang="ja-JP" altLang="en-US" dirty="0" smtClean="0"/>
-              <a:t>エネミー攻撃パターン・攻撃力</a:t>
+              <a:t>プレイヤー攻撃力</a:t>
             </a:r>
             <a:endParaRPr kumimoji="1" lang="ja-JP" altLang="en-US" dirty="0"/>
           </a:p>
@@ -8031,19 +8556,51 @@
             </a:pPr>
             <a:r>
               <a:rPr lang="ja-JP" altLang="en-US" sz="2400" dirty="0" smtClean="0"/>
-              <a:t>ミーハー</a:t>
-            </a:r>
-            <a:endParaRPr lang="en-US" altLang="ja-JP" sz="2400" dirty="0" smtClean="0"/>
-          </a:p>
-          <a:p>
-            <a:pPr>
-              <a:lnSpc>
-                <a:spcPct val="100000"/>
-              </a:lnSpc>
-            </a:pPr>
-            <a:r>
-              <a:rPr lang="ja-JP" altLang="en-US" sz="2400" dirty="0" smtClean="0"/>
-              <a:t>攻撃パターン：　チョッピングライト（</a:t>
+              <a:t>攻撃パターン：　ジャブ→ジャブ→ストレート</a:t>
+            </a:r>
+            <a:endParaRPr lang="en-US" altLang="ja-JP" sz="2400" dirty="0" smtClean="0"/>
+          </a:p>
+          <a:p>
+            <a:pPr>
+              <a:lnSpc>
+                <a:spcPct val="100000"/>
+              </a:lnSpc>
+            </a:pPr>
+            <a:r>
+              <a:rPr lang="ja-JP" altLang="en-US" sz="2400" dirty="0" smtClean="0"/>
+              <a:t>攻撃レベル</a:t>
+            </a:r>
+            <a:r>
+              <a:rPr lang="en-US" altLang="ja-JP" sz="2400" dirty="0" smtClean="0"/>
+              <a:t>1</a:t>
+            </a:r>
+            <a:r>
+              <a:rPr lang="ja-JP" altLang="en-US" sz="2400" dirty="0" smtClean="0"/>
+              <a:t>：　</a:t>
+            </a:r>
+            <a:r>
+              <a:rPr lang="en-US" altLang="ja-JP" sz="2400" dirty="0" smtClean="0"/>
+              <a:t>1</a:t>
+            </a:r>
+            <a:r>
+              <a:rPr lang="ja-JP" altLang="en-US" sz="2400" dirty="0" smtClean="0"/>
+              <a:t>→</a:t>
+            </a:r>
+            <a:r>
+              <a:rPr lang="en-US" altLang="ja-JP" sz="2400" dirty="0" smtClean="0"/>
+              <a:t>1</a:t>
+            </a:r>
+            <a:r>
+              <a:rPr lang="ja-JP" altLang="en-US" sz="2400" dirty="0" smtClean="0"/>
+              <a:t>→</a:t>
+            </a:r>
+            <a:r>
+              <a:rPr lang="en-US" altLang="ja-JP" sz="2400" dirty="0" smtClean="0"/>
+              <a:t>3</a:t>
+            </a:r>
+            <a:r>
+              <a:rPr lang="ja-JP" altLang="en-US" sz="2400" dirty="0" smtClean="0"/>
+              <a:t>　（合計：</a:t>
             </a:r>
             <a:r>
               <a:rPr lang="en-US" altLang="ja-JP" sz="2400" dirty="0" smtClean="0"/>
@@ -8061,179 +8618,103 @@
                 <a:spcPct val="100000"/>
               </a:lnSpc>
             </a:pPr>
+            <a:r>
+              <a:rPr lang="ja-JP" altLang="en-US" sz="2400" dirty="0" smtClean="0"/>
+              <a:t>攻撃レベル</a:t>
+            </a:r>
+            <a:r>
+              <a:rPr lang="en-US" altLang="ja-JP" sz="2400" dirty="0" smtClean="0"/>
+              <a:t>2</a:t>
+            </a:r>
+            <a:r>
+              <a:rPr lang="ja-JP" altLang="en-US" sz="2400" dirty="0" smtClean="0"/>
+              <a:t>：　</a:t>
+            </a:r>
+            <a:r>
+              <a:rPr lang="en-US" altLang="ja-JP" sz="2400" dirty="0" smtClean="0"/>
+              <a:t>2</a:t>
+            </a:r>
+            <a:r>
+              <a:rPr lang="ja-JP" altLang="en-US" sz="2400" dirty="0" smtClean="0"/>
+              <a:t>→</a:t>
+            </a:r>
+            <a:r>
+              <a:rPr lang="en-US" altLang="ja-JP" sz="2400" dirty="0" smtClean="0"/>
+              <a:t>2</a:t>
+            </a:r>
+            <a:r>
+              <a:rPr lang="ja-JP" altLang="en-US" sz="2400" dirty="0" smtClean="0"/>
+              <a:t>→</a:t>
+            </a:r>
+            <a:r>
+              <a:rPr lang="en-US" altLang="ja-JP" sz="2400" dirty="0" smtClean="0"/>
+              <a:t>6</a:t>
+            </a:r>
+            <a:r>
+              <a:rPr lang="ja-JP" altLang="en-US" sz="2400" dirty="0" smtClean="0"/>
+              <a:t>　（合計：</a:t>
+            </a:r>
+            <a:r>
+              <a:rPr lang="en-US" altLang="ja-JP" sz="2400" dirty="0" smtClean="0"/>
+              <a:t>10</a:t>
+            </a:r>
+            <a:r>
+              <a:rPr lang="ja-JP" altLang="en-US" sz="2400" dirty="0" smtClean="0"/>
+              <a:t>）</a:t>
+            </a:r>
+            <a:endParaRPr lang="en-US" altLang="ja-JP" sz="2400" dirty="0" smtClean="0"/>
+          </a:p>
+          <a:p>
+            <a:pPr>
+              <a:lnSpc>
+                <a:spcPct val="100000"/>
+              </a:lnSpc>
+            </a:pPr>
+            <a:r>
+              <a:rPr lang="ja-JP" altLang="en-US" sz="2400" dirty="0" smtClean="0"/>
+              <a:t>攻撃レベル</a:t>
+            </a:r>
+            <a:r>
+              <a:rPr lang="en-US" altLang="ja-JP" sz="2400" dirty="0" smtClean="0"/>
+              <a:t>3</a:t>
+            </a:r>
+            <a:r>
+              <a:rPr lang="ja-JP" altLang="en-US" sz="2400" dirty="0" smtClean="0"/>
+              <a:t>：　</a:t>
+            </a:r>
+            <a:r>
+              <a:rPr lang="en-US" altLang="ja-JP" sz="2400" dirty="0" smtClean="0"/>
+              <a:t>5</a:t>
+            </a:r>
+            <a:r>
+              <a:rPr lang="ja-JP" altLang="en-US" sz="2400" dirty="0" smtClean="0"/>
+              <a:t>→</a:t>
+            </a:r>
+            <a:r>
+              <a:rPr lang="en-US" altLang="ja-JP" sz="2400" dirty="0" smtClean="0"/>
+              <a:t>5</a:t>
+            </a:r>
+            <a:r>
+              <a:rPr lang="ja-JP" altLang="en-US" sz="2400" dirty="0" smtClean="0"/>
+              <a:t>→</a:t>
+            </a:r>
+            <a:r>
+              <a:rPr lang="en-US" altLang="ja-JP" sz="2400" dirty="0" smtClean="0"/>
+              <a:t>10 </a:t>
+            </a:r>
+            <a:r>
+              <a:rPr lang="ja-JP" altLang="en-US" sz="2400" dirty="0" smtClean="0"/>
+              <a:t>（合計：</a:t>
+            </a:r>
+            <a:r>
+              <a:rPr lang="en-US" altLang="ja-JP" sz="2400" dirty="0" smtClean="0"/>
+              <a:t>20</a:t>
+            </a:r>
+            <a:r>
+              <a:rPr lang="ja-JP" altLang="en-US" sz="2400" dirty="0" smtClean="0"/>
+              <a:t>）</a:t>
+            </a:r>
             <a:endParaRPr lang="en-US" altLang="ja-JP" sz="2400" dirty="0"/>
-          </a:p>
-          <a:p>
-            <a:pPr>
-              <a:lnSpc>
-                <a:spcPct val="100000"/>
-              </a:lnSpc>
-            </a:pPr>
-            <a:r>
-              <a:rPr lang="ja-JP" altLang="en-US" sz="2400" dirty="0" smtClean="0"/>
-              <a:t>リーダー</a:t>
-            </a:r>
-            <a:endParaRPr lang="en-US" altLang="ja-JP" sz="2400" dirty="0" smtClean="0"/>
-          </a:p>
-          <a:p>
-            <a:pPr>
-              <a:lnSpc>
-                <a:spcPct val="100000"/>
-              </a:lnSpc>
-            </a:pPr>
-            <a:r>
-              <a:rPr lang="ja-JP" altLang="en-US" sz="2400" dirty="0" smtClean="0"/>
-              <a:t>攻撃パターン</a:t>
-            </a:r>
-            <a:r>
-              <a:rPr lang="en-US" altLang="ja-JP" sz="2400" dirty="0" smtClean="0"/>
-              <a:t>1</a:t>
-            </a:r>
-            <a:r>
-              <a:rPr lang="ja-JP" altLang="en-US" sz="2400" dirty="0" smtClean="0"/>
-              <a:t>：　チョッピングライト（</a:t>
-            </a:r>
-            <a:r>
-              <a:rPr lang="en-US" altLang="ja-JP" sz="2400" dirty="0" smtClean="0"/>
-              <a:t>10</a:t>
-            </a:r>
-            <a:r>
-              <a:rPr lang="ja-JP" altLang="en-US" sz="2400" dirty="0" smtClean="0"/>
-              <a:t>）</a:t>
-            </a:r>
-            <a:endParaRPr lang="en-US" altLang="ja-JP" sz="2400" dirty="0" smtClean="0"/>
-          </a:p>
-          <a:p>
-            <a:pPr>
-              <a:lnSpc>
-                <a:spcPct val="100000"/>
-              </a:lnSpc>
-            </a:pPr>
-            <a:r>
-              <a:rPr lang="ja-JP" altLang="en-US" sz="2400" dirty="0" smtClean="0"/>
-              <a:t>攻撃パターン</a:t>
-            </a:r>
-            <a:r>
-              <a:rPr lang="en-US" altLang="ja-JP" sz="2400" dirty="0" smtClean="0"/>
-              <a:t>2</a:t>
-            </a:r>
-            <a:r>
-              <a:rPr lang="ja-JP" altLang="en-US" sz="2400" dirty="0" smtClean="0"/>
-              <a:t>：　ショルダータックル（</a:t>
-            </a:r>
-            <a:r>
-              <a:rPr lang="en-US" altLang="ja-JP" sz="2400" dirty="0" smtClean="0"/>
-              <a:t>20</a:t>
-            </a:r>
-            <a:r>
-              <a:rPr lang="ja-JP" altLang="en-US" sz="2400" dirty="0" smtClean="0"/>
-              <a:t>）</a:t>
-            </a:r>
-            <a:endParaRPr lang="en-US" altLang="ja-JP" sz="2400" dirty="0" smtClean="0"/>
-          </a:p>
-          <a:p>
-            <a:pPr>
-              <a:lnSpc>
-                <a:spcPct val="100000"/>
-              </a:lnSpc>
-            </a:pPr>
-            <a:endParaRPr lang="en-US" altLang="ja-JP" sz="2400" dirty="0"/>
-          </a:p>
-          <a:p>
-            <a:pPr>
-              <a:lnSpc>
-                <a:spcPct val="100000"/>
-              </a:lnSpc>
-            </a:pPr>
-            <a:r>
-              <a:rPr lang="ja-JP" altLang="en-US" sz="2400" dirty="0" smtClean="0"/>
-              <a:t>委員長</a:t>
-            </a:r>
-            <a:endParaRPr lang="en-US" altLang="ja-JP" sz="2400" dirty="0" smtClean="0"/>
-          </a:p>
-          <a:p>
-            <a:pPr>
-              <a:lnSpc>
-                <a:spcPct val="100000"/>
-              </a:lnSpc>
-            </a:pPr>
-            <a:r>
-              <a:rPr lang="ja-JP" altLang="en-US" sz="2400" dirty="0" smtClean="0"/>
-              <a:t>攻撃パターン</a:t>
-            </a:r>
-            <a:r>
-              <a:rPr lang="en-US" altLang="ja-JP" sz="2400" dirty="0" smtClean="0"/>
-              <a:t>1</a:t>
-            </a:r>
-            <a:r>
-              <a:rPr lang="ja-JP" altLang="en-US" sz="2400" dirty="0" smtClean="0"/>
-              <a:t>：　チョッピングライト（</a:t>
-            </a:r>
-            <a:r>
-              <a:rPr lang="en-US" altLang="ja-JP" sz="2400" dirty="0" smtClean="0"/>
-              <a:t>20</a:t>
-            </a:r>
-            <a:r>
-              <a:rPr lang="ja-JP" altLang="en-US" sz="2400" dirty="0" smtClean="0"/>
-              <a:t>）</a:t>
-            </a:r>
-            <a:endParaRPr lang="en-US" altLang="ja-JP" sz="2400" dirty="0" smtClean="0"/>
-          </a:p>
-          <a:p>
-            <a:pPr>
-              <a:lnSpc>
-                <a:spcPct val="100000"/>
-              </a:lnSpc>
-            </a:pPr>
-            <a:r>
-              <a:rPr lang="ja-JP" altLang="en-US" sz="2400" dirty="0" smtClean="0"/>
-              <a:t>攻撃パターン</a:t>
-            </a:r>
-            <a:r>
-              <a:rPr lang="en-US" altLang="ja-JP" sz="2400" dirty="0" smtClean="0"/>
-              <a:t>2</a:t>
-            </a:r>
-            <a:r>
-              <a:rPr lang="ja-JP" altLang="en-US" sz="2400" dirty="0" smtClean="0"/>
-              <a:t>：　ショルダータックル（</a:t>
-            </a:r>
-            <a:r>
-              <a:rPr lang="en-US" altLang="ja-JP" sz="2400" dirty="0" smtClean="0"/>
-              <a:t>40</a:t>
-            </a:r>
-            <a:r>
-              <a:rPr lang="ja-JP" altLang="en-US" sz="2400" dirty="0" smtClean="0"/>
-              <a:t>）</a:t>
-            </a:r>
-            <a:endParaRPr lang="en-US" altLang="ja-JP" sz="2400" dirty="0" smtClean="0"/>
-          </a:p>
-          <a:p>
-            <a:pPr>
-              <a:lnSpc>
-                <a:spcPct val="100000"/>
-              </a:lnSpc>
-            </a:pPr>
-            <a:r>
-              <a:rPr lang="ja-JP" altLang="en-US" sz="2400" dirty="0" smtClean="0"/>
-              <a:t>攻撃パターン</a:t>
-            </a:r>
-            <a:r>
-              <a:rPr lang="en-US" altLang="ja-JP" sz="2400" dirty="0" smtClean="0"/>
-              <a:t>3</a:t>
-            </a:r>
-            <a:r>
-              <a:rPr lang="ja-JP" altLang="en-US" sz="2400" dirty="0" smtClean="0"/>
-              <a:t>：　グランドスラップ（</a:t>
-            </a:r>
-            <a:r>
-              <a:rPr lang="en-US" altLang="ja-JP" sz="2400" dirty="0" smtClean="0"/>
-              <a:t>50</a:t>
-            </a:r>
-            <a:r>
-              <a:rPr lang="ja-JP" altLang="en-US" sz="2400" dirty="0" smtClean="0"/>
-              <a:t>）</a:t>
-            </a:r>
-            <a:endParaRPr lang="en-US" altLang="ja-JP" sz="2400" dirty="0" smtClean="0"/>
           </a:p>
           <a:p>
             <a:pPr>
@@ -8248,7 +8729,7 @@
     </p:spTree>
     <p:extLst>
       <p:ext uri="{BB962C8B-B14F-4D97-AF65-F5344CB8AC3E}">
-        <p14:creationId xmlns:p14="http://schemas.microsoft.com/office/powerpoint/2010/main" val="243877208"/>
+        <p14:creationId xmlns:p14="http://schemas.microsoft.com/office/powerpoint/2010/main" val="3443302226"/>
       </p:ext>
     </p:extLst>
   </p:cSld>
@@ -8292,7 +8773,7 @@
           <a:p>
             <a:r>
               <a:rPr kumimoji="1" lang="ja-JP" altLang="en-US" dirty="0" smtClean="0"/>
-              <a:t>ステージフロー・ステージクリア条件</a:t>
+              <a:t>エネミー攻撃パターン・攻撃力</a:t>
             </a:r>
             <a:endParaRPr kumimoji="1" lang="ja-JP" altLang="en-US" dirty="0"/>
           </a:p>
@@ -8346,16 +8827,28 @@
             </a:pPr>
             <a:r>
               <a:rPr lang="ja-JP" altLang="en-US" sz="2400" dirty="0" smtClean="0"/>
-              <a:t>ミーハー発生</a:t>
-            </a:r>
-            <a:endParaRPr lang="en-US" altLang="ja-JP" sz="2400" dirty="0" smtClean="0"/>
-          </a:p>
-          <a:p>
-            <a:pPr>
-              <a:lnSpc>
-                <a:spcPct val="100000"/>
-              </a:lnSpc>
-            </a:pPr>
+              <a:t>ミーハー</a:t>
+            </a:r>
+            <a:endParaRPr lang="en-US" altLang="ja-JP" sz="2400" dirty="0" smtClean="0"/>
+          </a:p>
+          <a:p>
+            <a:pPr>
+              <a:lnSpc>
+                <a:spcPct val="100000"/>
+              </a:lnSpc>
+            </a:pPr>
+            <a:r>
+              <a:rPr lang="ja-JP" altLang="en-US" sz="2400" dirty="0" smtClean="0"/>
+              <a:t>攻撃パターン：　チョッピングライト（</a:t>
+            </a:r>
+            <a:r>
+              <a:rPr lang="en-US" altLang="ja-JP" sz="2400" dirty="0" smtClean="0"/>
+              <a:t>5</a:t>
+            </a:r>
+            <a:r>
+              <a:rPr lang="ja-JP" altLang="en-US" sz="2400" dirty="0" smtClean="0"/>
+              <a:t>）</a:t>
+            </a:r>
             <a:endParaRPr lang="en-US" altLang="ja-JP" sz="2400" dirty="0" smtClean="0"/>
           </a:p>
           <a:p>
@@ -8372,6 +8865,74 @@
                 <a:spcPct val="100000"/>
               </a:lnSpc>
             </a:pPr>
+            <a:r>
+              <a:rPr lang="ja-JP" altLang="en-US" sz="2400" dirty="0" smtClean="0"/>
+              <a:t>リーダー</a:t>
+            </a:r>
+            <a:endParaRPr lang="en-US" altLang="ja-JP" sz="2400" dirty="0" smtClean="0"/>
+          </a:p>
+          <a:p>
+            <a:pPr>
+              <a:lnSpc>
+                <a:spcPct val="100000"/>
+              </a:lnSpc>
+            </a:pPr>
+            <a:r>
+              <a:rPr lang="ja-JP" altLang="en-US" sz="2400" dirty="0" smtClean="0"/>
+              <a:t>攻撃パターン</a:t>
+            </a:r>
+            <a:r>
+              <a:rPr lang="en-US" altLang="ja-JP" sz="2400" dirty="0" smtClean="0"/>
+              <a:t>1</a:t>
+            </a:r>
+            <a:r>
+              <a:rPr lang="ja-JP" altLang="en-US" sz="2400" dirty="0" smtClean="0"/>
+              <a:t>：　チョッピングライト（</a:t>
+            </a:r>
+            <a:r>
+              <a:rPr lang="en-US" altLang="ja-JP" sz="2400" dirty="0" smtClean="0"/>
+              <a:t>10</a:t>
+            </a:r>
+            <a:r>
+              <a:rPr lang="ja-JP" altLang="en-US" sz="2400" dirty="0" smtClean="0"/>
+              <a:t>）</a:t>
+            </a:r>
+            <a:endParaRPr lang="en-US" altLang="ja-JP" sz="2400" dirty="0" smtClean="0"/>
+          </a:p>
+          <a:p>
+            <a:pPr>
+              <a:lnSpc>
+                <a:spcPct val="100000"/>
+              </a:lnSpc>
+            </a:pPr>
+            <a:r>
+              <a:rPr lang="ja-JP" altLang="en-US" sz="2400" dirty="0" smtClean="0"/>
+              <a:t>攻撃パターン</a:t>
+            </a:r>
+            <a:r>
+              <a:rPr lang="en-US" altLang="ja-JP" sz="2400" dirty="0" smtClean="0"/>
+              <a:t>2</a:t>
+            </a:r>
+            <a:r>
+              <a:rPr lang="ja-JP" altLang="en-US" sz="2400" dirty="0" smtClean="0"/>
+              <a:t>：　ショルダータックル（</a:t>
+            </a:r>
+            <a:r>
+              <a:rPr lang="en-US" altLang="ja-JP" sz="2400" dirty="0" smtClean="0"/>
+              <a:t>20</a:t>
+            </a:r>
+            <a:r>
+              <a:rPr lang="ja-JP" altLang="en-US" sz="2400" dirty="0" smtClean="0"/>
+              <a:t>）</a:t>
+            </a:r>
+            <a:endParaRPr lang="en-US" altLang="ja-JP" sz="2400" dirty="0" smtClean="0"/>
+          </a:p>
+          <a:p>
+            <a:pPr>
+              <a:lnSpc>
+                <a:spcPct val="100000"/>
+              </a:lnSpc>
+            </a:pPr>
             <a:endParaRPr lang="en-US" altLang="ja-JP" sz="2400" dirty="0"/>
           </a:p>
           <a:p>
@@ -8382,366 +8943,108 @@
             </a:pPr>
             <a:r>
               <a:rPr lang="ja-JP" altLang="en-US" sz="2400" dirty="0" smtClean="0"/>
-              <a:t>リーダー発生</a:t>
-            </a:r>
-            <a:endParaRPr lang="en-US" altLang="ja-JP" sz="2400" dirty="0" smtClean="0"/>
-          </a:p>
-          <a:p>
-            <a:pPr>
-              <a:lnSpc>
-                <a:spcPct val="100000"/>
-              </a:lnSpc>
-            </a:pPr>
-            <a:endParaRPr lang="en-US" altLang="ja-JP" sz="2400" dirty="0"/>
-          </a:p>
-          <a:p>
-            <a:pPr>
-              <a:lnSpc>
-                <a:spcPct val="100000"/>
-              </a:lnSpc>
-            </a:pPr>
-            <a:endParaRPr lang="en-US" altLang="ja-JP" sz="2400" dirty="0" smtClean="0"/>
-          </a:p>
-          <a:p>
-            <a:pPr>
-              <a:lnSpc>
-                <a:spcPct val="100000"/>
-              </a:lnSpc>
-            </a:pPr>
-            <a:endParaRPr lang="en-US" altLang="ja-JP" sz="2400" dirty="0" smtClean="0"/>
-          </a:p>
-          <a:p>
-            <a:pPr>
-              <a:lnSpc>
-                <a:spcPct val="100000"/>
-              </a:lnSpc>
-            </a:pPr>
-            <a:r>
-              <a:rPr lang="ja-JP" altLang="en-US" sz="2400" dirty="0" smtClean="0"/>
-              <a:t>ステージ</a:t>
-            </a:r>
-            <a:r>
-              <a:rPr lang="ja-JP" altLang="en-US" sz="2400" dirty="0"/>
-              <a:t>クリア</a:t>
-            </a:r>
-            <a:endParaRPr lang="en-US" altLang="ja-JP" sz="2400" dirty="0" smtClean="0"/>
-          </a:p>
-        </p:txBody>
-      </p:sp>
-      <p:sp>
-        <p:nvSpPr>
-          <p:cNvPr id="4" name="下矢印 3"/>
-          <p:cNvSpPr/>
-          <p:nvPr/>
-        </p:nvSpPr>
-        <p:spPr>
-          <a:xfrm>
-            <a:off x="1026694" y="3016251"/>
-            <a:ext cx="256673" cy="941596"/>
-          </a:xfrm>
-          <a:prstGeom prst="downArrow">
-            <a:avLst/>
-          </a:prstGeom>
-        </p:spPr>
-        <p:style>
-          <a:lnRef idx="2">
-            <a:schemeClr val="accent1">
-              <a:shade val="50000"/>
-            </a:schemeClr>
-          </a:lnRef>
-          <a:fillRef idx="1">
-            <a:schemeClr val="accent1"/>
-          </a:fillRef>
-          <a:effectRef idx="0">
-            <a:schemeClr val="accent1"/>
-          </a:effectRef>
-          <a:fontRef idx="minor">
-            <a:schemeClr val="lt1"/>
-          </a:fontRef>
-        </p:style>
-        <p:txBody>
-          <a:bodyPr rtlCol="0" anchor="ctr"/>
-          <a:lstStyle/>
-          <a:p>
-            <a:pPr algn="ctr"/>
-            <a:endParaRPr kumimoji="1" lang="ja-JP" altLang="en-US"/>
-          </a:p>
-        </p:txBody>
-      </p:sp>
-      <p:sp>
-        <p:nvSpPr>
-          <p:cNvPr id="5" name="正方形/長方形 4"/>
-          <p:cNvSpPr/>
-          <p:nvPr/>
-        </p:nvSpPr>
-        <p:spPr>
-          <a:xfrm>
-            <a:off x="1398285" y="3572836"/>
-            <a:ext cx="1732547" cy="385011"/>
-          </a:xfrm>
-          <a:prstGeom prst="rect">
-            <a:avLst/>
-          </a:prstGeom>
-        </p:spPr>
-        <p:style>
-          <a:lnRef idx="2">
-            <a:schemeClr val="accent6"/>
-          </a:lnRef>
-          <a:fillRef idx="1">
-            <a:schemeClr val="lt1"/>
-          </a:fillRef>
-          <a:effectRef idx="0">
-            <a:schemeClr val="accent6"/>
-          </a:effectRef>
-          <a:fontRef idx="minor">
-            <a:schemeClr val="dk1"/>
-          </a:fontRef>
-        </p:style>
-        <p:txBody>
-          <a:bodyPr rtlCol="0" anchor="ctr"/>
-          <a:lstStyle/>
-          <a:p>
-            <a:pPr algn="ctr"/>
-            <a:r>
-              <a:rPr kumimoji="1" lang="ja-JP" altLang="en-US" dirty="0" smtClean="0"/>
-              <a:t>ミーハー全滅</a:t>
-            </a:r>
-            <a:endParaRPr kumimoji="1" lang="ja-JP" altLang="en-US" dirty="0"/>
-          </a:p>
-        </p:txBody>
-      </p:sp>
-      <p:sp>
-        <p:nvSpPr>
-          <p:cNvPr id="6" name="U ターン矢印 5"/>
-          <p:cNvSpPr/>
-          <p:nvPr/>
-        </p:nvSpPr>
-        <p:spPr>
-          <a:xfrm rot="5400000" flipH="1">
-            <a:off x="2716241" y="2520020"/>
-            <a:ext cx="813257" cy="780739"/>
-          </a:xfrm>
-          <a:prstGeom prst="uturnArrow">
-            <a:avLst>
-              <a:gd name="adj1" fmla="val 27055"/>
-              <a:gd name="adj2" fmla="val 25000"/>
-              <a:gd name="adj3" fmla="val 45547"/>
-              <a:gd name="adj4" fmla="val 43750"/>
-              <a:gd name="adj5" fmla="val 100000"/>
-            </a:avLst>
-          </a:prstGeom>
-        </p:spPr>
-        <p:style>
-          <a:lnRef idx="2">
-            <a:schemeClr val="accent1">
-              <a:shade val="50000"/>
-            </a:schemeClr>
-          </a:lnRef>
-          <a:fillRef idx="1">
-            <a:schemeClr val="accent1"/>
-          </a:fillRef>
-          <a:effectRef idx="0">
-            <a:schemeClr val="accent1"/>
-          </a:effectRef>
-          <a:fontRef idx="minor">
-            <a:schemeClr val="lt1"/>
-          </a:fontRef>
-        </p:style>
-        <p:txBody>
-          <a:bodyPr rtlCol="0" anchor="ctr"/>
-          <a:lstStyle/>
-          <a:p>
-            <a:pPr algn="ctr"/>
-            <a:endParaRPr kumimoji="1" lang="ja-JP" altLang="en-US">
-              <a:solidFill>
-                <a:schemeClr val="tx1"/>
-              </a:solidFill>
-            </a:endParaRPr>
-          </a:p>
-        </p:txBody>
-      </p:sp>
-      <p:sp>
-        <p:nvSpPr>
-          <p:cNvPr id="7" name="正方形/長方形 6"/>
-          <p:cNvSpPr/>
-          <p:nvPr/>
-        </p:nvSpPr>
-        <p:spPr>
-          <a:xfrm>
-            <a:off x="3674992" y="2923441"/>
-            <a:ext cx="1732547" cy="385011"/>
-          </a:xfrm>
-          <a:prstGeom prst="rect">
-            <a:avLst/>
-          </a:prstGeom>
-        </p:spPr>
-        <p:style>
-          <a:lnRef idx="2">
-            <a:schemeClr val="accent6"/>
-          </a:lnRef>
-          <a:fillRef idx="1">
-            <a:schemeClr val="lt1"/>
-          </a:fillRef>
-          <a:effectRef idx="0">
-            <a:schemeClr val="accent6"/>
-          </a:effectRef>
-          <a:fontRef idx="minor">
-            <a:schemeClr val="dk1"/>
-          </a:fontRef>
-        </p:style>
-        <p:txBody>
-          <a:bodyPr rtlCol="0" anchor="ctr"/>
-          <a:lstStyle/>
-          <a:p>
-            <a:pPr algn="ctr"/>
-            <a:r>
-              <a:rPr kumimoji="1" lang="ja-JP" altLang="en-US" dirty="0" smtClean="0"/>
-              <a:t>ミーハー更生</a:t>
-            </a:r>
-            <a:endParaRPr kumimoji="1" lang="ja-JP" altLang="en-US" dirty="0"/>
-          </a:p>
-        </p:txBody>
-      </p:sp>
-      <p:sp>
-        <p:nvSpPr>
-          <p:cNvPr id="8" name="下矢印 7"/>
-          <p:cNvSpPr/>
-          <p:nvPr/>
-        </p:nvSpPr>
-        <p:spPr>
-          <a:xfrm>
-            <a:off x="1026694" y="4443664"/>
-            <a:ext cx="256673" cy="941596"/>
-          </a:xfrm>
-          <a:prstGeom prst="downArrow">
-            <a:avLst/>
-          </a:prstGeom>
-        </p:spPr>
-        <p:style>
-          <a:lnRef idx="2">
-            <a:schemeClr val="accent1">
-              <a:shade val="50000"/>
-            </a:schemeClr>
-          </a:lnRef>
-          <a:fillRef idx="1">
-            <a:schemeClr val="accent1"/>
-          </a:fillRef>
-          <a:effectRef idx="0">
-            <a:schemeClr val="accent1"/>
-          </a:effectRef>
-          <a:fontRef idx="minor">
-            <a:schemeClr val="lt1"/>
-          </a:fontRef>
-        </p:style>
-        <p:txBody>
-          <a:bodyPr rtlCol="0" anchor="ctr"/>
-          <a:lstStyle/>
-          <a:p>
-            <a:pPr algn="ctr"/>
-            <a:endParaRPr kumimoji="1" lang="ja-JP" altLang="en-US"/>
-          </a:p>
-        </p:txBody>
-      </p:sp>
-      <p:sp>
-        <p:nvSpPr>
-          <p:cNvPr id="9" name="正方形/長方形 8"/>
-          <p:cNvSpPr/>
-          <p:nvPr/>
-        </p:nvSpPr>
-        <p:spPr>
-          <a:xfrm>
-            <a:off x="1471861" y="5000249"/>
-            <a:ext cx="1732547" cy="385011"/>
-          </a:xfrm>
-          <a:prstGeom prst="rect">
-            <a:avLst/>
-          </a:prstGeom>
-        </p:spPr>
-        <p:style>
-          <a:lnRef idx="2">
-            <a:schemeClr val="accent6"/>
-          </a:lnRef>
-          <a:fillRef idx="1">
-            <a:schemeClr val="lt1"/>
-          </a:fillRef>
-          <a:effectRef idx="0">
-            <a:schemeClr val="accent6"/>
-          </a:effectRef>
-          <a:fontRef idx="minor">
-            <a:schemeClr val="dk1"/>
-          </a:fontRef>
-        </p:style>
-        <p:txBody>
-          <a:bodyPr rtlCol="0" anchor="ctr"/>
-          <a:lstStyle/>
-          <a:p>
-            <a:pPr algn="ctr"/>
-            <a:r>
-              <a:rPr kumimoji="1" lang="ja-JP" altLang="en-US" dirty="0" smtClean="0"/>
-              <a:t>リーダー更生</a:t>
-            </a:r>
-            <a:endParaRPr kumimoji="1" lang="ja-JP" altLang="en-US" dirty="0"/>
-          </a:p>
-        </p:txBody>
-      </p:sp>
-      <p:sp>
-        <p:nvSpPr>
-          <p:cNvPr id="10" name="正方形/長方形 9"/>
-          <p:cNvSpPr/>
-          <p:nvPr/>
-        </p:nvSpPr>
-        <p:spPr>
-          <a:xfrm>
-            <a:off x="6737684" y="1600516"/>
-            <a:ext cx="2871537" cy="2662989"/>
-          </a:xfrm>
-          <a:prstGeom prst="rect">
-            <a:avLst/>
-          </a:prstGeom>
-        </p:spPr>
-        <p:style>
-          <a:lnRef idx="2">
-            <a:schemeClr val="accent6"/>
-          </a:lnRef>
-          <a:fillRef idx="1">
-            <a:schemeClr val="lt1"/>
-          </a:fillRef>
-          <a:effectRef idx="0">
-            <a:schemeClr val="accent6"/>
-          </a:effectRef>
-          <a:fontRef idx="minor">
-            <a:schemeClr val="dk1"/>
-          </a:fontRef>
-        </p:style>
-        <p:txBody>
-          <a:bodyPr rtlCol="0" anchor="ctr"/>
-          <a:lstStyle/>
-          <a:p>
-            <a:pPr algn="ctr"/>
-            <a:r>
-              <a:rPr kumimoji="1" lang="ja-JP" altLang="en-US" dirty="0" smtClean="0"/>
-              <a:t>制限時間　</a:t>
-            </a:r>
-            <a:r>
-              <a:rPr kumimoji="1" lang="en-US" altLang="ja-JP" dirty="0" smtClean="0"/>
+              <a:t>委員長</a:t>
+            </a:r>
+            <a:endParaRPr lang="en-US" altLang="ja-JP" sz="2400" dirty="0" smtClean="0"/>
+          </a:p>
+          <a:p>
+            <a:pPr>
+              <a:lnSpc>
+                <a:spcPct val="100000"/>
+              </a:lnSpc>
+            </a:pPr>
+            <a:r>
+              <a:rPr lang="ja-JP" altLang="en-US" sz="2400" dirty="0" smtClean="0"/>
+              <a:t>攻撃パターン</a:t>
+            </a:r>
+            <a:r>
+              <a:rPr lang="en-US" altLang="ja-JP" sz="2400" dirty="0" smtClean="0"/>
+              <a:t>1</a:t>
+            </a:r>
+            <a:r>
+              <a:rPr lang="ja-JP" altLang="en-US" sz="2400" dirty="0" smtClean="0"/>
+              <a:t>：　チョッピングライト（</a:t>
+            </a:r>
+            <a:r>
+              <a:rPr lang="en-US" altLang="ja-JP" sz="2400" dirty="0" smtClean="0"/>
+              <a:t>20</a:t>
+            </a:r>
+            <a:r>
+              <a:rPr lang="ja-JP" altLang="en-US" sz="2400" dirty="0" smtClean="0"/>
+              <a:t>）</a:t>
+            </a:r>
+            <a:endParaRPr lang="en-US" altLang="ja-JP" sz="2400" dirty="0" smtClean="0"/>
+          </a:p>
+          <a:p>
+            <a:pPr>
+              <a:lnSpc>
+                <a:spcPct val="100000"/>
+              </a:lnSpc>
+            </a:pPr>
+            <a:r>
+              <a:rPr lang="ja-JP" altLang="en-US" sz="2400" dirty="0" smtClean="0"/>
+              <a:t>攻撃パターン</a:t>
+            </a:r>
+            <a:r>
+              <a:rPr lang="en-US" altLang="ja-JP" sz="2400" dirty="0" smtClean="0"/>
+              <a:t>2</a:t>
+            </a:r>
+            <a:r>
+              <a:rPr lang="ja-JP" altLang="en-US" sz="2400" dirty="0" smtClean="0"/>
+              <a:t>：　ショルダータックル（</a:t>
+            </a:r>
+            <a:r>
+              <a:rPr lang="en-US" altLang="ja-JP" sz="2400" dirty="0" smtClean="0"/>
+              <a:t>40</a:t>
+            </a:r>
+            <a:r>
+              <a:rPr lang="ja-JP" altLang="en-US" sz="2400" dirty="0" smtClean="0"/>
+              <a:t>）</a:t>
+            </a:r>
+            <a:endParaRPr lang="en-US" altLang="ja-JP" sz="2400" dirty="0" smtClean="0"/>
+          </a:p>
+          <a:p>
+            <a:pPr>
+              <a:lnSpc>
+                <a:spcPct val="100000"/>
+              </a:lnSpc>
+            </a:pPr>
+            <a:r>
+              <a:rPr lang="ja-JP" altLang="en-US" sz="2400" dirty="0" smtClean="0"/>
+              <a:t>攻撃パターン</a:t>
+            </a:r>
+            <a:r>
+              <a:rPr lang="en-US" altLang="ja-JP" sz="2400" dirty="0" smtClean="0"/>
               <a:t>3</a:t>
             </a:r>
             <a:r>
-              <a:rPr kumimoji="1" lang="ja-JP" altLang="en-US" dirty="0" smtClean="0"/>
-              <a:t>：</a:t>
-            </a:r>
-            <a:r>
-              <a:rPr kumimoji="1" lang="en-US" altLang="ja-JP" dirty="0" smtClean="0"/>
-              <a:t>00</a:t>
-            </a:r>
-            <a:endParaRPr kumimoji="1" lang="ja-JP" altLang="en-US" dirty="0"/>
+              <a:rPr lang="ja-JP" altLang="en-US" sz="2400" dirty="0" smtClean="0"/>
+              <a:t>：　グランドスラップ（</a:t>
+            </a:r>
+            <a:r>
+              <a:rPr lang="en-US" altLang="ja-JP" sz="2400" dirty="0" smtClean="0"/>
+              <a:t>50</a:t>
+            </a:r>
+            <a:r>
+              <a:rPr lang="ja-JP" altLang="en-US" sz="2400" dirty="0" smtClean="0"/>
+              <a:t>）</a:t>
+            </a:r>
+            <a:endParaRPr lang="en-US" altLang="ja-JP" sz="2400" dirty="0" smtClean="0"/>
+          </a:p>
+          <a:p>
+            <a:pPr>
+              <a:lnSpc>
+                <a:spcPct val="100000"/>
+              </a:lnSpc>
+            </a:pPr>
+            <a:endParaRPr lang="en-US" altLang="ja-JP" sz="2400" dirty="0" smtClean="0"/>
           </a:p>
         </p:txBody>
       </p:sp>
     </p:spTree>
     <p:extLst>
       <p:ext uri="{BB962C8B-B14F-4D97-AF65-F5344CB8AC3E}">
-        <p14:creationId xmlns:p14="http://schemas.microsoft.com/office/powerpoint/2010/main" val="655312245"/>
+        <p14:creationId xmlns:p14="http://schemas.microsoft.com/office/powerpoint/2010/main" val="243877208"/>
       </p:ext>
     </p:extLst>
   </p:cSld>
